--- a/document/gameUI.pptx
+++ b/document/gameUI.pptx
@@ -13,7 +13,9 @@
     <p:sldId id="261" r:id="rId7"/>
     <p:sldId id="262" r:id="rId8"/>
     <p:sldId id="263" r:id="rId9"/>
-    <p:sldId id="264" r:id="rId10"/>
+    <p:sldId id="265" r:id="rId10"/>
+    <p:sldId id="266" r:id="rId11"/>
+    <p:sldId id="264" r:id="rId12"/>
   </p:sldIdLst>
   <p:sldSz cx="12192000" cy="6858000"/>
   <p:notesSz cx="6858000" cy="9144000"/>
@@ -112,7 +114,18 @@
       </a:defRPr>
     </a:lvl9pPr>
   </p:defaultTextStyle>
+  <p:extLst>
+    <p:ext uri="{EFAFB233-063F-42B5-8137-9DF3F51BA10A}">
+      <p15:sldGuideLst xmlns:p15="http://schemas.microsoft.com/office/powerpoint/2012/main"/>
+    </p:ext>
+  </p:extLst>
 </p:presentation>
+</file>
+
+<file path=ppt/authors.xml><?xml version="1.0" encoding="utf-8"?>
+<p188:authorLst xmlns:a="http://schemas.openxmlformats.org/drawingml/2006/main" xmlns:r="http://schemas.openxmlformats.org/officeDocument/2006/relationships" xmlns:p188="http://schemas.microsoft.com/office/powerpoint/2018/8/main">
+  <p188:author id="{4CDFD9BB-F35C-302F-D0F3-CE06F935E746}" name="윤장혁(2017182026)" initials="윤" userId="윤장혁(2017182026)" providerId="None"/>
+</p188:authorLst>
 </file>
 
 <file path=ppt/slideLayouts/slideLayout1.xml><?xml version="1.0" encoding="utf-8"?>
@@ -262,7 +275,7 @@
           <a:p>
             <a:fld id="{AB9EB3BD-B079-48C3-B51D-286FB242F709}" type="datetimeFigureOut">
               <a:rPr lang="ko-KR" altLang="en-US" smtClean="0"/>
-              <a:t>2022-04-28</a:t>
+              <a:t>2022-04-30</a:t>
             </a:fld>
             <a:endParaRPr lang="ko-KR" altLang="en-US"/>
           </a:p>
@@ -460,7 +473,7 @@
           <a:p>
             <a:fld id="{AB9EB3BD-B079-48C3-B51D-286FB242F709}" type="datetimeFigureOut">
               <a:rPr lang="ko-KR" altLang="en-US" smtClean="0"/>
-              <a:t>2022-04-28</a:t>
+              <a:t>2022-04-30</a:t>
             </a:fld>
             <a:endParaRPr lang="ko-KR" altLang="en-US"/>
           </a:p>
@@ -668,7 +681,7 @@
           <a:p>
             <a:fld id="{AB9EB3BD-B079-48C3-B51D-286FB242F709}" type="datetimeFigureOut">
               <a:rPr lang="ko-KR" altLang="en-US" smtClean="0"/>
-              <a:t>2022-04-28</a:t>
+              <a:t>2022-04-30</a:t>
             </a:fld>
             <a:endParaRPr lang="ko-KR" altLang="en-US"/>
           </a:p>
@@ -866,7 +879,7 @@
           <a:p>
             <a:fld id="{AB9EB3BD-B079-48C3-B51D-286FB242F709}" type="datetimeFigureOut">
               <a:rPr lang="ko-KR" altLang="en-US" smtClean="0"/>
-              <a:t>2022-04-28</a:t>
+              <a:t>2022-04-30</a:t>
             </a:fld>
             <a:endParaRPr lang="ko-KR" altLang="en-US"/>
           </a:p>
@@ -1141,7 +1154,7 @@
           <a:p>
             <a:fld id="{AB9EB3BD-B079-48C3-B51D-286FB242F709}" type="datetimeFigureOut">
               <a:rPr lang="ko-KR" altLang="en-US" smtClean="0"/>
-              <a:t>2022-04-28</a:t>
+              <a:t>2022-04-30</a:t>
             </a:fld>
             <a:endParaRPr lang="ko-KR" altLang="en-US"/>
           </a:p>
@@ -1406,7 +1419,7 @@
           <a:p>
             <a:fld id="{AB9EB3BD-B079-48C3-B51D-286FB242F709}" type="datetimeFigureOut">
               <a:rPr lang="ko-KR" altLang="en-US" smtClean="0"/>
-              <a:t>2022-04-28</a:t>
+              <a:t>2022-04-30</a:t>
             </a:fld>
             <a:endParaRPr lang="ko-KR" altLang="en-US"/>
           </a:p>
@@ -1818,7 +1831,7 @@
           <a:p>
             <a:fld id="{AB9EB3BD-B079-48C3-B51D-286FB242F709}" type="datetimeFigureOut">
               <a:rPr lang="ko-KR" altLang="en-US" smtClean="0"/>
-              <a:t>2022-04-28</a:t>
+              <a:t>2022-04-30</a:t>
             </a:fld>
             <a:endParaRPr lang="ko-KR" altLang="en-US"/>
           </a:p>
@@ -1959,7 +1972,7 @@
           <a:p>
             <a:fld id="{AB9EB3BD-B079-48C3-B51D-286FB242F709}" type="datetimeFigureOut">
               <a:rPr lang="ko-KR" altLang="en-US" smtClean="0"/>
-              <a:t>2022-04-28</a:t>
+              <a:t>2022-04-30</a:t>
             </a:fld>
             <a:endParaRPr lang="ko-KR" altLang="en-US"/>
           </a:p>
@@ -2072,7 +2085,7 @@
           <a:p>
             <a:fld id="{AB9EB3BD-B079-48C3-B51D-286FB242F709}" type="datetimeFigureOut">
               <a:rPr lang="ko-KR" altLang="en-US" smtClean="0"/>
-              <a:t>2022-04-28</a:t>
+              <a:t>2022-04-30</a:t>
             </a:fld>
             <a:endParaRPr lang="ko-KR" altLang="en-US"/>
           </a:p>
@@ -2383,7 +2396,7 @@
           <a:p>
             <a:fld id="{AB9EB3BD-B079-48C3-B51D-286FB242F709}" type="datetimeFigureOut">
               <a:rPr lang="ko-KR" altLang="en-US" smtClean="0"/>
-              <a:t>2022-04-28</a:t>
+              <a:t>2022-04-30</a:t>
             </a:fld>
             <a:endParaRPr lang="ko-KR" altLang="en-US"/>
           </a:p>
@@ -2671,7 +2684,7 @@
           <a:p>
             <a:fld id="{AB9EB3BD-B079-48C3-B51D-286FB242F709}" type="datetimeFigureOut">
               <a:rPr lang="ko-KR" altLang="en-US" smtClean="0"/>
-              <a:t>2022-04-28</a:t>
+              <a:t>2022-04-30</a:t>
             </a:fld>
             <a:endParaRPr lang="ko-KR" altLang="en-US"/>
           </a:p>
@@ -2912,7 +2925,7 @@
           <a:p>
             <a:fld id="{AB9EB3BD-B079-48C3-B51D-286FB242F709}" type="datetimeFigureOut">
               <a:rPr lang="ko-KR" altLang="en-US" smtClean="0"/>
-              <a:t>2022-04-28</a:t>
+              <a:t>2022-04-30</a:t>
             </a:fld>
             <a:endParaRPr lang="ko-KR" altLang="en-US"/>
           </a:p>
@@ -3890,6 +3903,3049 @@
     <p:extLst>
       <p:ext uri="{BB962C8B-B14F-4D97-AF65-F5344CB8AC3E}">
         <p14:creationId xmlns:p14="http://schemas.microsoft.com/office/powerpoint/2010/main" val="45215523"/>
+      </p:ext>
+    </p:extLst>
+  </p:cSld>
+  <p:clrMapOvr>
+    <a:masterClrMapping/>
+  </p:clrMapOvr>
+</p:sld>
+</file>
+
+<file path=ppt/slides/slide10.xml><?xml version="1.0" encoding="utf-8"?>
+<p:sld xmlns:a="http://schemas.openxmlformats.org/drawingml/2006/main" xmlns:r="http://schemas.openxmlformats.org/officeDocument/2006/relationships" xmlns:p="http://schemas.openxmlformats.org/presentationml/2006/main">
+  <p:cSld>
+    <p:spTree>
+      <p:nvGrpSpPr>
+        <p:cNvPr id="1" name=""/>
+        <p:cNvGrpSpPr/>
+        <p:nvPr/>
+      </p:nvGrpSpPr>
+      <p:grpSpPr>
+        <a:xfrm>
+          <a:off x="0" y="0"/>
+          <a:ext cx="0" cy="0"/>
+          <a:chOff x="0" y="0"/>
+          <a:chExt cx="0" cy="0"/>
+        </a:xfrm>
+      </p:grpSpPr>
+      <p:sp>
+        <p:nvSpPr>
+          <p:cNvPr id="6" name="TextBox 5">
+            <a:extLst>
+              <a:ext uri="{FF2B5EF4-FFF2-40B4-BE49-F238E27FC236}">
+                <a16:creationId xmlns:a16="http://schemas.microsoft.com/office/drawing/2014/main" id="{D3C93AB0-2634-4294-B1F4-E42E14E76E04}"/>
+              </a:ext>
+            </a:extLst>
+          </p:cNvPr>
+          <p:cNvSpPr txBox="1"/>
+          <p:nvPr/>
+        </p:nvSpPr>
+        <p:spPr>
+          <a:xfrm>
+            <a:off x="448887" y="282633"/>
+            <a:ext cx="1531188" cy="369332"/>
+          </a:xfrm>
+          <a:prstGeom prst="rect">
+            <a:avLst/>
+          </a:prstGeom>
+          <a:noFill/>
+        </p:spPr>
+        <p:txBody>
+          <a:bodyPr wrap="none" rtlCol="0">
+            <a:spAutoFit/>
+          </a:bodyPr>
+          <a:lstStyle/>
+          <a:p>
+            <a:r>
+              <a:rPr lang="ko-KR" altLang="en-US" dirty="0"/>
+              <a:t>게임 룸 </a:t>
+            </a:r>
+            <a:r>
+              <a:rPr lang="en-US" altLang="ko-KR" dirty="0"/>
+              <a:t>UI#1</a:t>
+            </a:r>
+            <a:endParaRPr lang="ko-KR" altLang="en-US" dirty="0"/>
+          </a:p>
+        </p:txBody>
+      </p:sp>
+      <p:cxnSp>
+        <p:nvCxnSpPr>
+          <p:cNvPr id="9" name="직선 연결선 8">
+            <a:extLst>
+              <a:ext uri="{FF2B5EF4-FFF2-40B4-BE49-F238E27FC236}">
+                <a16:creationId xmlns:a16="http://schemas.microsoft.com/office/drawing/2014/main" id="{14A2DAA4-4C9D-4F20-9DF5-374467606682}"/>
+              </a:ext>
+            </a:extLst>
+          </p:cNvPr>
+          <p:cNvCxnSpPr/>
+          <p:nvPr/>
+        </p:nvCxnSpPr>
+        <p:spPr>
+          <a:xfrm>
+            <a:off x="0" y="677255"/>
+            <a:ext cx="12192000" cy="0"/>
+          </a:xfrm>
+          <a:prstGeom prst="line">
+            <a:avLst/>
+          </a:prstGeom>
+        </p:spPr>
+        <p:style>
+          <a:lnRef idx="1">
+            <a:schemeClr val="accent1"/>
+          </a:lnRef>
+          <a:fillRef idx="0">
+            <a:schemeClr val="accent1"/>
+          </a:fillRef>
+          <a:effectRef idx="0">
+            <a:schemeClr val="accent1"/>
+          </a:effectRef>
+          <a:fontRef idx="minor">
+            <a:schemeClr val="tx1"/>
+          </a:fontRef>
+        </p:style>
+      </p:cxnSp>
+      <p:sp>
+        <p:nvSpPr>
+          <p:cNvPr id="14" name="직사각형 13">
+            <a:extLst>
+              <a:ext uri="{FF2B5EF4-FFF2-40B4-BE49-F238E27FC236}">
+                <a16:creationId xmlns:a16="http://schemas.microsoft.com/office/drawing/2014/main" id="{A3D68D39-78F0-4460-81B1-6095BF09E14B}"/>
+              </a:ext>
+            </a:extLst>
+          </p:cNvPr>
+          <p:cNvSpPr/>
+          <p:nvPr/>
+        </p:nvSpPr>
+        <p:spPr>
+          <a:xfrm>
+            <a:off x="586356" y="843534"/>
+            <a:ext cx="10656977" cy="5936832"/>
+          </a:xfrm>
+          <a:prstGeom prst="rect">
+            <a:avLst/>
+          </a:prstGeom>
+          <a:solidFill>
+            <a:schemeClr val="bg1"/>
+          </a:solidFill>
+          <a:ln w="38100"/>
+        </p:spPr>
+        <p:style>
+          <a:lnRef idx="2">
+            <a:schemeClr val="accent1">
+              <a:shade val="50000"/>
+            </a:schemeClr>
+          </a:lnRef>
+          <a:fillRef idx="1">
+            <a:schemeClr val="accent1"/>
+          </a:fillRef>
+          <a:effectRef idx="0">
+            <a:schemeClr val="accent1"/>
+          </a:effectRef>
+          <a:fontRef idx="minor">
+            <a:schemeClr val="lt1"/>
+          </a:fontRef>
+        </p:style>
+        <p:txBody>
+          <a:bodyPr rtlCol="0" anchor="ctr"/>
+          <a:lstStyle/>
+          <a:p>
+            <a:pPr algn="ctr"/>
+            <a:endParaRPr lang="ko-KR" altLang="en-US" dirty="0"/>
+          </a:p>
+        </p:txBody>
+      </p:sp>
+      <p:sp>
+        <p:nvSpPr>
+          <p:cNvPr id="3" name="TextBox 2">
+            <a:extLst>
+              <a:ext uri="{FF2B5EF4-FFF2-40B4-BE49-F238E27FC236}">
+                <a16:creationId xmlns:a16="http://schemas.microsoft.com/office/drawing/2014/main" id="{CF7C0446-2682-4764-AE74-DC6F309986C8}"/>
+              </a:ext>
+            </a:extLst>
+          </p:cNvPr>
+          <p:cNvSpPr txBox="1"/>
+          <p:nvPr/>
+        </p:nvSpPr>
+        <p:spPr>
+          <a:xfrm>
+            <a:off x="4692410" y="2609298"/>
+            <a:ext cx="661335" cy="584775"/>
+          </a:xfrm>
+          <a:prstGeom prst="rect">
+            <a:avLst/>
+          </a:prstGeom>
+          <a:noFill/>
+        </p:spPr>
+        <p:txBody>
+          <a:bodyPr wrap="none" rtlCol="0">
+            <a:spAutoFit/>
+          </a:bodyPr>
+          <a:lstStyle/>
+          <a:p>
+            <a:r>
+              <a:rPr lang="en-US" altLang="ko-KR" sz="3200" dirty="0"/>
+              <a:t>VS</a:t>
+            </a:r>
+          </a:p>
+        </p:txBody>
+      </p:sp>
+      <p:sp>
+        <p:nvSpPr>
+          <p:cNvPr id="26" name="직사각형 25">
+            <a:extLst>
+              <a:ext uri="{FF2B5EF4-FFF2-40B4-BE49-F238E27FC236}">
+                <a16:creationId xmlns:a16="http://schemas.microsoft.com/office/drawing/2014/main" id="{2128A9E9-796A-49B7-9B1A-13B380003F88}"/>
+              </a:ext>
+            </a:extLst>
+          </p:cNvPr>
+          <p:cNvSpPr/>
+          <p:nvPr/>
+        </p:nvSpPr>
+        <p:spPr>
+          <a:xfrm>
+            <a:off x="5914844" y="4820762"/>
+            <a:ext cx="3120022" cy="1856104"/>
+          </a:xfrm>
+          <a:prstGeom prst="rect">
+            <a:avLst/>
+          </a:prstGeom>
+          <a:solidFill>
+            <a:srgbClr val="00B050"/>
+          </a:solidFill>
+        </p:spPr>
+        <p:style>
+          <a:lnRef idx="2">
+            <a:schemeClr val="accent1">
+              <a:shade val="50000"/>
+            </a:schemeClr>
+          </a:lnRef>
+          <a:fillRef idx="1">
+            <a:schemeClr val="accent1"/>
+          </a:fillRef>
+          <a:effectRef idx="0">
+            <a:schemeClr val="accent1"/>
+          </a:effectRef>
+          <a:fontRef idx="minor">
+            <a:schemeClr val="lt1"/>
+          </a:fontRef>
+        </p:style>
+        <p:txBody>
+          <a:bodyPr rtlCol="0" anchor="ctr"/>
+          <a:lstStyle/>
+          <a:p>
+            <a:pPr algn="ctr"/>
+            <a:r>
+              <a:rPr lang="ko-KR" altLang="en-US"/>
+              <a:t>맵이미지</a:t>
+            </a:r>
+            <a:endParaRPr lang="ko-KR" altLang="en-US" dirty="0"/>
+          </a:p>
+        </p:txBody>
+      </p:sp>
+      <p:sp>
+        <p:nvSpPr>
+          <p:cNvPr id="27" name="직사각형 26">
+            <a:extLst>
+              <a:ext uri="{FF2B5EF4-FFF2-40B4-BE49-F238E27FC236}">
+                <a16:creationId xmlns:a16="http://schemas.microsoft.com/office/drawing/2014/main" id="{5C4DBF0B-C982-49F7-98CA-4174087007EA}"/>
+              </a:ext>
+            </a:extLst>
+          </p:cNvPr>
+          <p:cNvSpPr/>
+          <p:nvPr/>
+        </p:nvSpPr>
+        <p:spPr>
+          <a:xfrm>
+            <a:off x="9232027" y="4831628"/>
+            <a:ext cx="1616984" cy="501303"/>
+          </a:xfrm>
+          <a:prstGeom prst="rect">
+            <a:avLst/>
+          </a:prstGeom>
+          <a:solidFill>
+            <a:srgbClr val="00B050"/>
+          </a:solidFill>
+        </p:spPr>
+        <p:style>
+          <a:lnRef idx="2">
+            <a:schemeClr val="accent1">
+              <a:shade val="50000"/>
+            </a:schemeClr>
+          </a:lnRef>
+          <a:fillRef idx="1">
+            <a:schemeClr val="accent1"/>
+          </a:fillRef>
+          <a:effectRef idx="0">
+            <a:schemeClr val="accent1"/>
+          </a:effectRef>
+          <a:fontRef idx="minor">
+            <a:schemeClr val="lt1"/>
+          </a:fontRef>
+        </p:style>
+        <p:txBody>
+          <a:bodyPr rtlCol="0" anchor="ctr"/>
+          <a:lstStyle/>
+          <a:p>
+            <a:pPr algn="ctr"/>
+            <a:r>
+              <a:rPr lang="ko-KR" altLang="en-US" sz="1600" dirty="0"/>
+              <a:t>게임시작</a:t>
+            </a:r>
+            <a:r>
+              <a:rPr lang="en-US" altLang="ko-KR" sz="1600" dirty="0"/>
+              <a:t>/</a:t>
+            </a:r>
+            <a:r>
+              <a:rPr lang="ko-KR" altLang="en-US" sz="1600" dirty="0"/>
+              <a:t>준비</a:t>
+            </a:r>
+          </a:p>
+        </p:txBody>
+      </p:sp>
+      <p:sp>
+        <p:nvSpPr>
+          <p:cNvPr id="28" name="직사각형 27">
+            <a:extLst>
+              <a:ext uri="{FF2B5EF4-FFF2-40B4-BE49-F238E27FC236}">
+                <a16:creationId xmlns:a16="http://schemas.microsoft.com/office/drawing/2014/main" id="{494F7D21-4D55-44BD-A09E-A544DE4AC205}"/>
+              </a:ext>
+            </a:extLst>
+          </p:cNvPr>
+          <p:cNvSpPr/>
+          <p:nvPr/>
+        </p:nvSpPr>
+        <p:spPr>
+          <a:xfrm>
+            <a:off x="9232027" y="6120383"/>
+            <a:ext cx="1616984" cy="501303"/>
+          </a:xfrm>
+          <a:prstGeom prst="rect">
+            <a:avLst/>
+          </a:prstGeom>
+          <a:solidFill>
+            <a:srgbClr val="00B050"/>
+          </a:solidFill>
+        </p:spPr>
+        <p:style>
+          <a:lnRef idx="2">
+            <a:schemeClr val="accent1">
+              <a:shade val="50000"/>
+            </a:schemeClr>
+          </a:lnRef>
+          <a:fillRef idx="1">
+            <a:schemeClr val="accent1"/>
+          </a:fillRef>
+          <a:effectRef idx="0">
+            <a:schemeClr val="accent1"/>
+          </a:effectRef>
+          <a:fontRef idx="minor">
+            <a:schemeClr val="lt1"/>
+          </a:fontRef>
+        </p:style>
+        <p:txBody>
+          <a:bodyPr rtlCol="0" anchor="ctr"/>
+          <a:lstStyle/>
+          <a:p>
+            <a:pPr algn="ctr"/>
+            <a:r>
+              <a:rPr lang="ko-KR" altLang="en-US" dirty="0"/>
+              <a:t>팀 변경</a:t>
+            </a:r>
+          </a:p>
+        </p:txBody>
+      </p:sp>
+      <p:sp>
+        <p:nvSpPr>
+          <p:cNvPr id="29" name="직사각형 28">
+            <a:extLst>
+              <a:ext uri="{FF2B5EF4-FFF2-40B4-BE49-F238E27FC236}">
+                <a16:creationId xmlns:a16="http://schemas.microsoft.com/office/drawing/2014/main" id="{90104BF8-FB64-4C94-8F26-D66EC1F28F5E}"/>
+              </a:ext>
+            </a:extLst>
+          </p:cNvPr>
+          <p:cNvSpPr/>
+          <p:nvPr/>
+        </p:nvSpPr>
+        <p:spPr>
+          <a:xfrm>
+            <a:off x="10477301" y="854199"/>
+            <a:ext cx="740231" cy="740231"/>
+          </a:xfrm>
+          <a:prstGeom prst="rect">
+            <a:avLst/>
+          </a:prstGeom>
+          <a:solidFill>
+            <a:srgbClr val="00B050"/>
+          </a:solidFill>
+        </p:spPr>
+        <p:style>
+          <a:lnRef idx="2">
+            <a:schemeClr val="accent1">
+              <a:shade val="50000"/>
+            </a:schemeClr>
+          </a:lnRef>
+          <a:fillRef idx="1">
+            <a:schemeClr val="accent1"/>
+          </a:fillRef>
+          <a:effectRef idx="0">
+            <a:schemeClr val="accent1"/>
+          </a:effectRef>
+          <a:fontRef idx="minor">
+            <a:schemeClr val="lt1"/>
+          </a:fontRef>
+        </p:style>
+        <p:txBody>
+          <a:bodyPr rtlCol="0" anchor="ctr"/>
+          <a:lstStyle/>
+          <a:p>
+            <a:pPr algn="ctr"/>
+            <a:r>
+              <a:rPr lang="ko-KR" altLang="en-US" sz="1600" dirty="0"/>
+              <a:t>게임</a:t>
+            </a:r>
+            <a:endParaRPr lang="en-US" altLang="ko-KR" sz="1600" dirty="0"/>
+          </a:p>
+          <a:p>
+            <a:pPr algn="ctr"/>
+            <a:r>
+              <a:rPr lang="ko-KR" altLang="en-US" sz="1600" dirty="0"/>
+              <a:t>종료</a:t>
+            </a:r>
+          </a:p>
+        </p:txBody>
+      </p:sp>
+      <p:sp>
+        <p:nvSpPr>
+          <p:cNvPr id="30" name="직사각형 29">
+            <a:extLst>
+              <a:ext uri="{FF2B5EF4-FFF2-40B4-BE49-F238E27FC236}">
+                <a16:creationId xmlns:a16="http://schemas.microsoft.com/office/drawing/2014/main" id="{C6252EAA-E8BC-4D11-85C2-93479CF6DB0D}"/>
+              </a:ext>
+            </a:extLst>
+          </p:cNvPr>
+          <p:cNvSpPr/>
+          <p:nvPr/>
+        </p:nvSpPr>
+        <p:spPr>
+          <a:xfrm>
+            <a:off x="9662901" y="854199"/>
+            <a:ext cx="740231" cy="740231"/>
+          </a:xfrm>
+          <a:prstGeom prst="rect">
+            <a:avLst/>
+          </a:prstGeom>
+          <a:solidFill>
+            <a:srgbClr val="00B050"/>
+          </a:solidFill>
+        </p:spPr>
+        <p:style>
+          <a:lnRef idx="2">
+            <a:schemeClr val="accent1">
+              <a:shade val="50000"/>
+            </a:schemeClr>
+          </a:lnRef>
+          <a:fillRef idx="1">
+            <a:schemeClr val="accent1"/>
+          </a:fillRef>
+          <a:effectRef idx="0">
+            <a:schemeClr val="accent1"/>
+          </a:effectRef>
+          <a:fontRef idx="minor">
+            <a:schemeClr val="lt1"/>
+          </a:fontRef>
+        </p:style>
+        <p:txBody>
+          <a:bodyPr rtlCol="0" anchor="ctr"/>
+          <a:lstStyle/>
+          <a:p>
+            <a:pPr algn="ctr"/>
+            <a:r>
+              <a:rPr lang="ko-KR" altLang="en-US" sz="1600" dirty="0"/>
+              <a:t>설정</a:t>
+            </a:r>
+          </a:p>
+        </p:txBody>
+      </p:sp>
+      <p:sp>
+        <p:nvSpPr>
+          <p:cNvPr id="31" name="직사각형 30">
+            <a:extLst>
+              <a:ext uri="{FF2B5EF4-FFF2-40B4-BE49-F238E27FC236}">
+                <a16:creationId xmlns:a16="http://schemas.microsoft.com/office/drawing/2014/main" id="{9EE9167E-9870-4528-8CAF-168E808A730B}"/>
+              </a:ext>
+            </a:extLst>
+          </p:cNvPr>
+          <p:cNvSpPr/>
+          <p:nvPr/>
+        </p:nvSpPr>
+        <p:spPr>
+          <a:xfrm>
+            <a:off x="8848501" y="854199"/>
+            <a:ext cx="740231" cy="740231"/>
+          </a:xfrm>
+          <a:prstGeom prst="rect">
+            <a:avLst/>
+          </a:prstGeom>
+          <a:solidFill>
+            <a:srgbClr val="00B050"/>
+          </a:solidFill>
+        </p:spPr>
+        <p:style>
+          <a:lnRef idx="2">
+            <a:schemeClr val="accent1">
+              <a:shade val="50000"/>
+            </a:schemeClr>
+          </a:lnRef>
+          <a:fillRef idx="1">
+            <a:schemeClr val="accent1"/>
+          </a:fillRef>
+          <a:effectRef idx="0">
+            <a:schemeClr val="accent1"/>
+          </a:effectRef>
+          <a:fontRef idx="minor">
+            <a:schemeClr val="lt1"/>
+          </a:fontRef>
+        </p:style>
+        <p:txBody>
+          <a:bodyPr rtlCol="0" anchor="ctr"/>
+          <a:lstStyle/>
+          <a:p>
+            <a:pPr algn="ctr"/>
+            <a:r>
+              <a:rPr lang="ko-KR" altLang="en-US" sz="1600" dirty="0"/>
+              <a:t>도움말</a:t>
+            </a:r>
+          </a:p>
+        </p:txBody>
+      </p:sp>
+      <p:grpSp>
+        <p:nvGrpSpPr>
+          <p:cNvPr id="5" name="그룹 4">
+            <a:extLst>
+              <a:ext uri="{FF2B5EF4-FFF2-40B4-BE49-F238E27FC236}">
+                <a16:creationId xmlns:a16="http://schemas.microsoft.com/office/drawing/2014/main" id="{F414BF53-C5F7-4695-A596-AA32E24431D5}"/>
+              </a:ext>
+            </a:extLst>
+          </p:cNvPr>
+          <p:cNvGrpSpPr/>
+          <p:nvPr/>
+        </p:nvGrpSpPr>
+        <p:grpSpPr>
+          <a:xfrm>
+            <a:off x="706369" y="1160747"/>
+            <a:ext cx="7737894" cy="1374031"/>
+            <a:chOff x="775380" y="1141989"/>
+            <a:chExt cx="7737894" cy="1374031"/>
+          </a:xfrm>
+        </p:grpSpPr>
+        <p:sp>
+          <p:nvSpPr>
+            <p:cNvPr id="2" name="순서도: 데이터 1">
+              <a:extLst>
+                <a:ext uri="{FF2B5EF4-FFF2-40B4-BE49-F238E27FC236}">
+                  <a16:creationId xmlns:a16="http://schemas.microsoft.com/office/drawing/2014/main" id="{ED371075-E16C-4979-9D2C-852CF99D53C9}"/>
+                </a:ext>
+              </a:extLst>
+            </p:cNvPr>
+            <p:cNvSpPr/>
+            <p:nvPr/>
+          </p:nvSpPr>
+          <p:spPr>
+            <a:xfrm>
+              <a:off x="775380" y="1428125"/>
+              <a:ext cx="7737894" cy="1087895"/>
+            </a:xfrm>
+            <a:prstGeom prst="flowChartInputOutput">
+              <a:avLst/>
+            </a:prstGeom>
+          </p:spPr>
+          <p:style>
+            <a:lnRef idx="2">
+              <a:schemeClr val="accent1">
+                <a:shade val="50000"/>
+              </a:schemeClr>
+            </a:lnRef>
+            <a:fillRef idx="1">
+              <a:schemeClr val="accent1"/>
+            </a:fillRef>
+            <a:effectRef idx="0">
+              <a:schemeClr val="accent1"/>
+            </a:effectRef>
+            <a:fontRef idx="minor">
+              <a:schemeClr val="lt1"/>
+            </a:fontRef>
+          </p:style>
+          <p:txBody>
+            <a:bodyPr rtlCol="0" anchor="ctr"/>
+            <a:lstStyle/>
+            <a:p>
+              <a:pPr algn="ctr"/>
+              <a:endParaRPr lang="ko-KR" altLang="en-US"/>
+            </a:p>
+          </p:txBody>
+        </p:sp>
+        <p:sp>
+          <p:nvSpPr>
+            <p:cNvPr id="18" name="직사각형 17">
+              <a:extLst>
+                <a:ext uri="{FF2B5EF4-FFF2-40B4-BE49-F238E27FC236}">
+                  <a16:creationId xmlns:a16="http://schemas.microsoft.com/office/drawing/2014/main" id="{8B37909E-C51E-4C70-AD0F-6C11E4EFE94E}"/>
+                </a:ext>
+              </a:extLst>
+            </p:cNvPr>
+            <p:cNvSpPr/>
+            <p:nvPr/>
+          </p:nvSpPr>
+          <p:spPr>
+            <a:xfrm>
+              <a:off x="1627944" y="1141989"/>
+              <a:ext cx="1310195" cy="1310195"/>
+            </a:xfrm>
+            <a:prstGeom prst="rect">
+              <a:avLst/>
+            </a:prstGeom>
+            <a:solidFill>
+              <a:srgbClr val="FFFF00"/>
+            </a:solidFill>
+          </p:spPr>
+          <p:style>
+            <a:lnRef idx="2">
+              <a:schemeClr val="accent1">
+                <a:shade val="50000"/>
+              </a:schemeClr>
+            </a:lnRef>
+            <a:fillRef idx="1">
+              <a:schemeClr val="accent1"/>
+            </a:fillRef>
+            <a:effectRef idx="0">
+              <a:schemeClr val="accent1"/>
+            </a:effectRef>
+            <a:fontRef idx="minor">
+              <a:schemeClr val="lt1"/>
+            </a:fontRef>
+          </p:style>
+          <p:txBody>
+            <a:bodyPr rtlCol="0" anchor="ctr"/>
+            <a:lstStyle/>
+            <a:p>
+              <a:pPr algn="ctr"/>
+              <a:r>
+                <a:rPr lang="ko-KR" altLang="en-US" dirty="0">
+                  <a:solidFill>
+                    <a:schemeClr val="tx1"/>
+                  </a:solidFill>
+                </a:rPr>
+                <a:t>이미지</a:t>
+              </a:r>
+            </a:p>
+          </p:txBody>
+        </p:sp>
+        <p:sp>
+          <p:nvSpPr>
+            <p:cNvPr id="32" name="직사각형 31">
+              <a:extLst>
+                <a:ext uri="{FF2B5EF4-FFF2-40B4-BE49-F238E27FC236}">
+                  <a16:creationId xmlns:a16="http://schemas.microsoft.com/office/drawing/2014/main" id="{2508BE33-E72D-4848-85C5-6F35A9769EC7}"/>
+                </a:ext>
+              </a:extLst>
+            </p:cNvPr>
+            <p:cNvSpPr/>
+            <p:nvPr/>
+          </p:nvSpPr>
+          <p:spPr>
+            <a:xfrm>
+              <a:off x="3626912" y="1141989"/>
+              <a:ext cx="1310195" cy="1310195"/>
+            </a:xfrm>
+            <a:prstGeom prst="rect">
+              <a:avLst/>
+            </a:prstGeom>
+            <a:solidFill>
+              <a:srgbClr val="FFFF00"/>
+            </a:solidFill>
+          </p:spPr>
+          <p:style>
+            <a:lnRef idx="2">
+              <a:schemeClr val="accent1">
+                <a:shade val="50000"/>
+              </a:schemeClr>
+            </a:lnRef>
+            <a:fillRef idx="1">
+              <a:schemeClr val="accent1"/>
+            </a:fillRef>
+            <a:effectRef idx="0">
+              <a:schemeClr val="accent1"/>
+            </a:effectRef>
+            <a:fontRef idx="minor">
+              <a:schemeClr val="lt1"/>
+            </a:fontRef>
+          </p:style>
+          <p:txBody>
+            <a:bodyPr rtlCol="0" anchor="ctr"/>
+            <a:lstStyle/>
+            <a:p>
+              <a:pPr algn="ctr"/>
+              <a:r>
+                <a:rPr lang="ko-KR" altLang="en-US" dirty="0">
+                  <a:solidFill>
+                    <a:schemeClr val="tx1"/>
+                  </a:solidFill>
+                </a:rPr>
+                <a:t>이미지</a:t>
+              </a:r>
+            </a:p>
+          </p:txBody>
+        </p:sp>
+        <p:sp>
+          <p:nvSpPr>
+            <p:cNvPr id="33" name="직사각형 32">
+              <a:extLst>
+                <a:ext uri="{FF2B5EF4-FFF2-40B4-BE49-F238E27FC236}">
+                  <a16:creationId xmlns:a16="http://schemas.microsoft.com/office/drawing/2014/main" id="{841D23E2-DDDC-4653-8CC7-FF47681EA9C3}"/>
+                </a:ext>
+              </a:extLst>
+            </p:cNvPr>
+            <p:cNvSpPr/>
+            <p:nvPr/>
+          </p:nvSpPr>
+          <p:spPr>
+            <a:xfrm>
+              <a:off x="5625880" y="1141989"/>
+              <a:ext cx="1310195" cy="1310195"/>
+            </a:xfrm>
+            <a:prstGeom prst="rect">
+              <a:avLst/>
+            </a:prstGeom>
+            <a:solidFill>
+              <a:srgbClr val="FFFF00"/>
+            </a:solidFill>
+          </p:spPr>
+          <p:style>
+            <a:lnRef idx="2">
+              <a:schemeClr val="accent1">
+                <a:shade val="50000"/>
+              </a:schemeClr>
+            </a:lnRef>
+            <a:fillRef idx="1">
+              <a:schemeClr val="accent1"/>
+            </a:fillRef>
+            <a:effectRef idx="0">
+              <a:schemeClr val="accent1"/>
+            </a:effectRef>
+            <a:fontRef idx="minor">
+              <a:schemeClr val="lt1"/>
+            </a:fontRef>
+          </p:style>
+          <p:txBody>
+            <a:bodyPr rtlCol="0" anchor="ctr"/>
+            <a:lstStyle/>
+            <a:p>
+              <a:pPr algn="ctr"/>
+              <a:r>
+                <a:rPr lang="ko-KR" altLang="en-US" dirty="0">
+                  <a:solidFill>
+                    <a:schemeClr val="tx1"/>
+                  </a:solidFill>
+                </a:rPr>
+                <a:t>이미지</a:t>
+              </a:r>
+            </a:p>
+          </p:txBody>
+        </p:sp>
+      </p:grpSp>
+      <p:grpSp>
+        <p:nvGrpSpPr>
+          <p:cNvPr id="4" name="그룹 3">
+            <a:extLst>
+              <a:ext uri="{FF2B5EF4-FFF2-40B4-BE49-F238E27FC236}">
+                <a16:creationId xmlns:a16="http://schemas.microsoft.com/office/drawing/2014/main" id="{70143E3C-65C8-4471-B796-556322AD6C8B}"/>
+              </a:ext>
+            </a:extLst>
+          </p:cNvPr>
+          <p:cNvGrpSpPr/>
+          <p:nvPr/>
+        </p:nvGrpSpPr>
+        <p:grpSpPr>
+          <a:xfrm>
+            <a:off x="2739407" y="3160867"/>
+            <a:ext cx="7737894" cy="1391508"/>
+            <a:chOff x="1320391" y="3387527"/>
+            <a:chExt cx="7737894" cy="1391508"/>
+          </a:xfrm>
+        </p:grpSpPr>
+        <p:sp>
+          <p:nvSpPr>
+            <p:cNvPr id="22" name="순서도: 데이터 21">
+              <a:extLst>
+                <a:ext uri="{FF2B5EF4-FFF2-40B4-BE49-F238E27FC236}">
+                  <a16:creationId xmlns:a16="http://schemas.microsoft.com/office/drawing/2014/main" id="{7D559AED-F297-4329-9D25-B578CEEE2560}"/>
+                </a:ext>
+              </a:extLst>
+            </p:cNvPr>
+            <p:cNvSpPr/>
+            <p:nvPr/>
+          </p:nvSpPr>
+          <p:spPr>
+            <a:xfrm flipH="1">
+              <a:off x="1320391" y="3683055"/>
+              <a:ext cx="7737894" cy="1095980"/>
+            </a:xfrm>
+            <a:prstGeom prst="flowChartInputOutput">
+              <a:avLst/>
+            </a:prstGeom>
+          </p:spPr>
+          <p:style>
+            <a:lnRef idx="2">
+              <a:schemeClr val="accent1">
+                <a:shade val="50000"/>
+              </a:schemeClr>
+            </a:lnRef>
+            <a:fillRef idx="1">
+              <a:schemeClr val="accent1"/>
+            </a:fillRef>
+            <a:effectRef idx="0">
+              <a:schemeClr val="accent1"/>
+            </a:effectRef>
+            <a:fontRef idx="minor">
+              <a:schemeClr val="lt1"/>
+            </a:fontRef>
+          </p:style>
+          <p:txBody>
+            <a:bodyPr rtlCol="0" anchor="ctr"/>
+            <a:lstStyle/>
+            <a:p>
+              <a:pPr algn="ctr"/>
+              <a:endParaRPr lang="ko-KR" altLang="en-US"/>
+            </a:p>
+          </p:txBody>
+        </p:sp>
+        <p:sp>
+          <p:nvSpPr>
+            <p:cNvPr id="34" name="직사각형 33">
+              <a:extLst>
+                <a:ext uri="{FF2B5EF4-FFF2-40B4-BE49-F238E27FC236}">
+                  <a16:creationId xmlns:a16="http://schemas.microsoft.com/office/drawing/2014/main" id="{F018EED7-9622-4EA0-A7A6-2B6BE059229B}"/>
+                </a:ext>
+              </a:extLst>
+            </p:cNvPr>
+            <p:cNvSpPr/>
+            <p:nvPr/>
+          </p:nvSpPr>
+          <p:spPr>
+            <a:xfrm>
+              <a:off x="2848992" y="3387527"/>
+              <a:ext cx="1310195" cy="1310195"/>
+            </a:xfrm>
+            <a:prstGeom prst="rect">
+              <a:avLst/>
+            </a:prstGeom>
+            <a:solidFill>
+              <a:srgbClr val="FFFF00"/>
+            </a:solidFill>
+          </p:spPr>
+          <p:style>
+            <a:lnRef idx="2">
+              <a:schemeClr val="accent1">
+                <a:shade val="50000"/>
+              </a:schemeClr>
+            </a:lnRef>
+            <a:fillRef idx="1">
+              <a:schemeClr val="accent1"/>
+            </a:fillRef>
+            <a:effectRef idx="0">
+              <a:schemeClr val="accent1"/>
+            </a:effectRef>
+            <a:fontRef idx="minor">
+              <a:schemeClr val="lt1"/>
+            </a:fontRef>
+          </p:style>
+          <p:txBody>
+            <a:bodyPr rtlCol="0" anchor="ctr"/>
+            <a:lstStyle/>
+            <a:p>
+              <a:pPr algn="ctr"/>
+              <a:r>
+                <a:rPr lang="ko-KR" altLang="en-US" dirty="0">
+                  <a:solidFill>
+                    <a:schemeClr val="tx1"/>
+                  </a:solidFill>
+                </a:rPr>
+                <a:t>이미지</a:t>
+              </a:r>
+            </a:p>
+          </p:txBody>
+        </p:sp>
+        <p:sp>
+          <p:nvSpPr>
+            <p:cNvPr id="35" name="직사각형 34">
+              <a:extLst>
+                <a:ext uri="{FF2B5EF4-FFF2-40B4-BE49-F238E27FC236}">
+                  <a16:creationId xmlns:a16="http://schemas.microsoft.com/office/drawing/2014/main" id="{1668FC89-C37A-46D6-B3C5-F6031EDB88C7}"/>
+                </a:ext>
+              </a:extLst>
+            </p:cNvPr>
+            <p:cNvSpPr/>
+            <p:nvPr/>
+          </p:nvSpPr>
+          <p:spPr>
+            <a:xfrm>
+              <a:off x="4878836" y="3387527"/>
+              <a:ext cx="1310195" cy="1310195"/>
+            </a:xfrm>
+            <a:prstGeom prst="rect">
+              <a:avLst/>
+            </a:prstGeom>
+            <a:solidFill>
+              <a:srgbClr val="FFFF00"/>
+            </a:solidFill>
+          </p:spPr>
+          <p:style>
+            <a:lnRef idx="2">
+              <a:schemeClr val="accent1">
+                <a:shade val="50000"/>
+              </a:schemeClr>
+            </a:lnRef>
+            <a:fillRef idx="1">
+              <a:schemeClr val="accent1"/>
+            </a:fillRef>
+            <a:effectRef idx="0">
+              <a:schemeClr val="accent1"/>
+            </a:effectRef>
+            <a:fontRef idx="minor">
+              <a:schemeClr val="lt1"/>
+            </a:fontRef>
+          </p:style>
+          <p:txBody>
+            <a:bodyPr rtlCol="0" anchor="ctr"/>
+            <a:lstStyle/>
+            <a:p>
+              <a:pPr algn="ctr"/>
+              <a:r>
+                <a:rPr lang="ko-KR" altLang="en-US" dirty="0">
+                  <a:solidFill>
+                    <a:schemeClr val="tx1"/>
+                  </a:solidFill>
+                </a:rPr>
+                <a:t>이미지</a:t>
+              </a:r>
+            </a:p>
+          </p:txBody>
+        </p:sp>
+        <p:sp>
+          <p:nvSpPr>
+            <p:cNvPr id="36" name="직사각형 35">
+              <a:extLst>
+                <a:ext uri="{FF2B5EF4-FFF2-40B4-BE49-F238E27FC236}">
+                  <a16:creationId xmlns:a16="http://schemas.microsoft.com/office/drawing/2014/main" id="{34FD9969-1CE2-4DE3-89D6-A0DEE9D46614}"/>
+                </a:ext>
+              </a:extLst>
+            </p:cNvPr>
+            <p:cNvSpPr/>
+            <p:nvPr/>
+          </p:nvSpPr>
+          <p:spPr>
+            <a:xfrm>
+              <a:off x="6908680" y="3387527"/>
+              <a:ext cx="1310195" cy="1310195"/>
+            </a:xfrm>
+            <a:prstGeom prst="rect">
+              <a:avLst/>
+            </a:prstGeom>
+            <a:solidFill>
+              <a:srgbClr val="FFFF00"/>
+            </a:solidFill>
+          </p:spPr>
+          <p:style>
+            <a:lnRef idx="2">
+              <a:schemeClr val="accent1">
+                <a:shade val="50000"/>
+              </a:schemeClr>
+            </a:lnRef>
+            <a:fillRef idx="1">
+              <a:schemeClr val="accent1"/>
+            </a:fillRef>
+            <a:effectRef idx="0">
+              <a:schemeClr val="accent1"/>
+            </a:effectRef>
+            <a:fontRef idx="minor">
+              <a:schemeClr val="lt1"/>
+            </a:fontRef>
+          </p:style>
+          <p:txBody>
+            <a:bodyPr rtlCol="0" anchor="ctr"/>
+            <a:lstStyle/>
+            <a:p>
+              <a:pPr algn="ctr"/>
+              <a:r>
+                <a:rPr lang="ko-KR" altLang="en-US" dirty="0">
+                  <a:solidFill>
+                    <a:schemeClr val="tx1"/>
+                  </a:solidFill>
+                </a:rPr>
+                <a:t>이미지</a:t>
+              </a:r>
+            </a:p>
+          </p:txBody>
+        </p:sp>
+      </p:grpSp>
+      <p:grpSp>
+        <p:nvGrpSpPr>
+          <p:cNvPr id="38" name="그룹 37">
+            <a:extLst>
+              <a:ext uri="{FF2B5EF4-FFF2-40B4-BE49-F238E27FC236}">
+                <a16:creationId xmlns:a16="http://schemas.microsoft.com/office/drawing/2014/main" id="{6A9B5822-EFB8-425D-8C96-A01FBBAB6321}"/>
+              </a:ext>
+            </a:extLst>
+          </p:cNvPr>
+          <p:cNvGrpSpPr/>
+          <p:nvPr/>
+        </p:nvGrpSpPr>
+        <p:grpSpPr>
+          <a:xfrm>
+            <a:off x="588054" y="4718653"/>
+            <a:ext cx="5037826" cy="2061713"/>
+            <a:chOff x="931653" y="4528868"/>
+            <a:chExt cx="5037826" cy="2061713"/>
+          </a:xfrm>
+        </p:grpSpPr>
+        <p:sp>
+          <p:nvSpPr>
+            <p:cNvPr id="39" name="직사각형 38">
+              <a:extLst>
+                <a:ext uri="{FF2B5EF4-FFF2-40B4-BE49-F238E27FC236}">
+                  <a16:creationId xmlns:a16="http://schemas.microsoft.com/office/drawing/2014/main" id="{A51015C0-D4BC-41D4-98C6-7A3B5EC1B8AF}"/>
+                </a:ext>
+              </a:extLst>
+            </p:cNvPr>
+            <p:cNvSpPr/>
+            <p:nvPr/>
+          </p:nvSpPr>
+          <p:spPr>
+            <a:xfrm>
+              <a:off x="931653" y="4528868"/>
+              <a:ext cx="5037826" cy="2061713"/>
+            </a:xfrm>
+            <a:prstGeom prst="rect">
+              <a:avLst/>
+            </a:prstGeom>
+          </p:spPr>
+          <p:style>
+            <a:lnRef idx="2">
+              <a:schemeClr val="accent1">
+                <a:shade val="50000"/>
+              </a:schemeClr>
+            </a:lnRef>
+            <a:fillRef idx="1">
+              <a:schemeClr val="accent1"/>
+            </a:fillRef>
+            <a:effectRef idx="0">
+              <a:schemeClr val="accent1"/>
+            </a:effectRef>
+            <a:fontRef idx="minor">
+              <a:schemeClr val="lt1"/>
+            </a:fontRef>
+          </p:style>
+          <p:txBody>
+            <a:bodyPr rtlCol="0" anchor="ctr"/>
+            <a:lstStyle/>
+            <a:p>
+              <a:pPr algn="ctr"/>
+              <a:r>
+                <a:rPr lang="ko-KR" altLang="en-US" dirty="0" err="1"/>
+                <a:t>챗팅</a:t>
+              </a:r>
+              <a:r>
+                <a:rPr lang="ko-KR" altLang="en-US" dirty="0"/>
+                <a:t> 표시</a:t>
+              </a:r>
+            </a:p>
+          </p:txBody>
+        </p:sp>
+        <p:sp>
+          <p:nvSpPr>
+            <p:cNvPr id="40" name="직사각형 39">
+              <a:extLst>
+                <a:ext uri="{FF2B5EF4-FFF2-40B4-BE49-F238E27FC236}">
+                  <a16:creationId xmlns:a16="http://schemas.microsoft.com/office/drawing/2014/main" id="{55E9AF7E-7DA1-4D8B-A916-B98508023198}"/>
+                </a:ext>
+              </a:extLst>
+            </p:cNvPr>
+            <p:cNvSpPr>
+              <a:spLocks noChangeAspect="1"/>
+            </p:cNvSpPr>
+            <p:nvPr/>
+          </p:nvSpPr>
+          <p:spPr>
+            <a:xfrm>
+              <a:off x="957531" y="6291186"/>
+              <a:ext cx="4145299" cy="290769"/>
+            </a:xfrm>
+            <a:prstGeom prst="rect">
+              <a:avLst/>
+            </a:prstGeom>
+            <a:solidFill>
+              <a:schemeClr val="accent2">
+                <a:lumMod val="40000"/>
+                <a:lumOff val="60000"/>
+              </a:schemeClr>
+            </a:solidFill>
+          </p:spPr>
+          <p:style>
+            <a:lnRef idx="2">
+              <a:schemeClr val="accent1">
+                <a:shade val="50000"/>
+              </a:schemeClr>
+            </a:lnRef>
+            <a:fillRef idx="1">
+              <a:schemeClr val="accent1"/>
+            </a:fillRef>
+            <a:effectRef idx="0">
+              <a:schemeClr val="accent1"/>
+            </a:effectRef>
+            <a:fontRef idx="minor">
+              <a:schemeClr val="lt1"/>
+            </a:fontRef>
+          </p:style>
+          <p:txBody>
+            <a:bodyPr rtlCol="0" anchor="ctr"/>
+            <a:lstStyle/>
+            <a:p>
+              <a:pPr algn="ctr"/>
+              <a:r>
+                <a:rPr lang="ko-KR" altLang="en-US" sz="1200" err="1">
+                  <a:solidFill>
+                    <a:schemeClr val="tx1"/>
+                  </a:solidFill>
+                </a:rPr>
+                <a:t>챗팅</a:t>
+              </a:r>
+              <a:r>
+                <a:rPr lang="ko-KR" altLang="en-US" sz="1200" dirty="0">
+                  <a:solidFill>
+                    <a:schemeClr val="tx1"/>
+                  </a:solidFill>
+                </a:rPr>
+                <a:t> 입력란</a:t>
+              </a:r>
+            </a:p>
+          </p:txBody>
+        </p:sp>
+        <p:sp>
+          <p:nvSpPr>
+            <p:cNvPr id="41" name="직사각형 40">
+              <a:extLst>
+                <a:ext uri="{FF2B5EF4-FFF2-40B4-BE49-F238E27FC236}">
+                  <a16:creationId xmlns:a16="http://schemas.microsoft.com/office/drawing/2014/main" id="{A94B7F68-9316-4C88-80DC-0D27ED86AEA0}"/>
+                </a:ext>
+              </a:extLst>
+            </p:cNvPr>
+            <p:cNvSpPr/>
+            <p:nvPr/>
+          </p:nvSpPr>
+          <p:spPr>
+            <a:xfrm>
+              <a:off x="5102830" y="6291186"/>
+              <a:ext cx="866649" cy="290769"/>
+            </a:xfrm>
+            <a:prstGeom prst="rect">
+              <a:avLst/>
+            </a:prstGeom>
+            <a:solidFill>
+              <a:srgbClr val="00B050"/>
+            </a:solidFill>
+          </p:spPr>
+          <p:style>
+            <a:lnRef idx="2">
+              <a:schemeClr val="accent1">
+                <a:shade val="50000"/>
+              </a:schemeClr>
+            </a:lnRef>
+            <a:fillRef idx="1">
+              <a:schemeClr val="accent1"/>
+            </a:fillRef>
+            <a:effectRef idx="0">
+              <a:schemeClr val="accent1"/>
+            </a:effectRef>
+            <a:fontRef idx="minor">
+              <a:schemeClr val="lt1"/>
+            </a:fontRef>
+          </p:style>
+          <p:txBody>
+            <a:bodyPr rtlCol="0" anchor="ctr"/>
+            <a:lstStyle/>
+            <a:p>
+              <a:pPr algn="ctr"/>
+              <a:r>
+                <a:rPr lang="ko-KR" altLang="en-US" sz="1000" dirty="0"/>
+                <a:t>전송</a:t>
+              </a:r>
+            </a:p>
+          </p:txBody>
+        </p:sp>
+      </p:grpSp>
+      <p:sp>
+        <p:nvSpPr>
+          <p:cNvPr id="43" name="직사각형 42">
+            <a:extLst>
+              <a:ext uri="{FF2B5EF4-FFF2-40B4-BE49-F238E27FC236}">
+                <a16:creationId xmlns:a16="http://schemas.microsoft.com/office/drawing/2014/main" id="{183E5AC1-F2F6-4535-9B2A-7FE790298429}"/>
+              </a:ext>
+            </a:extLst>
+          </p:cNvPr>
+          <p:cNvSpPr>
+            <a:spLocks noChangeAspect="1"/>
+          </p:cNvSpPr>
+          <p:nvPr/>
+        </p:nvSpPr>
+        <p:spPr>
+          <a:xfrm>
+            <a:off x="1736060" y="2155265"/>
+            <a:ext cx="955939" cy="315677"/>
+          </a:xfrm>
+          <a:prstGeom prst="rect">
+            <a:avLst/>
+          </a:prstGeom>
+          <a:solidFill>
+            <a:schemeClr val="bg1">
+              <a:lumMod val="95000"/>
+            </a:schemeClr>
+          </a:solidFill>
+        </p:spPr>
+        <p:style>
+          <a:lnRef idx="2">
+            <a:schemeClr val="accent1">
+              <a:shade val="50000"/>
+            </a:schemeClr>
+          </a:lnRef>
+          <a:fillRef idx="1">
+            <a:schemeClr val="accent1"/>
+          </a:fillRef>
+          <a:effectRef idx="0">
+            <a:schemeClr val="accent1"/>
+          </a:effectRef>
+          <a:fontRef idx="minor">
+            <a:schemeClr val="lt1"/>
+          </a:fontRef>
+        </p:style>
+        <p:txBody>
+          <a:bodyPr rtlCol="0" anchor="ctr"/>
+          <a:lstStyle/>
+          <a:p>
+            <a:pPr algn="ctr"/>
+            <a:r>
+              <a:rPr lang="ko-KR" altLang="en-US" sz="1000">
+                <a:solidFill>
+                  <a:schemeClr val="tx1"/>
+                </a:solidFill>
+              </a:rPr>
+              <a:t>닉네임</a:t>
+            </a:r>
+            <a:endParaRPr lang="ko-KR" altLang="en-US" sz="1000" dirty="0">
+              <a:solidFill>
+                <a:schemeClr val="tx1"/>
+              </a:solidFill>
+            </a:endParaRPr>
+          </a:p>
+        </p:txBody>
+      </p:sp>
+      <p:sp>
+        <p:nvSpPr>
+          <p:cNvPr id="44" name="직사각형 43">
+            <a:extLst>
+              <a:ext uri="{FF2B5EF4-FFF2-40B4-BE49-F238E27FC236}">
+                <a16:creationId xmlns:a16="http://schemas.microsoft.com/office/drawing/2014/main" id="{D2DB1F48-927A-408E-985D-0AE126FCCFE4}"/>
+              </a:ext>
+            </a:extLst>
+          </p:cNvPr>
+          <p:cNvSpPr>
+            <a:spLocks noChangeAspect="1"/>
+          </p:cNvSpPr>
+          <p:nvPr/>
+        </p:nvSpPr>
+        <p:spPr>
+          <a:xfrm>
+            <a:off x="3721692" y="2155264"/>
+            <a:ext cx="955939" cy="315677"/>
+          </a:xfrm>
+          <a:prstGeom prst="rect">
+            <a:avLst/>
+          </a:prstGeom>
+          <a:solidFill>
+            <a:schemeClr val="bg1">
+              <a:lumMod val="95000"/>
+            </a:schemeClr>
+          </a:solidFill>
+        </p:spPr>
+        <p:style>
+          <a:lnRef idx="2">
+            <a:schemeClr val="accent1">
+              <a:shade val="50000"/>
+            </a:schemeClr>
+          </a:lnRef>
+          <a:fillRef idx="1">
+            <a:schemeClr val="accent1"/>
+          </a:fillRef>
+          <a:effectRef idx="0">
+            <a:schemeClr val="accent1"/>
+          </a:effectRef>
+          <a:fontRef idx="minor">
+            <a:schemeClr val="lt1"/>
+          </a:fontRef>
+        </p:style>
+        <p:txBody>
+          <a:bodyPr rtlCol="0" anchor="ctr"/>
+          <a:lstStyle/>
+          <a:p>
+            <a:pPr algn="ctr"/>
+            <a:r>
+              <a:rPr lang="ko-KR" altLang="en-US" sz="1000">
+                <a:solidFill>
+                  <a:schemeClr val="tx1"/>
+                </a:solidFill>
+              </a:rPr>
+              <a:t>닉네임</a:t>
+            </a:r>
+            <a:endParaRPr lang="ko-KR" altLang="en-US" sz="1000" dirty="0">
+              <a:solidFill>
+                <a:schemeClr val="tx1"/>
+              </a:solidFill>
+            </a:endParaRPr>
+          </a:p>
+        </p:txBody>
+      </p:sp>
+      <p:sp>
+        <p:nvSpPr>
+          <p:cNvPr id="45" name="직사각형 44">
+            <a:extLst>
+              <a:ext uri="{FF2B5EF4-FFF2-40B4-BE49-F238E27FC236}">
+                <a16:creationId xmlns:a16="http://schemas.microsoft.com/office/drawing/2014/main" id="{C4AC8702-9781-4D8F-AC1A-06900AD6D92C}"/>
+              </a:ext>
+            </a:extLst>
+          </p:cNvPr>
+          <p:cNvSpPr>
+            <a:spLocks noChangeAspect="1"/>
+          </p:cNvSpPr>
+          <p:nvPr/>
+        </p:nvSpPr>
+        <p:spPr>
+          <a:xfrm>
+            <a:off x="5733996" y="2155264"/>
+            <a:ext cx="955939" cy="315677"/>
+          </a:xfrm>
+          <a:prstGeom prst="rect">
+            <a:avLst/>
+          </a:prstGeom>
+          <a:solidFill>
+            <a:schemeClr val="bg1">
+              <a:lumMod val="95000"/>
+            </a:schemeClr>
+          </a:solidFill>
+        </p:spPr>
+        <p:style>
+          <a:lnRef idx="2">
+            <a:schemeClr val="accent1">
+              <a:shade val="50000"/>
+            </a:schemeClr>
+          </a:lnRef>
+          <a:fillRef idx="1">
+            <a:schemeClr val="accent1"/>
+          </a:fillRef>
+          <a:effectRef idx="0">
+            <a:schemeClr val="accent1"/>
+          </a:effectRef>
+          <a:fontRef idx="minor">
+            <a:schemeClr val="lt1"/>
+          </a:fontRef>
+        </p:style>
+        <p:txBody>
+          <a:bodyPr rtlCol="0" anchor="ctr"/>
+          <a:lstStyle/>
+          <a:p>
+            <a:pPr algn="ctr"/>
+            <a:r>
+              <a:rPr lang="ko-KR" altLang="en-US" sz="1000">
+                <a:solidFill>
+                  <a:schemeClr val="tx1"/>
+                </a:solidFill>
+              </a:rPr>
+              <a:t>닉네임</a:t>
+            </a:r>
+            <a:endParaRPr lang="ko-KR" altLang="en-US" sz="1000" dirty="0">
+              <a:solidFill>
+                <a:schemeClr val="tx1"/>
+              </a:solidFill>
+            </a:endParaRPr>
+          </a:p>
+        </p:txBody>
+      </p:sp>
+      <p:sp>
+        <p:nvSpPr>
+          <p:cNvPr id="46" name="직사각형 45">
+            <a:extLst>
+              <a:ext uri="{FF2B5EF4-FFF2-40B4-BE49-F238E27FC236}">
+                <a16:creationId xmlns:a16="http://schemas.microsoft.com/office/drawing/2014/main" id="{1FC7B18A-5120-4235-BB0E-260BEA794759}"/>
+              </a:ext>
+            </a:extLst>
+          </p:cNvPr>
+          <p:cNvSpPr>
+            <a:spLocks noChangeAspect="1"/>
+          </p:cNvSpPr>
+          <p:nvPr/>
+        </p:nvSpPr>
+        <p:spPr>
+          <a:xfrm>
+            <a:off x="4445135" y="4150230"/>
+            <a:ext cx="955939" cy="315677"/>
+          </a:xfrm>
+          <a:prstGeom prst="rect">
+            <a:avLst/>
+          </a:prstGeom>
+          <a:solidFill>
+            <a:schemeClr val="bg1">
+              <a:lumMod val="95000"/>
+            </a:schemeClr>
+          </a:solidFill>
+        </p:spPr>
+        <p:style>
+          <a:lnRef idx="2">
+            <a:schemeClr val="accent1">
+              <a:shade val="50000"/>
+            </a:schemeClr>
+          </a:lnRef>
+          <a:fillRef idx="1">
+            <a:schemeClr val="accent1"/>
+          </a:fillRef>
+          <a:effectRef idx="0">
+            <a:schemeClr val="accent1"/>
+          </a:effectRef>
+          <a:fontRef idx="minor">
+            <a:schemeClr val="lt1"/>
+          </a:fontRef>
+        </p:style>
+        <p:txBody>
+          <a:bodyPr rtlCol="0" anchor="ctr"/>
+          <a:lstStyle/>
+          <a:p>
+            <a:pPr algn="ctr"/>
+            <a:r>
+              <a:rPr lang="ko-KR" altLang="en-US" sz="1000">
+                <a:solidFill>
+                  <a:schemeClr val="tx1"/>
+                </a:solidFill>
+              </a:rPr>
+              <a:t>닉네임</a:t>
+            </a:r>
+            <a:endParaRPr lang="ko-KR" altLang="en-US" sz="1000" dirty="0">
+              <a:solidFill>
+                <a:schemeClr val="tx1"/>
+              </a:solidFill>
+            </a:endParaRPr>
+          </a:p>
+        </p:txBody>
+      </p:sp>
+      <p:sp>
+        <p:nvSpPr>
+          <p:cNvPr id="49" name="직사각형 48">
+            <a:extLst>
+              <a:ext uri="{FF2B5EF4-FFF2-40B4-BE49-F238E27FC236}">
+                <a16:creationId xmlns:a16="http://schemas.microsoft.com/office/drawing/2014/main" id="{CDB7B5ED-340C-4C26-87F5-7A82EA26871A}"/>
+              </a:ext>
+            </a:extLst>
+          </p:cNvPr>
+          <p:cNvSpPr>
+            <a:spLocks noChangeAspect="1"/>
+          </p:cNvSpPr>
+          <p:nvPr/>
+        </p:nvSpPr>
+        <p:spPr>
+          <a:xfrm>
+            <a:off x="6474979" y="4150592"/>
+            <a:ext cx="955939" cy="315677"/>
+          </a:xfrm>
+          <a:prstGeom prst="rect">
+            <a:avLst/>
+          </a:prstGeom>
+          <a:solidFill>
+            <a:schemeClr val="bg1">
+              <a:lumMod val="95000"/>
+            </a:schemeClr>
+          </a:solidFill>
+        </p:spPr>
+        <p:style>
+          <a:lnRef idx="2">
+            <a:schemeClr val="accent1">
+              <a:shade val="50000"/>
+            </a:schemeClr>
+          </a:lnRef>
+          <a:fillRef idx="1">
+            <a:schemeClr val="accent1"/>
+          </a:fillRef>
+          <a:effectRef idx="0">
+            <a:schemeClr val="accent1"/>
+          </a:effectRef>
+          <a:fontRef idx="minor">
+            <a:schemeClr val="lt1"/>
+          </a:fontRef>
+        </p:style>
+        <p:txBody>
+          <a:bodyPr rtlCol="0" anchor="ctr"/>
+          <a:lstStyle/>
+          <a:p>
+            <a:pPr algn="ctr"/>
+            <a:r>
+              <a:rPr lang="ko-KR" altLang="en-US" sz="1000">
+                <a:solidFill>
+                  <a:schemeClr val="tx1"/>
+                </a:solidFill>
+              </a:rPr>
+              <a:t>닉네임</a:t>
+            </a:r>
+            <a:endParaRPr lang="ko-KR" altLang="en-US" sz="1000" dirty="0">
+              <a:solidFill>
+                <a:schemeClr val="tx1"/>
+              </a:solidFill>
+            </a:endParaRPr>
+          </a:p>
+        </p:txBody>
+      </p:sp>
+      <p:sp>
+        <p:nvSpPr>
+          <p:cNvPr id="50" name="직사각형 49">
+            <a:extLst>
+              <a:ext uri="{FF2B5EF4-FFF2-40B4-BE49-F238E27FC236}">
+                <a16:creationId xmlns:a16="http://schemas.microsoft.com/office/drawing/2014/main" id="{A567BCF0-427E-4A6E-9A53-6C66B82051EA}"/>
+              </a:ext>
+            </a:extLst>
+          </p:cNvPr>
+          <p:cNvSpPr>
+            <a:spLocks noChangeAspect="1"/>
+          </p:cNvSpPr>
+          <p:nvPr/>
+        </p:nvSpPr>
+        <p:spPr>
+          <a:xfrm>
+            <a:off x="8510278" y="4149574"/>
+            <a:ext cx="955939" cy="315677"/>
+          </a:xfrm>
+          <a:prstGeom prst="rect">
+            <a:avLst/>
+          </a:prstGeom>
+          <a:solidFill>
+            <a:schemeClr val="bg1">
+              <a:lumMod val="95000"/>
+            </a:schemeClr>
+          </a:solidFill>
+        </p:spPr>
+        <p:style>
+          <a:lnRef idx="2">
+            <a:schemeClr val="accent1">
+              <a:shade val="50000"/>
+            </a:schemeClr>
+          </a:lnRef>
+          <a:fillRef idx="1">
+            <a:schemeClr val="accent1"/>
+          </a:fillRef>
+          <a:effectRef idx="0">
+            <a:schemeClr val="accent1"/>
+          </a:effectRef>
+          <a:fontRef idx="minor">
+            <a:schemeClr val="lt1"/>
+          </a:fontRef>
+        </p:style>
+        <p:txBody>
+          <a:bodyPr rtlCol="0" anchor="ctr"/>
+          <a:lstStyle/>
+          <a:p>
+            <a:pPr algn="ctr"/>
+            <a:r>
+              <a:rPr lang="ko-KR" altLang="en-US" sz="1000">
+                <a:solidFill>
+                  <a:schemeClr val="tx1"/>
+                </a:solidFill>
+              </a:rPr>
+              <a:t>닉네임</a:t>
+            </a:r>
+            <a:endParaRPr lang="ko-KR" altLang="en-US" sz="1000" dirty="0">
+              <a:solidFill>
+                <a:schemeClr val="tx1"/>
+              </a:solidFill>
+            </a:endParaRPr>
+          </a:p>
+        </p:txBody>
+      </p:sp>
+      <p:sp>
+        <p:nvSpPr>
+          <p:cNvPr id="51" name="직사각형 50">
+            <a:extLst>
+              <a:ext uri="{FF2B5EF4-FFF2-40B4-BE49-F238E27FC236}">
+                <a16:creationId xmlns:a16="http://schemas.microsoft.com/office/drawing/2014/main" id="{99EEA8C6-518B-43EE-A260-1351536E432C}"/>
+              </a:ext>
+            </a:extLst>
+          </p:cNvPr>
+          <p:cNvSpPr/>
+          <p:nvPr/>
+        </p:nvSpPr>
+        <p:spPr>
+          <a:xfrm>
+            <a:off x="2655595" y="1017089"/>
+            <a:ext cx="334498" cy="334498"/>
+          </a:xfrm>
+          <a:prstGeom prst="rect">
+            <a:avLst/>
+          </a:prstGeom>
+          <a:solidFill>
+            <a:srgbClr val="FFFF00"/>
+          </a:solidFill>
+        </p:spPr>
+        <p:style>
+          <a:lnRef idx="2">
+            <a:schemeClr val="accent1">
+              <a:shade val="50000"/>
+            </a:schemeClr>
+          </a:lnRef>
+          <a:fillRef idx="1">
+            <a:schemeClr val="accent1"/>
+          </a:fillRef>
+          <a:effectRef idx="0">
+            <a:schemeClr val="accent1"/>
+          </a:effectRef>
+          <a:fontRef idx="minor">
+            <a:schemeClr val="lt1"/>
+          </a:fontRef>
+        </p:style>
+        <p:txBody>
+          <a:bodyPr rtlCol="0" anchor="ctr"/>
+          <a:lstStyle/>
+          <a:p>
+            <a:pPr algn="ctr"/>
+            <a:endParaRPr lang="ko-KR" altLang="en-US" dirty="0">
+              <a:solidFill>
+                <a:schemeClr val="tx1"/>
+              </a:solidFill>
+            </a:endParaRPr>
+          </a:p>
+        </p:txBody>
+      </p:sp>
+      <p:sp>
+        <p:nvSpPr>
+          <p:cNvPr id="53" name="직사각형 52">
+            <a:extLst>
+              <a:ext uri="{FF2B5EF4-FFF2-40B4-BE49-F238E27FC236}">
+                <a16:creationId xmlns:a16="http://schemas.microsoft.com/office/drawing/2014/main" id="{46C70082-DB02-41A3-B7AB-5C51D081820B}"/>
+              </a:ext>
+            </a:extLst>
+          </p:cNvPr>
+          <p:cNvSpPr/>
+          <p:nvPr/>
+        </p:nvSpPr>
+        <p:spPr>
+          <a:xfrm>
+            <a:off x="4688579" y="1005956"/>
+            <a:ext cx="334498" cy="334498"/>
+          </a:xfrm>
+          <a:prstGeom prst="rect">
+            <a:avLst/>
+          </a:prstGeom>
+          <a:solidFill>
+            <a:srgbClr val="FFFF00"/>
+          </a:solidFill>
+        </p:spPr>
+        <p:style>
+          <a:lnRef idx="2">
+            <a:schemeClr val="accent1">
+              <a:shade val="50000"/>
+            </a:schemeClr>
+          </a:lnRef>
+          <a:fillRef idx="1">
+            <a:schemeClr val="accent1"/>
+          </a:fillRef>
+          <a:effectRef idx="0">
+            <a:schemeClr val="accent1"/>
+          </a:effectRef>
+          <a:fontRef idx="minor">
+            <a:schemeClr val="lt1"/>
+          </a:fontRef>
+        </p:style>
+        <p:txBody>
+          <a:bodyPr rtlCol="0" anchor="ctr"/>
+          <a:lstStyle/>
+          <a:p>
+            <a:pPr algn="ctr"/>
+            <a:endParaRPr lang="ko-KR" altLang="en-US" dirty="0">
+              <a:solidFill>
+                <a:schemeClr val="tx1"/>
+              </a:solidFill>
+            </a:endParaRPr>
+          </a:p>
+        </p:txBody>
+      </p:sp>
+      <p:sp>
+        <p:nvSpPr>
+          <p:cNvPr id="54" name="직사각형 53">
+            <a:extLst>
+              <a:ext uri="{FF2B5EF4-FFF2-40B4-BE49-F238E27FC236}">
+                <a16:creationId xmlns:a16="http://schemas.microsoft.com/office/drawing/2014/main" id="{D2FD9B56-E030-46AA-A3D4-E644D278D098}"/>
+              </a:ext>
+            </a:extLst>
+          </p:cNvPr>
+          <p:cNvSpPr/>
+          <p:nvPr/>
+        </p:nvSpPr>
+        <p:spPr>
+          <a:xfrm>
+            <a:off x="6699815" y="1005956"/>
+            <a:ext cx="334498" cy="334498"/>
+          </a:xfrm>
+          <a:prstGeom prst="rect">
+            <a:avLst/>
+          </a:prstGeom>
+          <a:solidFill>
+            <a:srgbClr val="FFFF00"/>
+          </a:solidFill>
+        </p:spPr>
+        <p:style>
+          <a:lnRef idx="2">
+            <a:schemeClr val="accent1">
+              <a:shade val="50000"/>
+            </a:schemeClr>
+          </a:lnRef>
+          <a:fillRef idx="1">
+            <a:schemeClr val="accent1"/>
+          </a:fillRef>
+          <a:effectRef idx="0">
+            <a:schemeClr val="accent1"/>
+          </a:effectRef>
+          <a:fontRef idx="minor">
+            <a:schemeClr val="lt1"/>
+          </a:fontRef>
+        </p:style>
+        <p:txBody>
+          <a:bodyPr rtlCol="0" anchor="ctr"/>
+          <a:lstStyle/>
+          <a:p>
+            <a:pPr algn="ctr"/>
+            <a:endParaRPr lang="ko-KR" altLang="en-US" dirty="0">
+              <a:solidFill>
+                <a:schemeClr val="tx1"/>
+              </a:solidFill>
+            </a:endParaRPr>
+          </a:p>
+        </p:txBody>
+      </p:sp>
+      <p:sp>
+        <p:nvSpPr>
+          <p:cNvPr id="55" name="직사각형 54">
+            <a:extLst>
+              <a:ext uri="{FF2B5EF4-FFF2-40B4-BE49-F238E27FC236}">
+                <a16:creationId xmlns:a16="http://schemas.microsoft.com/office/drawing/2014/main" id="{9B8F334C-A733-46A0-87A6-03AF6C32D5AF}"/>
+              </a:ext>
+            </a:extLst>
+          </p:cNvPr>
+          <p:cNvSpPr/>
+          <p:nvPr/>
+        </p:nvSpPr>
+        <p:spPr>
+          <a:xfrm>
+            <a:off x="5410954" y="2990736"/>
+            <a:ext cx="334498" cy="334498"/>
+          </a:xfrm>
+          <a:prstGeom prst="rect">
+            <a:avLst/>
+          </a:prstGeom>
+          <a:solidFill>
+            <a:srgbClr val="FFFF00"/>
+          </a:solidFill>
+        </p:spPr>
+        <p:style>
+          <a:lnRef idx="2">
+            <a:schemeClr val="accent1">
+              <a:shade val="50000"/>
+            </a:schemeClr>
+          </a:lnRef>
+          <a:fillRef idx="1">
+            <a:schemeClr val="accent1"/>
+          </a:fillRef>
+          <a:effectRef idx="0">
+            <a:schemeClr val="accent1"/>
+          </a:effectRef>
+          <a:fontRef idx="minor">
+            <a:schemeClr val="lt1"/>
+          </a:fontRef>
+        </p:style>
+        <p:txBody>
+          <a:bodyPr rtlCol="0" anchor="ctr"/>
+          <a:lstStyle/>
+          <a:p>
+            <a:pPr algn="ctr"/>
+            <a:endParaRPr lang="ko-KR" altLang="en-US" dirty="0">
+              <a:solidFill>
+                <a:schemeClr val="tx1"/>
+              </a:solidFill>
+            </a:endParaRPr>
+          </a:p>
+        </p:txBody>
+      </p:sp>
+      <p:sp>
+        <p:nvSpPr>
+          <p:cNvPr id="56" name="직사각형 55">
+            <a:extLst>
+              <a:ext uri="{FF2B5EF4-FFF2-40B4-BE49-F238E27FC236}">
+                <a16:creationId xmlns:a16="http://schemas.microsoft.com/office/drawing/2014/main" id="{8DDEA408-394C-4809-8D02-0DF2A6806B3B}"/>
+              </a:ext>
+            </a:extLst>
+          </p:cNvPr>
+          <p:cNvSpPr/>
+          <p:nvPr/>
+        </p:nvSpPr>
+        <p:spPr>
+          <a:xfrm>
+            <a:off x="7430918" y="2997329"/>
+            <a:ext cx="334498" cy="334498"/>
+          </a:xfrm>
+          <a:prstGeom prst="rect">
+            <a:avLst/>
+          </a:prstGeom>
+          <a:solidFill>
+            <a:srgbClr val="FFFF00"/>
+          </a:solidFill>
+        </p:spPr>
+        <p:style>
+          <a:lnRef idx="2">
+            <a:schemeClr val="accent1">
+              <a:shade val="50000"/>
+            </a:schemeClr>
+          </a:lnRef>
+          <a:fillRef idx="1">
+            <a:schemeClr val="accent1"/>
+          </a:fillRef>
+          <a:effectRef idx="0">
+            <a:schemeClr val="accent1"/>
+          </a:effectRef>
+          <a:fontRef idx="minor">
+            <a:schemeClr val="lt1"/>
+          </a:fontRef>
+        </p:style>
+        <p:txBody>
+          <a:bodyPr rtlCol="0" anchor="ctr"/>
+          <a:lstStyle/>
+          <a:p>
+            <a:pPr algn="ctr"/>
+            <a:endParaRPr lang="ko-KR" altLang="en-US" dirty="0">
+              <a:solidFill>
+                <a:schemeClr val="tx1"/>
+              </a:solidFill>
+            </a:endParaRPr>
+          </a:p>
+        </p:txBody>
+      </p:sp>
+      <p:sp>
+        <p:nvSpPr>
+          <p:cNvPr id="57" name="직사각형 56">
+            <a:extLst>
+              <a:ext uri="{FF2B5EF4-FFF2-40B4-BE49-F238E27FC236}">
+                <a16:creationId xmlns:a16="http://schemas.microsoft.com/office/drawing/2014/main" id="{AC318428-19A3-4674-93A9-915374D56256}"/>
+              </a:ext>
+            </a:extLst>
+          </p:cNvPr>
+          <p:cNvSpPr/>
+          <p:nvPr/>
+        </p:nvSpPr>
+        <p:spPr>
+          <a:xfrm>
+            <a:off x="9495652" y="2990736"/>
+            <a:ext cx="334498" cy="334498"/>
+          </a:xfrm>
+          <a:prstGeom prst="rect">
+            <a:avLst/>
+          </a:prstGeom>
+          <a:solidFill>
+            <a:srgbClr val="FFFF00"/>
+          </a:solidFill>
+        </p:spPr>
+        <p:style>
+          <a:lnRef idx="2">
+            <a:schemeClr val="accent1">
+              <a:shade val="50000"/>
+            </a:schemeClr>
+          </a:lnRef>
+          <a:fillRef idx="1">
+            <a:schemeClr val="accent1"/>
+          </a:fillRef>
+          <a:effectRef idx="0">
+            <a:schemeClr val="accent1"/>
+          </a:effectRef>
+          <a:fontRef idx="minor">
+            <a:schemeClr val="lt1"/>
+          </a:fontRef>
+        </p:style>
+        <p:txBody>
+          <a:bodyPr rtlCol="0" anchor="ctr"/>
+          <a:lstStyle/>
+          <a:p>
+            <a:pPr algn="ctr"/>
+            <a:endParaRPr lang="ko-KR" altLang="en-US" dirty="0">
+              <a:solidFill>
+                <a:schemeClr val="tx1"/>
+              </a:solidFill>
+            </a:endParaRPr>
+          </a:p>
+        </p:txBody>
+      </p:sp>
+      <p:sp>
+        <p:nvSpPr>
+          <p:cNvPr id="42" name="말풍선: 사각형 41">
+            <a:extLst>
+              <a:ext uri="{FF2B5EF4-FFF2-40B4-BE49-F238E27FC236}">
+                <a16:creationId xmlns:a16="http://schemas.microsoft.com/office/drawing/2014/main" id="{85627D91-CE95-478E-A080-49C9FC1D631D}"/>
+              </a:ext>
+            </a:extLst>
+          </p:cNvPr>
+          <p:cNvSpPr/>
+          <p:nvPr/>
+        </p:nvSpPr>
+        <p:spPr>
+          <a:xfrm>
+            <a:off x="9353330" y="3563737"/>
+            <a:ext cx="2692724" cy="881296"/>
+          </a:xfrm>
+          <a:prstGeom prst="wedgeRectCallout">
+            <a:avLst>
+              <a:gd name="adj1" fmla="val -14082"/>
+              <a:gd name="adj2" fmla="val 87977"/>
+            </a:avLst>
+          </a:prstGeom>
+          <a:solidFill>
+            <a:schemeClr val="accent3">
+              <a:lumMod val="20000"/>
+              <a:lumOff val="80000"/>
+            </a:schemeClr>
+          </a:solidFill>
+        </p:spPr>
+        <p:style>
+          <a:lnRef idx="2">
+            <a:schemeClr val="accent1">
+              <a:shade val="50000"/>
+            </a:schemeClr>
+          </a:lnRef>
+          <a:fillRef idx="1">
+            <a:schemeClr val="accent1"/>
+          </a:fillRef>
+          <a:effectRef idx="0">
+            <a:schemeClr val="accent1"/>
+          </a:effectRef>
+          <a:fontRef idx="minor">
+            <a:schemeClr val="lt1"/>
+          </a:fontRef>
+        </p:style>
+        <p:txBody>
+          <a:bodyPr rtlCol="0" anchor="ctr"/>
+          <a:lstStyle/>
+          <a:p>
+            <a:pPr algn="ctr"/>
+            <a:r>
+              <a:rPr lang="en-US" altLang="ko-KR" sz="1100" dirty="0">
+                <a:solidFill>
+                  <a:schemeClr val="tx1"/>
+                </a:solidFill>
+                <a:latin typeface="+mj-lt"/>
+              </a:rPr>
+              <a:t>host(</a:t>
+            </a:r>
+            <a:r>
+              <a:rPr lang="ko-KR" altLang="en-US" sz="1100" dirty="0">
+                <a:solidFill>
+                  <a:schemeClr val="tx1"/>
+                </a:solidFill>
+                <a:latin typeface="+mj-lt"/>
+              </a:rPr>
+              <a:t>게임 시작</a:t>
+            </a:r>
+            <a:r>
+              <a:rPr lang="en-US" altLang="ko-KR" sz="1100" dirty="0">
+                <a:solidFill>
+                  <a:schemeClr val="tx1"/>
+                </a:solidFill>
+                <a:latin typeface="+mj-lt"/>
+              </a:rPr>
+              <a:t>)</a:t>
+            </a:r>
+          </a:p>
+          <a:p>
+            <a:pPr algn="ctr"/>
+            <a:r>
+              <a:rPr lang="ko-KR" altLang="en-US" sz="1100" dirty="0" err="1">
+                <a:solidFill>
+                  <a:schemeClr val="tx1"/>
+                </a:solidFill>
+                <a:latin typeface="+mj-lt"/>
+              </a:rPr>
+              <a:t>그외</a:t>
+            </a:r>
+            <a:r>
+              <a:rPr lang="en-US" altLang="ko-KR" sz="1100" dirty="0">
+                <a:solidFill>
+                  <a:schemeClr val="tx1"/>
+                </a:solidFill>
+                <a:latin typeface="+mj-lt"/>
+              </a:rPr>
+              <a:t>(</a:t>
+            </a:r>
+            <a:r>
+              <a:rPr lang="ko-KR" altLang="en-US" sz="1100" dirty="0">
+                <a:solidFill>
+                  <a:schemeClr val="tx1"/>
+                </a:solidFill>
+                <a:latin typeface="+mj-lt"/>
+              </a:rPr>
+              <a:t>준비</a:t>
+            </a:r>
+            <a:r>
+              <a:rPr lang="en-US" altLang="ko-KR" sz="1100" dirty="0">
+                <a:solidFill>
+                  <a:schemeClr val="tx1"/>
+                </a:solidFill>
+                <a:latin typeface="+mj-lt"/>
+              </a:rPr>
+              <a:t>)</a:t>
+            </a:r>
+          </a:p>
+          <a:p>
+            <a:pPr algn="ctr"/>
+            <a:r>
+              <a:rPr lang="en-US" altLang="ko-KR" sz="1100" dirty="0">
+                <a:solidFill>
+                  <a:schemeClr val="tx1"/>
+                </a:solidFill>
+                <a:latin typeface="+mj-lt"/>
+              </a:rPr>
+              <a:t>Host</a:t>
+            </a:r>
+            <a:r>
+              <a:rPr lang="ko-KR" altLang="en-US" sz="1100" dirty="0">
+                <a:solidFill>
+                  <a:schemeClr val="tx1"/>
+                </a:solidFill>
+                <a:latin typeface="+mj-lt"/>
+              </a:rPr>
+              <a:t>는 모두 준비가 되기 전까지는</a:t>
+            </a:r>
+            <a:endParaRPr lang="en-US" altLang="ko-KR" sz="1100" dirty="0">
+              <a:solidFill>
+                <a:schemeClr val="tx1"/>
+              </a:solidFill>
+              <a:latin typeface="+mj-lt"/>
+            </a:endParaRPr>
+          </a:p>
+          <a:p>
+            <a:pPr algn="ctr"/>
+            <a:r>
+              <a:rPr lang="ko-KR" altLang="en-US" sz="1100" dirty="0">
+                <a:solidFill>
+                  <a:schemeClr val="tx1"/>
+                </a:solidFill>
+                <a:latin typeface="+mj-lt"/>
+              </a:rPr>
+              <a:t>게임 시작 버튼 비활성화</a:t>
+            </a:r>
+            <a:endParaRPr lang="en-US" altLang="ko-KR" sz="1100" dirty="0">
+              <a:solidFill>
+                <a:schemeClr val="tx1"/>
+              </a:solidFill>
+              <a:latin typeface="+mj-lt"/>
+            </a:endParaRPr>
+          </a:p>
+        </p:txBody>
+      </p:sp>
+      <p:sp>
+        <p:nvSpPr>
+          <p:cNvPr id="47" name="말풍선: 사각형 46">
+            <a:extLst>
+              <a:ext uri="{FF2B5EF4-FFF2-40B4-BE49-F238E27FC236}">
+                <a16:creationId xmlns:a16="http://schemas.microsoft.com/office/drawing/2014/main" id="{15C43384-D848-4B6D-B06A-BC04D668429A}"/>
+              </a:ext>
+            </a:extLst>
+          </p:cNvPr>
+          <p:cNvSpPr/>
+          <p:nvPr/>
+        </p:nvSpPr>
+        <p:spPr>
+          <a:xfrm>
+            <a:off x="2839096" y="4814697"/>
+            <a:ext cx="2906356" cy="645883"/>
+          </a:xfrm>
+          <a:prstGeom prst="wedgeRectCallout">
+            <a:avLst>
+              <a:gd name="adj1" fmla="val 60328"/>
+              <a:gd name="adj2" fmla="val 29234"/>
+            </a:avLst>
+          </a:prstGeom>
+          <a:solidFill>
+            <a:schemeClr val="accent3">
+              <a:lumMod val="20000"/>
+              <a:lumOff val="80000"/>
+            </a:schemeClr>
+          </a:solidFill>
+        </p:spPr>
+        <p:style>
+          <a:lnRef idx="2">
+            <a:schemeClr val="accent1">
+              <a:shade val="50000"/>
+            </a:schemeClr>
+          </a:lnRef>
+          <a:fillRef idx="1">
+            <a:schemeClr val="accent1"/>
+          </a:fillRef>
+          <a:effectRef idx="0">
+            <a:schemeClr val="accent1"/>
+          </a:effectRef>
+          <a:fontRef idx="minor">
+            <a:schemeClr val="lt1"/>
+          </a:fontRef>
+        </p:style>
+        <p:txBody>
+          <a:bodyPr rtlCol="0" anchor="ctr"/>
+          <a:lstStyle/>
+          <a:p>
+            <a:pPr algn="ctr"/>
+            <a:r>
+              <a:rPr lang="ko-KR" altLang="en-US" sz="1100" dirty="0">
+                <a:solidFill>
+                  <a:schemeClr val="tx1"/>
+                </a:solidFill>
+                <a:latin typeface="+mj-lt"/>
+              </a:rPr>
+              <a:t>누르면 맵 선택 </a:t>
+            </a:r>
+            <a:r>
+              <a:rPr lang="en-US" altLang="ko-KR" sz="1100" dirty="0">
+                <a:solidFill>
+                  <a:schemeClr val="tx1"/>
+                </a:solidFill>
+                <a:latin typeface="+mj-lt"/>
+              </a:rPr>
+              <a:t>pop up UI</a:t>
+            </a:r>
+            <a:r>
+              <a:rPr lang="ko-KR" altLang="en-US" sz="1100" dirty="0">
+                <a:solidFill>
+                  <a:schemeClr val="tx1"/>
+                </a:solidFill>
+                <a:latin typeface="+mj-lt"/>
+              </a:rPr>
+              <a:t>등장</a:t>
+            </a:r>
+            <a:endParaRPr lang="en-US" altLang="ko-KR" sz="1100" dirty="0">
+              <a:solidFill>
+                <a:schemeClr val="tx1"/>
+              </a:solidFill>
+              <a:latin typeface="+mj-lt"/>
+            </a:endParaRPr>
+          </a:p>
+          <a:p>
+            <a:pPr algn="ctr"/>
+            <a:r>
+              <a:rPr lang="ko-KR" altLang="en-US" sz="1100" dirty="0">
+                <a:solidFill>
+                  <a:schemeClr val="tx1"/>
+                </a:solidFill>
+                <a:latin typeface="+mj-lt"/>
+              </a:rPr>
+              <a:t>캐릭터 선택 </a:t>
+            </a:r>
+            <a:r>
+              <a:rPr lang="en-US" altLang="ko-KR" sz="1100" dirty="0">
+                <a:solidFill>
+                  <a:schemeClr val="tx1"/>
+                </a:solidFill>
+                <a:latin typeface="+mj-lt"/>
+              </a:rPr>
+              <a:t>UI</a:t>
+            </a:r>
+            <a:r>
+              <a:rPr lang="ko-KR" altLang="en-US" sz="1100" dirty="0">
+                <a:solidFill>
+                  <a:schemeClr val="tx1"/>
+                </a:solidFill>
+                <a:latin typeface="+mj-lt"/>
+              </a:rPr>
+              <a:t>와 동일</a:t>
+            </a:r>
+            <a:endParaRPr lang="en-US" altLang="ko-KR" sz="1100" dirty="0">
+              <a:solidFill>
+                <a:schemeClr val="tx1"/>
+              </a:solidFill>
+              <a:latin typeface="+mj-lt"/>
+            </a:endParaRPr>
+          </a:p>
+        </p:txBody>
+      </p:sp>
+    </p:spTree>
+    <p:extLst>
+      <p:ext uri="{BB962C8B-B14F-4D97-AF65-F5344CB8AC3E}">
+        <p14:creationId xmlns:p14="http://schemas.microsoft.com/office/powerpoint/2010/main" val="1202741855"/>
+      </p:ext>
+    </p:extLst>
+  </p:cSld>
+  <p:clrMapOvr>
+    <a:masterClrMapping/>
+  </p:clrMapOvr>
+</p:sld>
+</file>
+
+<file path=ppt/slides/slide11.xml><?xml version="1.0" encoding="utf-8"?>
+<p:sld xmlns:a="http://schemas.openxmlformats.org/drawingml/2006/main" xmlns:r="http://schemas.openxmlformats.org/officeDocument/2006/relationships" xmlns:p="http://schemas.openxmlformats.org/presentationml/2006/main">
+  <p:cSld>
+    <p:spTree>
+      <p:nvGrpSpPr>
+        <p:cNvPr id="1" name=""/>
+        <p:cNvGrpSpPr/>
+        <p:nvPr/>
+      </p:nvGrpSpPr>
+      <p:grpSpPr>
+        <a:xfrm>
+          <a:off x="0" y="0"/>
+          <a:ext cx="0" cy="0"/>
+          <a:chOff x="0" y="0"/>
+          <a:chExt cx="0" cy="0"/>
+        </a:xfrm>
+      </p:grpSpPr>
+      <p:sp>
+        <p:nvSpPr>
+          <p:cNvPr id="4" name="직사각형 3">
+            <a:extLst>
+              <a:ext uri="{FF2B5EF4-FFF2-40B4-BE49-F238E27FC236}">
+                <a16:creationId xmlns:a16="http://schemas.microsoft.com/office/drawing/2014/main" id="{DFD45B95-007B-4E43-AAC9-76E0E866E14B}"/>
+              </a:ext>
+            </a:extLst>
+          </p:cNvPr>
+          <p:cNvSpPr/>
+          <p:nvPr/>
+        </p:nvSpPr>
+        <p:spPr>
+          <a:xfrm>
+            <a:off x="767511" y="792424"/>
+            <a:ext cx="10656977" cy="5936832"/>
+          </a:xfrm>
+          <a:prstGeom prst="rect">
+            <a:avLst/>
+          </a:prstGeom>
+          <a:solidFill>
+            <a:schemeClr val="bg1"/>
+          </a:solidFill>
+          <a:ln w="38100"/>
+        </p:spPr>
+        <p:style>
+          <a:lnRef idx="2">
+            <a:schemeClr val="accent1">
+              <a:shade val="50000"/>
+            </a:schemeClr>
+          </a:lnRef>
+          <a:fillRef idx="1">
+            <a:schemeClr val="accent1"/>
+          </a:fillRef>
+          <a:effectRef idx="0">
+            <a:schemeClr val="accent1"/>
+          </a:effectRef>
+          <a:fontRef idx="minor">
+            <a:schemeClr val="lt1"/>
+          </a:fontRef>
+        </p:style>
+        <p:txBody>
+          <a:bodyPr rtlCol="0" anchor="ctr"/>
+          <a:lstStyle/>
+          <a:p>
+            <a:pPr algn="ctr"/>
+            <a:endParaRPr lang="ko-KR" altLang="en-US" dirty="0"/>
+          </a:p>
+        </p:txBody>
+      </p:sp>
+      <p:cxnSp>
+        <p:nvCxnSpPr>
+          <p:cNvPr id="17" name="직선 연결선 16">
+            <a:extLst>
+              <a:ext uri="{FF2B5EF4-FFF2-40B4-BE49-F238E27FC236}">
+                <a16:creationId xmlns:a16="http://schemas.microsoft.com/office/drawing/2014/main" id="{37BCD4B5-5C43-4F08-94D5-44CB7F8AA52D}"/>
+              </a:ext>
+            </a:extLst>
+          </p:cNvPr>
+          <p:cNvCxnSpPr/>
+          <p:nvPr/>
+        </p:nvCxnSpPr>
+        <p:spPr>
+          <a:xfrm>
+            <a:off x="0" y="539230"/>
+            <a:ext cx="12192000" cy="0"/>
+          </a:xfrm>
+          <a:prstGeom prst="line">
+            <a:avLst/>
+          </a:prstGeom>
+        </p:spPr>
+        <p:style>
+          <a:lnRef idx="1">
+            <a:schemeClr val="accent1"/>
+          </a:lnRef>
+          <a:fillRef idx="0">
+            <a:schemeClr val="accent1"/>
+          </a:fillRef>
+          <a:effectRef idx="0">
+            <a:schemeClr val="accent1"/>
+          </a:effectRef>
+          <a:fontRef idx="minor">
+            <a:schemeClr val="tx1"/>
+          </a:fontRef>
+        </p:style>
+      </p:cxnSp>
+      <p:sp>
+        <p:nvSpPr>
+          <p:cNvPr id="18" name="TextBox 17">
+            <a:extLst>
+              <a:ext uri="{FF2B5EF4-FFF2-40B4-BE49-F238E27FC236}">
+                <a16:creationId xmlns:a16="http://schemas.microsoft.com/office/drawing/2014/main" id="{E86E68C2-3A3F-4345-9A09-A8BC6F2A92AF}"/>
+              </a:ext>
+            </a:extLst>
+          </p:cNvPr>
+          <p:cNvSpPr txBox="1"/>
+          <p:nvPr/>
+        </p:nvSpPr>
+        <p:spPr>
+          <a:xfrm>
+            <a:off x="448887" y="204999"/>
+            <a:ext cx="1449436" cy="369332"/>
+          </a:xfrm>
+          <a:prstGeom prst="rect">
+            <a:avLst/>
+          </a:prstGeom>
+          <a:noFill/>
+        </p:spPr>
+        <p:txBody>
+          <a:bodyPr wrap="none" rtlCol="0">
+            <a:spAutoFit/>
+          </a:bodyPr>
+          <a:lstStyle/>
+          <a:p>
+            <a:r>
+              <a:rPr lang="ko-KR" altLang="en-US" dirty="0"/>
+              <a:t>인 게임</a:t>
+            </a:r>
+            <a:r>
+              <a:rPr lang="en-US" altLang="ko-KR" dirty="0"/>
+              <a:t>UI#1</a:t>
+            </a:r>
+            <a:endParaRPr lang="ko-KR" altLang="en-US" dirty="0"/>
+          </a:p>
+        </p:txBody>
+      </p:sp>
+      <p:sp>
+        <p:nvSpPr>
+          <p:cNvPr id="36" name="직사각형 35">
+            <a:extLst>
+              <a:ext uri="{FF2B5EF4-FFF2-40B4-BE49-F238E27FC236}">
+                <a16:creationId xmlns:a16="http://schemas.microsoft.com/office/drawing/2014/main" id="{D5E7DE78-9501-47AC-B671-642CF5E10BB7}"/>
+              </a:ext>
+            </a:extLst>
+          </p:cNvPr>
+          <p:cNvSpPr/>
+          <p:nvPr/>
+        </p:nvSpPr>
+        <p:spPr>
+          <a:xfrm>
+            <a:off x="988810" y="6065576"/>
+            <a:ext cx="2953461" cy="429388"/>
+          </a:xfrm>
+          <a:prstGeom prst="rect">
+            <a:avLst/>
+          </a:prstGeom>
+          <a:solidFill>
+            <a:srgbClr val="FFFF00"/>
+          </a:solidFill>
+        </p:spPr>
+        <p:style>
+          <a:lnRef idx="2">
+            <a:schemeClr val="accent1">
+              <a:shade val="50000"/>
+            </a:schemeClr>
+          </a:lnRef>
+          <a:fillRef idx="1">
+            <a:schemeClr val="accent1"/>
+          </a:fillRef>
+          <a:effectRef idx="0">
+            <a:schemeClr val="accent1"/>
+          </a:effectRef>
+          <a:fontRef idx="minor">
+            <a:schemeClr val="lt1"/>
+          </a:fontRef>
+        </p:style>
+        <p:txBody>
+          <a:bodyPr rtlCol="0" anchor="ctr"/>
+          <a:lstStyle/>
+          <a:p>
+            <a:pPr algn="ctr"/>
+            <a:r>
+              <a:rPr lang="ko-KR" altLang="en-US">
+                <a:solidFill>
+                  <a:schemeClr val="tx1"/>
+                </a:solidFill>
+              </a:rPr>
+              <a:t>캐릭터 </a:t>
+            </a:r>
+            <a:r>
+              <a:rPr lang="ko-KR" altLang="en-US" dirty="0" err="1">
+                <a:solidFill>
+                  <a:schemeClr val="tx1"/>
+                </a:solidFill>
+              </a:rPr>
+              <a:t>체력바</a:t>
+            </a:r>
+            <a:endParaRPr lang="ko-KR" altLang="en-US" dirty="0">
+              <a:solidFill>
+                <a:schemeClr val="tx1"/>
+              </a:solidFill>
+            </a:endParaRPr>
+          </a:p>
+        </p:txBody>
+      </p:sp>
+      <p:sp>
+        <p:nvSpPr>
+          <p:cNvPr id="43" name="직사각형 42">
+            <a:extLst>
+              <a:ext uri="{FF2B5EF4-FFF2-40B4-BE49-F238E27FC236}">
+                <a16:creationId xmlns:a16="http://schemas.microsoft.com/office/drawing/2014/main" id="{9D888EF1-804C-4492-A273-767780E0B266}"/>
+              </a:ext>
+            </a:extLst>
+          </p:cNvPr>
+          <p:cNvSpPr/>
+          <p:nvPr/>
+        </p:nvSpPr>
+        <p:spPr>
+          <a:xfrm>
+            <a:off x="10092907" y="6186346"/>
+            <a:ext cx="652731" cy="429388"/>
+          </a:xfrm>
+          <a:prstGeom prst="rect">
+            <a:avLst/>
+          </a:prstGeom>
+          <a:solidFill>
+            <a:srgbClr val="FFFF00"/>
+          </a:solidFill>
+        </p:spPr>
+        <p:style>
+          <a:lnRef idx="2">
+            <a:schemeClr val="accent1">
+              <a:shade val="50000"/>
+            </a:schemeClr>
+          </a:lnRef>
+          <a:fillRef idx="1">
+            <a:schemeClr val="accent1"/>
+          </a:fillRef>
+          <a:effectRef idx="0">
+            <a:schemeClr val="accent1"/>
+          </a:effectRef>
+          <a:fontRef idx="minor">
+            <a:schemeClr val="lt1"/>
+          </a:fontRef>
+        </p:style>
+        <p:txBody>
+          <a:bodyPr rtlCol="0" anchor="ctr"/>
+          <a:lstStyle/>
+          <a:p>
+            <a:pPr algn="ctr"/>
+            <a:r>
+              <a:rPr lang="ko-KR" altLang="en-US" sz="1000" dirty="0">
+                <a:solidFill>
+                  <a:schemeClr val="tx1"/>
+                </a:solidFill>
+              </a:rPr>
+              <a:t>현재 </a:t>
+            </a:r>
+            <a:endParaRPr lang="en-US" altLang="ko-KR" sz="1000" dirty="0">
+              <a:solidFill>
+                <a:schemeClr val="tx1"/>
+              </a:solidFill>
+            </a:endParaRPr>
+          </a:p>
+          <a:p>
+            <a:pPr algn="ctr"/>
+            <a:r>
+              <a:rPr lang="ko-KR" altLang="en-US" sz="1000" dirty="0">
+                <a:solidFill>
+                  <a:schemeClr val="tx1"/>
+                </a:solidFill>
+              </a:rPr>
+              <a:t>아이템</a:t>
+            </a:r>
+          </a:p>
+        </p:txBody>
+      </p:sp>
+      <p:sp>
+        <p:nvSpPr>
+          <p:cNvPr id="54" name="직사각형 53">
+            <a:extLst>
+              <a:ext uri="{FF2B5EF4-FFF2-40B4-BE49-F238E27FC236}">
+                <a16:creationId xmlns:a16="http://schemas.microsoft.com/office/drawing/2014/main" id="{F349FB2A-EE17-4647-AA1D-8B596681E23D}"/>
+              </a:ext>
+            </a:extLst>
+          </p:cNvPr>
+          <p:cNvSpPr/>
+          <p:nvPr/>
+        </p:nvSpPr>
+        <p:spPr>
+          <a:xfrm>
+            <a:off x="5043331" y="3140014"/>
+            <a:ext cx="2105337" cy="2570256"/>
+          </a:xfrm>
+          <a:prstGeom prst="rect">
+            <a:avLst/>
+          </a:prstGeom>
+        </p:spPr>
+        <p:style>
+          <a:lnRef idx="2">
+            <a:schemeClr val="accent1">
+              <a:shade val="50000"/>
+            </a:schemeClr>
+          </a:lnRef>
+          <a:fillRef idx="1">
+            <a:schemeClr val="accent1"/>
+          </a:fillRef>
+          <a:effectRef idx="0">
+            <a:schemeClr val="accent1"/>
+          </a:effectRef>
+          <a:fontRef idx="minor">
+            <a:schemeClr val="lt1"/>
+          </a:fontRef>
+        </p:style>
+        <p:txBody>
+          <a:bodyPr rtlCol="0" anchor="ctr"/>
+          <a:lstStyle/>
+          <a:p>
+            <a:pPr algn="ctr"/>
+            <a:r>
+              <a:rPr lang="ko-KR" altLang="en-US" dirty="0"/>
+              <a:t>캐릭터</a:t>
+            </a:r>
+          </a:p>
+        </p:txBody>
+      </p:sp>
+      <p:sp>
+        <p:nvSpPr>
+          <p:cNvPr id="55" name="직사각형 54">
+            <a:extLst>
+              <a:ext uri="{FF2B5EF4-FFF2-40B4-BE49-F238E27FC236}">
+                <a16:creationId xmlns:a16="http://schemas.microsoft.com/office/drawing/2014/main" id="{A7E22FEE-B107-4707-B375-D37B10A2C419}"/>
+              </a:ext>
+            </a:extLst>
+          </p:cNvPr>
+          <p:cNvSpPr>
+            <a:spLocks noChangeAspect="1"/>
+          </p:cNvSpPr>
+          <p:nvPr/>
+        </p:nvSpPr>
+        <p:spPr>
+          <a:xfrm>
+            <a:off x="5043331" y="2636882"/>
+            <a:ext cx="1521615" cy="376535"/>
+          </a:xfrm>
+          <a:prstGeom prst="rect">
+            <a:avLst/>
+          </a:prstGeom>
+          <a:solidFill>
+            <a:schemeClr val="bg1">
+              <a:lumMod val="95000"/>
+            </a:schemeClr>
+          </a:solidFill>
+        </p:spPr>
+        <p:style>
+          <a:lnRef idx="2">
+            <a:schemeClr val="accent1">
+              <a:shade val="50000"/>
+            </a:schemeClr>
+          </a:lnRef>
+          <a:fillRef idx="1">
+            <a:schemeClr val="accent1"/>
+          </a:fillRef>
+          <a:effectRef idx="0">
+            <a:schemeClr val="accent1"/>
+          </a:effectRef>
+          <a:fontRef idx="minor">
+            <a:schemeClr val="lt1"/>
+          </a:fontRef>
+        </p:style>
+        <p:txBody>
+          <a:bodyPr rtlCol="0" anchor="ctr"/>
+          <a:lstStyle/>
+          <a:p>
+            <a:pPr algn="ctr"/>
+            <a:r>
+              <a:rPr lang="ko-KR" altLang="en-US" sz="1500">
+                <a:solidFill>
+                  <a:schemeClr val="tx1"/>
+                </a:solidFill>
+              </a:rPr>
+              <a:t>닉네임</a:t>
+            </a:r>
+            <a:endParaRPr lang="ko-KR" altLang="en-US" sz="1500" dirty="0">
+              <a:solidFill>
+                <a:schemeClr val="tx1"/>
+              </a:solidFill>
+            </a:endParaRPr>
+          </a:p>
+        </p:txBody>
+      </p:sp>
+      <p:sp>
+        <p:nvSpPr>
+          <p:cNvPr id="56" name="직사각형 55">
+            <a:extLst>
+              <a:ext uri="{FF2B5EF4-FFF2-40B4-BE49-F238E27FC236}">
+                <a16:creationId xmlns:a16="http://schemas.microsoft.com/office/drawing/2014/main" id="{4A4A564D-5644-442F-B336-1AAE2769AA39}"/>
+              </a:ext>
+            </a:extLst>
+          </p:cNvPr>
+          <p:cNvSpPr/>
+          <p:nvPr/>
+        </p:nvSpPr>
+        <p:spPr>
+          <a:xfrm>
+            <a:off x="4433041" y="792424"/>
+            <a:ext cx="955964" cy="955964"/>
+          </a:xfrm>
+          <a:prstGeom prst="rect">
+            <a:avLst/>
+          </a:prstGeom>
+          <a:solidFill>
+            <a:schemeClr val="accent1">
+              <a:lumMod val="75000"/>
+            </a:schemeClr>
+          </a:solidFill>
+        </p:spPr>
+        <p:style>
+          <a:lnRef idx="2">
+            <a:schemeClr val="accent1">
+              <a:shade val="50000"/>
+            </a:schemeClr>
+          </a:lnRef>
+          <a:fillRef idx="1">
+            <a:schemeClr val="accent1"/>
+          </a:fillRef>
+          <a:effectRef idx="0">
+            <a:schemeClr val="accent1"/>
+          </a:effectRef>
+          <a:fontRef idx="minor">
+            <a:schemeClr val="lt1"/>
+          </a:fontRef>
+        </p:style>
+        <p:txBody>
+          <a:bodyPr rtlCol="0" anchor="ctr"/>
+          <a:lstStyle/>
+          <a:p>
+            <a:pPr algn="ctr"/>
+            <a:r>
+              <a:rPr lang="ko-KR" altLang="en-US"/>
+              <a:t>점수</a:t>
+            </a:r>
+            <a:endParaRPr lang="ko-KR" altLang="en-US" dirty="0"/>
+          </a:p>
+        </p:txBody>
+      </p:sp>
+      <p:sp>
+        <p:nvSpPr>
+          <p:cNvPr id="57" name="직사각형 56">
+            <a:extLst>
+              <a:ext uri="{FF2B5EF4-FFF2-40B4-BE49-F238E27FC236}">
+                <a16:creationId xmlns:a16="http://schemas.microsoft.com/office/drawing/2014/main" id="{E5C6E41B-E6BA-44A2-8ED6-8037AF5F56C5}"/>
+              </a:ext>
+            </a:extLst>
+          </p:cNvPr>
+          <p:cNvSpPr/>
+          <p:nvPr/>
+        </p:nvSpPr>
+        <p:spPr>
+          <a:xfrm>
+            <a:off x="6817108" y="792424"/>
+            <a:ext cx="955964" cy="955964"/>
+          </a:xfrm>
+          <a:prstGeom prst="rect">
+            <a:avLst/>
+          </a:prstGeom>
+          <a:solidFill>
+            <a:schemeClr val="accent1">
+              <a:lumMod val="75000"/>
+            </a:schemeClr>
+          </a:solidFill>
+        </p:spPr>
+        <p:style>
+          <a:lnRef idx="2">
+            <a:schemeClr val="accent1">
+              <a:shade val="50000"/>
+            </a:schemeClr>
+          </a:lnRef>
+          <a:fillRef idx="1">
+            <a:schemeClr val="accent1"/>
+          </a:fillRef>
+          <a:effectRef idx="0">
+            <a:schemeClr val="accent1"/>
+          </a:effectRef>
+          <a:fontRef idx="minor">
+            <a:schemeClr val="lt1"/>
+          </a:fontRef>
+        </p:style>
+        <p:txBody>
+          <a:bodyPr rtlCol="0" anchor="ctr"/>
+          <a:lstStyle/>
+          <a:p>
+            <a:pPr algn="ctr"/>
+            <a:r>
+              <a:rPr lang="ko-KR" altLang="en-US"/>
+              <a:t>점수</a:t>
+            </a:r>
+            <a:endParaRPr lang="ko-KR" altLang="en-US" dirty="0"/>
+          </a:p>
+        </p:txBody>
+      </p:sp>
+      <p:sp>
+        <p:nvSpPr>
+          <p:cNvPr id="58" name="직사각형 57">
+            <a:extLst>
+              <a:ext uri="{FF2B5EF4-FFF2-40B4-BE49-F238E27FC236}">
+                <a16:creationId xmlns:a16="http://schemas.microsoft.com/office/drawing/2014/main" id="{0E8E88C1-9815-4ED0-ADDE-8B360D521A42}"/>
+              </a:ext>
+            </a:extLst>
+          </p:cNvPr>
+          <p:cNvSpPr/>
+          <p:nvPr/>
+        </p:nvSpPr>
+        <p:spPr>
+          <a:xfrm>
+            <a:off x="5414883" y="792424"/>
+            <a:ext cx="1362235" cy="376535"/>
+          </a:xfrm>
+          <a:prstGeom prst="rect">
+            <a:avLst/>
+          </a:prstGeom>
+          <a:solidFill>
+            <a:schemeClr val="accent1">
+              <a:lumMod val="75000"/>
+            </a:schemeClr>
+          </a:solidFill>
+        </p:spPr>
+        <p:style>
+          <a:lnRef idx="2">
+            <a:schemeClr val="accent1">
+              <a:shade val="50000"/>
+            </a:schemeClr>
+          </a:lnRef>
+          <a:fillRef idx="1">
+            <a:schemeClr val="accent1"/>
+          </a:fillRef>
+          <a:effectRef idx="0">
+            <a:schemeClr val="accent1"/>
+          </a:effectRef>
+          <a:fontRef idx="minor">
+            <a:schemeClr val="lt1"/>
+          </a:fontRef>
+        </p:style>
+        <p:txBody>
+          <a:bodyPr rtlCol="0" anchor="ctr"/>
+          <a:lstStyle/>
+          <a:p>
+            <a:pPr algn="ctr"/>
+            <a:r>
+              <a:rPr lang="ko-KR" altLang="en-US" sz="1000"/>
+              <a:t>현재 시간</a:t>
+            </a:r>
+            <a:endParaRPr lang="ko-KR" altLang="en-US" sz="1000" dirty="0"/>
+          </a:p>
+        </p:txBody>
+      </p:sp>
+      <p:sp>
+        <p:nvSpPr>
+          <p:cNvPr id="59" name="직사각형 58">
+            <a:extLst>
+              <a:ext uri="{FF2B5EF4-FFF2-40B4-BE49-F238E27FC236}">
+                <a16:creationId xmlns:a16="http://schemas.microsoft.com/office/drawing/2014/main" id="{3FF585B8-F5E1-4604-86BB-356387FC98B5}"/>
+              </a:ext>
+            </a:extLst>
+          </p:cNvPr>
+          <p:cNvSpPr>
+            <a:spLocks noChangeAspect="1"/>
+          </p:cNvSpPr>
+          <p:nvPr/>
+        </p:nvSpPr>
+        <p:spPr>
+          <a:xfrm>
+            <a:off x="988810" y="5562444"/>
+            <a:ext cx="1840654" cy="376535"/>
+          </a:xfrm>
+          <a:prstGeom prst="rect">
+            <a:avLst/>
+          </a:prstGeom>
+          <a:solidFill>
+            <a:schemeClr val="bg1">
+              <a:lumMod val="95000"/>
+            </a:schemeClr>
+          </a:solidFill>
+        </p:spPr>
+        <p:style>
+          <a:lnRef idx="2">
+            <a:schemeClr val="accent1">
+              <a:shade val="50000"/>
+            </a:schemeClr>
+          </a:lnRef>
+          <a:fillRef idx="1">
+            <a:schemeClr val="accent1"/>
+          </a:fillRef>
+          <a:effectRef idx="0">
+            <a:schemeClr val="accent1"/>
+          </a:effectRef>
+          <a:fontRef idx="minor">
+            <a:schemeClr val="lt1"/>
+          </a:fontRef>
+        </p:style>
+        <p:txBody>
+          <a:bodyPr rtlCol="0" anchor="ctr"/>
+          <a:lstStyle/>
+          <a:p>
+            <a:pPr algn="ctr"/>
+            <a:r>
+              <a:rPr lang="ko-KR" altLang="en-US" sz="1500">
+                <a:solidFill>
+                  <a:schemeClr val="tx1"/>
+                </a:solidFill>
+              </a:rPr>
+              <a:t>현재 보유 코인</a:t>
+            </a:r>
+            <a:endParaRPr lang="ko-KR" altLang="en-US" sz="1500" dirty="0">
+              <a:solidFill>
+                <a:schemeClr val="tx1"/>
+              </a:solidFill>
+            </a:endParaRPr>
+          </a:p>
+        </p:txBody>
+      </p:sp>
+      <p:sp>
+        <p:nvSpPr>
+          <p:cNvPr id="61" name="말풍선: 사각형 60">
+            <a:extLst>
+              <a:ext uri="{FF2B5EF4-FFF2-40B4-BE49-F238E27FC236}">
+                <a16:creationId xmlns:a16="http://schemas.microsoft.com/office/drawing/2014/main" id="{2297BAAA-908F-4C82-BA91-78B08A73EE63}"/>
+              </a:ext>
+            </a:extLst>
+          </p:cNvPr>
+          <p:cNvSpPr/>
+          <p:nvPr/>
+        </p:nvSpPr>
+        <p:spPr>
+          <a:xfrm>
+            <a:off x="8125261" y="2178193"/>
+            <a:ext cx="2906356" cy="1293910"/>
+          </a:xfrm>
+          <a:prstGeom prst="wedgeRectCallout">
+            <a:avLst>
+              <a:gd name="adj1" fmla="val -82736"/>
+              <a:gd name="adj2" fmla="val -2168"/>
+            </a:avLst>
+          </a:prstGeom>
+          <a:solidFill>
+            <a:schemeClr val="accent3">
+              <a:lumMod val="20000"/>
+              <a:lumOff val="80000"/>
+            </a:schemeClr>
+          </a:solidFill>
+        </p:spPr>
+        <p:style>
+          <a:lnRef idx="2">
+            <a:schemeClr val="accent1">
+              <a:shade val="50000"/>
+            </a:schemeClr>
+          </a:lnRef>
+          <a:fillRef idx="1">
+            <a:schemeClr val="accent1"/>
+          </a:fillRef>
+          <a:effectRef idx="0">
+            <a:schemeClr val="accent1"/>
+          </a:effectRef>
+          <a:fontRef idx="minor">
+            <a:schemeClr val="lt1"/>
+          </a:fontRef>
+        </p:style>
+        <p:txBody>
+          <a:bodyPr rtlCol="0" anchor="ctr"/>
+          <a:lstStyle/>
+          <a:p>
+            <a:pPr algn="ctr"/>
+            <a:r>
+              <a:rPr lang="ko-KR" altLang="en-US" sz="1400" dirty="0">
+                <a:solidFill>
+                  <a:schemeClr val="tx1"/>
+                </a:solidFill>
+                <a:latin typeface="+mj-lt"/>
+              </a:rPr>
+              <a:t>닉네임 옆에 상대가 가진 </a:t>
+            </a:r>
+            <a:endParaRPr lang="en-US" altLang="ko-KR" sz="1400" dirty="0">
+              <a:solidFill>
+                <a:schemeClr val="tx1"/>
+              </a:solidFill>
+              <a:latin typeface="+mj-lt"/>
+            </a:endParaRPr>
+          </a:p>
+          <a:p>
+            <a:pPr algn="ctr"/>
+            <a:r>
+              <a:rPr lang="ko-KR" altLang="en-US" sz="1400" dirty="0">
+                <a:solidFill>
+                  <a:schemeClr val="tx1"/>
+                </a:solidFill>
+                <a:latin typeface="+mj-lt"/>
+              </a:rPr>
+              <a:t>코인을 이미지로 표시</a:t>
+            </a:r>
+            <a:endParaRPr lang="en-US" altLang="ko-KR" sz="1400" dirty="0">
+              <a:solidFill>
+                <a:schemeClr val="tx1"/>
+              </a:solidFill>
+              <a:latin typeface="+mj-lt"/>
+            </a:endParaRPr>
+          </a:p>
+          <a:p>
+            <a:pPr algn="ctr"/>
+            <a:r>
+              <a:rPr lang="en-US" altLang="ko-KR" sz="1400" dirty="0">
+                <a:solidFill>
+                  <a:schemeClr val="tx1"/>
+                </a:solidFill>
+                <a:latin typeface="+mj-lt"/>
+              </a:rPr>
+              <a:t>0</a:t>
+            </a:r>
+            <a:r>
+              <a:rPr lang="ko-KR" altLang="en-US" sz="1400" dirty="0">
+                <a:solidFill>
+                  <a:schemeClr val="tx1"/>
+                </a:solidFill>
+                <a:latin typeface="+mj-lt"/>
+              </a:rPr>
+              <a:t>개 이상 노란색</a:t>
+            </a:r>
+            <a:endParaRPr lang="en-US" altLang="ko-KR" sz="1400" dirty="0">
+              <a:solidFill>
+                <a:schemeClr val="tx1"/>
+              </a:solidFill>
+              <a:latin typeface="+mj-lt"/>
+            </a:endParaRPr>
+          </a:p>
+          <a:p>
+            <a:pPr algn="ctr"/>
+            <a:r>
+              <a:rPr lang="en-US" altLang="ko-KR" sz="1400" dirty="0">
+                <a:solidFill>
+                  <a:schemeClr val="tx1"/>
+                </a:solidFill>
+                <a:latin typeface="+mj-lt"/>
+              </a:rPr>
+              <a:t>5</a:t>
+            </a:r>
+            <a:r>
+              <a:rPr lang="ko-KR" altLang="en-US" sz="1400" dirty="0">
+                <a:solidFill>
+                  <a:schemeClr val="tx1"/>
+                </a:solidFill>
+                <a:latin typeface="+mj-lt"/>
+              </a:rPr>
+              <a:t>개 이상 주황색</a:t>
+            </a:r>
+            <a:endParaRPr lang="en-US" altLang="ko-KR" sz="1400" dirty="0">
+              <a:solidFill>
+                <a:schemeClr val="tx1"/>
+              </a:solidFill>
+              <a:latin typeface="+mj-lt"/>
+            </a:endParaRPr>
+          </a:p>
+          <a:p>
+            <a:pPr algn="ctr"/>
+            <a:r>
+              <a:rPr lang="en-US" altLang="ko-KR" sz="1400" dirty="0">
+                <a:solidFill>
+                  <a:schemeClr val="tx1"/>
+                </a:solidFill>
+                <a:latin typeface="+mj-lt"/>
+              </a:rPr>
+              <a:t>10</a:t>
+            </a:r>
+            <a:r>
+              <a:rPr lang="ko-KR" altLang="en-US" sz="1400" dirty="0">
+                <a:solidFill>
+                  <a:schemeClr val="tx1"/>
+                </a:solidFill>
+                <a:latin typeface="+mj-lt"/>
+              </a:rPr>
+              <a:t>개 이상 빨간색</a:t>
+            </a:r>
+            <a:endParaRPr lang="en-US" altLang="ko-KR" sz="1400" dirty="0">
+              <a:solidFill>
+                <a:schemeClr val="tx1"/>
+              </a:solidFill>
+              <a:latin typeface="+mj-lt"/>
+            </a:endParaRPr>
+          </a:p>
+        </p:txBody>
+      </p:sp>
+      <p:sp>
+        <p:nvSpPr>
+          <p:cNvPr id="62" name="직사각형 61">
+            <a:extLst>
+              <a:ext uri="{FF2B5EF4-FFF2-40B4-BE49-F238E27FC236}">
+                <a16:creationId xmlns:a16="http://schemas.microsoft.com/office/drawing/2014/main" id="{916AB50A-AE5E-4971-9501-161E1CCFBBAD}"/>
+              </a:ext>
+            </a:extLst>
+          </p:cNvPr>
+          <p:cNvSpPr/>
+          <p:nvPr/>
+        </p:nvSpPr>
+        <p:spPr>
+          <a:xfrm>
+            <a:off x="6669527" y="2642105"/>
+            <a:ext cx="479142" cy="366089"/>
+          </a:xfrm>
+          <a:prstGeom prst="rect">
+            <a:avLst/>
+          </a:prstGeom>
+          <a:solidFill>
+            <a:srgbClr val="FFFF00"/>
+          </a:solidFill>
+        </p:spPr>
+        <p:style>
+          <a:lnRef idx="2">
+            <a:schemeClr val="accent1">
+              <a:shade val="50000"/>
+            </a:schemeClr>
+          </a:lnRef>
+          <a:fillRef idx="1">
+            <a:schemeClr val="accent1"/>
+          </a:fillRef>
+          <a:effectRef idx="0">
+            <a:schemeClr val="accent1"/>
+          </a:effectRef>
+          <a:fontRef idx="minor">
+            <a:schemeClr val="lt1"/>
+          </a:fontRef>
+        </p:style>
+        <p:txBody>
+          <a:bodyPr rtlCol="0" anchor="ctr"/>
+          <a:lstStyle/>
+          <a:p>
+            <a:pPr algn="ctr"/>
+            <a:endParaRPr lang="en-US" altLang="ko-KR" sz="1000" dirty="0">
+              <a:solidFill>
+                <a:schemeClr val="tx1"/>
+              </a:solidFill>
+            </a:endParaRPr>
+          </a:p>
+        </p:txBody>
+      </p:sp>
+    </p:spTree>
+    <p:extLst>
+      <p:ext uri="{BB962C8B-B14F-4D97-AF65-F5344CB8AC3E}">
+        <p14:creationId xmlns:p14="http://schemas.microsoft.com/office/powerpoint/2010/main" val="1232719681"/>
       </p:ext>
     </p:extLst>
   </p:cSld>
@@ -13663,10 +16719,86 @@
       </p:grpSpPr>
       <p:sp>
         <p:nvSpPr>
-          <p:cNvPr id="4" name="직사각형 3">
-            <a:extLst>
-              <a:ext uri="{FF2B5EF4-FFF2-40B4-BE49-F238E27FC236}">
-                <a16:creationId xmlns:a16="http://schemas.microsoft.com/office/drawing/2014/main" id="{DFD45B95-007B-4E43-AAC9-76E0E866E14B}"/>
+          <p:cNvPr id="6" name="TextBox 5">
+            <a:extLst>
+              <a:ext uri="{FF2B5EF4-FFF2-40B4-BE49-F238E27FC236}">
+                <a16:creationId xmlns:a16="http://schemas.microsoft.com/office/drawing/2014/main" id="{D3C93AB0-2634-4294-B1F4-E42E14E76E04}"/>
+              </a:ext>
+            </a:extLst>
+          </p:cNvPr>
+          <p:cNvSpPr txBox="1"/>
+          <p:nvPr/>
+        </p:nvSpPr>
+        <p:spPr>
+          <a:xfrm>
+            <a:off x="448887" y="282633"/>
+            <a:ext cx="1531188" cy="369332"/>
+          </a:xfrm>
+          <a:prstGeom prst="rect">
+            <a:avLst/>
+          </a:prstGeom>
+          <a:noFill/>
+        </p:spPr>
+        <p:txBody>
+          <a:bodyPr wrap="none" rtlCol="0">
+            <a:spAutoFit/>
+          </a:bodyPr>
+          <a:lstStyle/>
+          <a:p>
+            <a:r>
+              <a:rPr lang="ko-KR" altLang="en-US" dirty="0"/>
+              <a:t>게임 룸 </a:t>
+            </a:r>
+            <a:r>
+              <a:rPr lang="en-US" altLang="ko-KR" dirty="0"/>
+              <a:t>UI#1</a:t>
+            </a:r>
+            <a:endParaRPr lang="ko-KR" altLang="en-US" dirty="0"/>
+          </a:p>
+        </p:txBody>
+      </p:sp>
+      <p:cxnSp>
+        <p:nvCxnSpPr>
+          <p:cNvPr id="9" name="직선 연결선 8">
+            <a:extLst>
+              <a:ext uri="{FF2B5EF4-FFF2-40B4-BE49-F238E27FC236}">
+                <a16:creationId xmlns:a16="http://schemas.microsoft.com/office/drawing/2014/main" id="{14A2DAA4-4C9D-4F20-9DF5-374467606682}"/>
+              </a:ext>
+            </a:extLst>
+          </p:cNvPr>
+          <p:cNvCxnSpPr/>
+          <p:nvPr/>
+        </p:nvCxnSpPr>
+        <p:spPr>
+          <a:xfrm>
+            <a:off x="0" y="677255"/>
+            <a:ext cx="12192000" cy="0"/>
+          </a:xfrm>
+          <a:prstGeom prst="line">
+            <a:avLst/>
+          </a:prstGeom>
+        </p:spPr>
+        <p:style>
+          <a:lnRef idx="1">
+            <a:schemeClr val="accent1"/>
+          </a:lnRef>
+          <a:fillRef idx="0">
+            <a:schemeClr val="accent1"/>
+          </a:fillRef>
+          <a:effectRef idx="0">
+            <a:schemeClr val="accent1"/>
+          </a:effectRef>
+          <a:fontRef idx="minor">
+            <a:schemeClr val="tx1"/>
+          </a:fontRef>
+        </p:style>
+      </p:cxnSp>
+      <p:sp>
+        <p:nvSpPr>
+          <p:cNvPr id="14" name="직사각형 13">
+            <a:extLst>
+              <a:ext uri="{FF2B5EF4-FFF2-40B4-BE49-F238E27FC236}">
+                <a16:creationId xmlns:a16="http://schemas.microsoft.com/office/drawing/2014/main" id="{A3D68D39-78F0-4460-81B1-6095BF09E14B}"/>
               </a:ext>
             </a:extLst>
           </p:cNvPr>
@@ -13675,7 +16807,7 @@
         </p:nvSpPr>
         <p:spPr>
           <a:xfrm>
-            <a:off x="767511" y="792424"/>
+            <a:off x="586356" y="843534"/>
             <a:ext cx="10656977" cy="5936832"/>
           </a:xfrm>
           <a:prstGeom prst="rect">
@@ -13711,58 +16843,22 @@
           </a:p>
         </p:txBody>
       </p:sp>
-      <p:cxnSp>
-        <p:nvCxnSpPr>
-          <p:cNvPr id="17" name="직선 연결선 16">
-            <a:extLst>
-              <a:ext uri="{FF2B5EF4-FFF2-40B4-BE49-F238E27FC236}">
-                <a16:creationId xmlns:a16="http://schemas.microsoft.com/office/drawing/2014/main" id="{37BCD4B5-5C43-4F08-94D5-44CB7F8AA52D}"/>
-              </a:ext>
-            </a:extLst>
-          </p:cNvPr>
-          <p:cNvCxnSpPr/>
+      <p:sp>
+        <p:nvSpPr>
+          <p:cNvPr id="3" name="TextBox 2">
+            <a:extLst>
+              <a:ext uri="{FF2B5EF4-FFF2-40B4-BE49-F238E27FC236}">
+                <a16:creationId xmlns:a16="http://schemas.microsoft.com/office/drawing/2014/main" id="{CF7C0446-2682-4764-AE74-DC6F309986C8}"/>
+              </a:ext>
+            </a:extLst>
+          </p:cNvPr>
+          <p:cNvSpPr txBox="1"/>
           <p:nvPr/>
-        </p:nvCxnSpPr>
+        </p:nvSpPr>
         <p:spPr>
           <a:xfrm>
-            <a:off x="0" y="539230"/>
-            <a:ext cx="12192000" cy="0"/>
-          </a:xfrm>
-          <a:prstGeom prst="line">
-            <a:avLst/>
-          </a:prstGeom>
-        </p:spPr>
-        <p:style>
-          <a:lnRef idx="1">
-            <a:schemeClr val="accent1"/>
-          </a:lnRef>
-          <a:fillRef idx="0">
-            <a:schemeClr val="accent1"/>
-          </a:fillRef>
-          <a:effectRef idx="0">
-            <a:schemeClr val="accent1"/>
-          </a:effectRef>
-          <a:fontRef idx="minor">
-            <a:schemeClr val="tx1"/>
-          </a:fontRef>
-        </p:style>
-      </p:cxnSp>
-      <p:sp>
-        <p:nvSpPr>
-          <p:cNvPr id="18" name="TextBox 17">
-            <a:extLst>
-              <a:ext uri="{FF2B5EF4-FFF2-40B4-BE49-F238E27FC236}">
-                <a16:creationId xmlns:a16="http://schemas.microsoft.com/office/drawing/2014/main" id="{E86E68C2-3A3F-4345-9A09-A8BC6F2A92AF}"/>
-              </a:ext>
-            </a:extLst>
-          </p:cNvPr>
-          <p:cNvSpPr txBox="1"/>
-          <p:nvPr/>
-        </p:nvSpPr>
-        <p:spPr>
-          <a:xfrm>
-            <a:off x="448887" y="204999"/>
-            <a:ext cx="1449436" cy="369332"/>
+            <a:off x="4692410" y="2609298"/>
+            <a:ext cx="661335" cy="584775"/>
           </a:xfrm>
           <a:prstGeom prst="rect">
             <a:avLst/>
@@ -13776,23 +16872,18 @@
           <a:lstStyle/>
           <a:p>
             <a:r>
-              <a:rPr lang="ko-KR" altLang="en-US" dirty="0"/>
-              <a:t>인 게임</a:t>
-            </a:r>
-            <a:r>
-              <a:rPr lang="en-US" altLang="ko-KR" dirty="0"/>
-              <a:t>UI#1</a:t>
-            </a:r>
-            <a:endParaRPr lang="ko-KR" altLang="en-US" dirty="0"/>
-          </a:p>
-        </p:txBody>
-      </p:sp>
-      <p:sp>
-        <p:nvSpPr>
-          <p:cNvPr id="36" name="직사각형 35">
-            <a:extLst>
-              <a:ext uri="{FF2B5EF4-FFF2-40B4-BE49-F238E27FC236}">
-                <a16:creationId xmlns:a16="http://schemas.microsoft.com/office/drawing/2014/main" id="{D5E7DE78-9501-47AC-B671-642CF5E10BB7}"/>
+              <a:rPr lang="en-US" altLang="ko-KR" sz="3200" dirty="0"/>
+              <a:t>VS</a:t>
+            </a:r>
+          </a:p>
+        </p:txBody>
+      </p:sp>
+      <p:sp>
+        <p:nvSpPr>
+          <p:cNvPr id="26" name="직사각형 25">
+            <a:extLst>
+              <a:ext uri="{FF2B5EF4-FFF2-40B4-BE49-F238E27FC236}">
+                <a16:creationId xmlns:a16="http://schemas.microsoft.com/office/drawing/2014/main" id="{2128A9E9-796A-49B7-9B1A-13B380003F88}"/>
               </a:ext>
             </a:extLst>
           </p:cNvPr>
@@ -13801,14 +16892,14 @@
         </p:nvSpPr>
         <p:spPr>
           <a:xfrm>
-            <a:off x="988810" y="6065576"/>
-            <a:ext cx="2953461" cy="429388"/>
+            <a:off x="5914844" y="4820762"/>
+            <a:ext cx="1856104" cy="1856104"/>
           </a:xfrm>
           <a:prstGeom prst="rect">
             <a:avLst/>
           </a:prstGeom>
           <a:solidFill>
-            <a:srgbClr val="FFFF00"/>
+            <a:srgbClr val="00B050"/>
           </a:solidFill>
         </p:spPr>
         <p:style>
@@ -13833,35 +16924,19 @@
           <a:p>
             <a:pPr algn="ctr"/>
             <a:r>
-              <a:rPr lang="ko-KR" altLang="en-US">
-                <a:solidFill>
-                  <a:schemeClr val="tx1"/>
-                </a:solidFill>
-              </a:rPr>
-              <a:t>캐릭터 </a:t>
-            </a:r>
-            <a:r>
-              <a:rPr lang="ko-KR" altLang="en-US" dirty="0" err="1">
-                <a:solidFill>
-                  <a:schemeClr val="tx1"/>
-                </a:solidFill>
-              </a:rPr>
-              <a:t>체력바</a:t>
-            </a:r>
-            <a:endParaRPr lang="ko-KR" altLang="en-US" dirty="0">
-              <a:solidFill>
-                <a:schemeClr val="tx1"/>
-              </a:solidFill>
-            </a:endParaRPr>
-          </a:p>
-        </p:txBody>
-      </p:sp>
-      <p:sp>
-        <p:nvSpPr>
-          <p:cNvPr id="43" name="직사각형 42">
-            <a:extLst>
-              <a:ext uri="{FF2B5EF4-FFF2-40B4-BE49-F238E27FC236}">
-                <a16:creationId xmlns:a16="http://schemas.microsoft.com/office/drawing/2014/main" id="{9D888EF1-804C-4492-A273-767780E0B266}"/>
+              <a:rPr lang="ko-KR" altLang="en-US"/>
+              <a:t>맵이미지</a:t>
+            </a:r>
+            <a:endParaRPr lang="ko-KR" altLang="en-US" dirty="0"/>
+          </a:p>
+        </p:txBody>
+      </p:sp>
+      <p:sp>
+        <p:nvSpPr>
+          <p:cNvPr id="27" name="직사각형 26">
+            <a:extLst>
+              <a:ext uri="{FF2B5EF4-FFF2-40B4-BE49-F238E27FC236}">
+                <a16:creationId xmlns:a16="http://schemas.microsoft.com/office/drawing/2014/main" id="{5C4DBF0B-C982-49F7-98CA-4174087007EA}"/>
               </a:ext>
             </a:extLst>
           </p:cNvPr>
@@ -13870,14 +16945,14 @@
         </p:nvSpPr>
         <p:spPr>
           <a:xfrm>
-            <a:off x="10092907" y="6186346"/>
-            <a:ext cx="652731" cy="429388"/>
+            <a:off x="9232027" y="4831628"/>
+            <a:ext cx="1616984" cy="501303"/>
           </a:xfrm>
           <a:prstGeom prst="rect">
             <a:avLst/>
           </a:prstGeom>
           <a:solidFill>
-            <a:srgbClr val="FFFF00"/>
+            <a:srgbClr val="00B050"/>
           </a:solidFill>
         </p:spPr>
         <p:style>
@@ -13902,38 +16977,26 @@
           <a:p>
             <a:pPr algn="ctr"/>
             <a:r>
-              <a:rPr lang="ko-KR" altLang="en-US" sz="1000" dirty="0">
-                <a:solidFill>
-                  <a:schemeClr val="tx1"/>
-                </a:solidFill>
-              </a:rPr>
-              <a:t>현재 </a:t>
-            </a:r>
-            <a:endParaRPr lang="en-US" altLang="ko-KR" sz="1000" dirty="0">
-              <a:solidFill>
-                <a:schemeClr val="tx1"/>
-              </a:solidFill>
-            </a:endParaRPr>
-          </a:p>
-          <a:p>
-            <a:pPr algn="ctr"/>
-            <a:r>
-              <a:rPr lang="ko-KR" altLang="en-US" sz="1000" dirty="0">
-                <a:solidFill>
-                  <a:schemeClr val="tx1"/>
-                </a:solidFill>
-              </a:rPr>
-              <a:t>아이템</a:t>
-            </a:r>
-          </a:p>
-        </p:txBody>
-      </p:sp>
-      <p:sp>
-        <p:nvSpPr>
-          <p:cNvPr id="54" name="직사각형 53">
-            <a:extLst>
-              <a:ext uri="{FF2B5EF4-FFF2-40B4-BE49-F238E27FC236}">
-                <a16:creationId xmlns:a16="http://schemas.microsoft.com/office/drawing/2014/main" id="{F349FB2A-EE17-4647-AA1D-8B596681E23D}"/>
+              <a:rPr lang="ko-KR" altLang="en-US" sz="1600" dirty="0"/>
+              <a:t>게임시작</a:t>
+            </a:r>
+            <a:r>
+              <a:rPr lang="en-US" altLang="ko-KR" sz="1600" dirty="0"/>
+              <a:t>/</a:t>
+            </a:r>
+            <a:r>
+              <a:rPr lang="ko-KR" altLang="en-US" sz="1600" dirty="0"/>
+              <a:t>준비</a:t>
+            </a:r>
+          </a:p>
+        </p:txBody>
+      </p:sp>
+      <p:sp>
+        <p:nvSpPr>
+          <p:cNvPr id="28" name="직사각형 27">
+            <a:extLst>
+              <a:ext uri="{FF2B5EF4-FFF2-40B4-BE49-F238E27FC236}">
+                <a16:creationId xmlns:a16="http://schemas.microsoft.com/office/drawing/2014/main" id="{494F7D21-4D55-44BD-A09E-A544DE4AC205}"/>
               </a:ext>
             </a:extLst>
           </p:cNvPr>
@@ -13942,12 +17005,15 @@
         </p:nvSpPr>
         <p:spPr>
           <a:xfrm>
-            <a:off x="5043331" y="3140014"/>
-            <a:ext cx="2105337" cy="2570256"/>
+            <a:off x="9232027" y="6120383"/>
+            <a:ext cx="1616984" cy="501303"/>
           </a:xfrm>
           <a:prstGeom prst="rect">
             <a:avLst/>
           </a:prstGeom>
+          <a:solidFill>
+            <a:srgbClr val="00B050"/>
+          </a:solidFill>
         </p:spPr>
         <p:style>
           <a:lnRef idx="2">
@@ -13972,17 +17038,846 @@
             <a:pPr algn="ctr"/>
             <a:r>
               <a:rPr lang="ko-KR" altLang="en-US" dirty="0"/>
-              <a:t>캐릭터</a:t>
-            </a:r>
-          </a:p>
-        </p:txBody>
-      </p:sp>
-      <p:sp>
-        <p:nvSpPr>
-          <p:cNvPr id="55" name="직사각형 54">
-            <a:extLst>
-              <a:ext uri="{FF2B5EF4-FFF2-40B4-BE49-F238E27FC236}">
-                <a16:creationId xmlns:a16="http://schemas.microsoft.com/office/drawing/2014/main" id="{A7E22FEE-B107-4707-B375-D37B10A2C419}"/>
+              <a:t>팀 변경</a:t>
+            </a:r>
+          </a:p>
+        </p:txBody>
+      </p:sp>
+      <p:sp>
+        <p:nvSpPr>
+          <p:cNvPr id="29" name="직사각형 28">
+            <a:extLst>
+              <a:ext uri="{FF2B5EF4-FFF2-40B4-BE49-F238E27FC236}">
+                <a16:creationId xmlns:a16="http://schemas.microsoft.com/office/drawing/2014/main" id="{90104BF8-FB64-4C94-8F26-D66EC1F28F5E}"/>
+              </a:ext>
+            </a:extLst>
+          </p:cNvPr>
+          <p:cNvSpPr/>
+          <p:nvPr/>
+        </p:nvSpPr>
+        <p:spPr>
+          <a:xfrm>
+            <a:off x="10477301" y="854199"/>
+            <a:ext cx="740231" cy="740231"/>
+          </a:xfrm>
+          <a:prstGeom prst="rect">
+            <a:avLst/>
+          </a:prstGeom>
+          <a:solidFill>
+            <a:srgbClr val="00B050"/>
+          </a:solidFill>
+        </p:spPr>
+        <p:style>
+          <a:lnRef idx="2">
+            <a:schemeClr val="accent1">
+              <a:shade val="50000"/>
+            </a:schemeClr>
+          </a:lnRef>
+          <a:fillRef idx="1">
+            <a:schemeClr val="accent1"/>
+          </a:fillRef>
+          <a:effectRef idx="0">
+            <a:schemeClr val="accent1"/>
+          </a:effectRef>
+          <a:fontRef idx="minor">
+            <a:schemeClr val="lt1"/>
+          </a:fontRef>
+        </p:style>
+        <p:txBody>
+          <a:bodyPr rtlCol="0" anchor="ctr"/>
+          <a:lstStyle/>
+          <a:p>
+            <a:pPr algn="ctr"/>
+            <a:r>
+              <a:rPr lang="ko-KR" altLang="en-US" sz="1600" dirty="0"/>
+              <a:t>게임</a:t>
+            </a:r>
+            <a:endParaRPr lang="en-US" altLang="ko-KR" sz="1600" dirty="0"/>
+          </a:p>
+          <a:p>
+            <a:pPr algn="ctr"/>
+            <a:r>
+              <a:rPr lang="ko-KR" altLang="en-US" sz="1600" dirty="0"/>
+              <a:t>종료</a:t>
+            </a:r>
+          </a:p>
+        </p:txBody>
+      </p:sp>
+      <p:sp>
+        <p:nvSpPr>
+          <p:cNvPr id="30" name="직사각형 29">
+            <a:extLst>
+              <a:ext uri="{FF2B5EF4-FFF2-40B4-BE49-F238E27FC236}">
+                <a16:creationId xmlns:a16="http://schemas.microsoft.com/office/drawing/2014/main" id="{C6252EAA-E8BC-4D11-85C2-93479CF6DB0D}"/>
+              </a:ext>
+            </a:extLst>
+          </p:cNvPr>
+          <p:cNvSpPr/>
+          <p:nvPr/>
+        </p:nvSpPr>
+        <p:spPr>
+          <a:xfrm>
+            <a:off x="9662901" y="854199"/>
+            <a:ext cx="740231" cy="740231"/>
+          </a:xfrm>
+          <a:prstGeom prst="rect">
+            <a:avLst/>
+          </a:prstGeom>
+          <a:solidFill>
+            <a:srgbClr val="00B050"/>
+          </a:solidFill>
+        </p:spPr>
+        <p:style>
+          <a:lnRef idx="2">
+            <a:schemeClr val="accent1">
+              <a:shade val="50000"/>
+            </a:schemeClr>
+          </a:lnRef>
+          <a:fillRef idx="1">
+            <a:schemeClr val="accent1"/>
+          </a:fillRef>
+          <a:effectRef idx="0">
+            <a:schemeClr val="accent1"/>
+          </a:effectRef>
+          <a:fontRef idx="minor">
+            <a:schemeClr val="lt1"/>
+          </a:fontRef>
+        </p:style>
+        <p:txBody>
+          <a:bodyPr rtlCol="0" anchor="ctr"/>
+          <a:lstStyle/>
+          <a:p>
+            <a:pPr algn="ctr"/>
+            <a:r>
+              <a:rPr lang="ko-KR" altLang="en-US" sz="1600" dirty="0"/>
+              <a:t>설정</a:t>
+            </a:r>
+          </a:p>
+        </p:txBody>
+      </p:sp>
+      <p:sp>
+        <p:nvSpPr>
+          <p:cNvPr id="31" name="직사각형 30">
+            <a:extLst>
+              <a:ext uri="{FF2B5EF4-FFF2-40B4-BE49-F238E27FC236}">
+                <a16:creationId xmlns:a16="http://schemas.microsoft.com/office/drawing/2014/main" id="{9EE9167E-9870-4528-8CAF-168E808A730B}"/>
+              </a:ext>
+            </a:extLst>
+          </p:cNvPr>
+          <p:cNvSpPr/>
+          <p:nvPr/>
+        </p:nvSpPr>
+        <p:spPr>
+          <a:xfrm>
+            <a:off x="8848501" y="854199"/>
+            <a:ext cx="740231" cy="740231"/>
+          </a:xfrm>
+          <a:prstGeom prst="rect">
+            <a:avLst/>
+          </a:prstGeom>
+          <a:solidFill>
+            <a:srgbClr val="00B050"/>
+          </a:solidFill>
+        </p:spPr>
+        <p:style>
+          <a:lnRef idx="2">
+            <a:schemeClr val="accent1">
+              <a:shade val="50000"/>
+            </a:schemeClr>
+          </a:lnRef>
+          <a:fillRef idx="1">
+            <a:schemeClr val="accent1"/>
+          </a:fillRef>
+          <a:effectRef idx="0">
+            <a:schemeClr val="accent1"/>
+          </a:effectRef>
+          <a:fontRef idx="minor">
+            <a:schemeClr val="lt1"/>
+          </a:fontRef>
+        </p:style>
+        <p:txBody>
+          <a:bodyPr rtlCol="0" anchor="ctr"/>
+          <a:lstStyle/>
+          <a:p>
+            <a:pPr algn="ctr"/>
+            <a:r>
+              <a:rPr lang="ko-KR" altLang="en-US" sz="1600" dirty="0"/>
+              <a:t>도움말</a:t>
+            </a:r>
+          </a:p>
+        </p:txBody>
+      </p:sp>
+      <p:grpSp>
+        <p:nvGrpSpPr>
+          <p:cNvPr id="5" name="그룹 4">
+            <a:extLst>
+              <a:ext uri="{FF2B5EF4-FFF2-40B4-BE49-F238E27FC236}">
+                <a16:creationId xmlns:a16="http://schemas.microsoft.com/office/drawing/2014/main" id="{F414BF53-C5F7-4695-A596-AA32E24431D5}"/>
+              </a:ext>
+            </a:extLst>
+          </p:cNvPr>
+          <p:cNvGrpSpPr/>
+          <p:nvPr/>
+        </p:nvGrpSpPr>
+        <p:grpSpPr>
+          <a:xfrm>
+            <a:off x="706369" y="1160747"/>
+            <a:ext cx="7737894" cy="1374031"/>
+            <a:chOff x="775380" y="1141989"/>
+            <a:chExt cx="7737894" cy="1374031"/>
+          </a:xfrm>
+        </p:grpSpPr>
+        <p:sp>
+          <p:nvSpPr>
+            <p:cNvPr id="2" name="순서도: 데이터 1">
+              <a:extLst>
+                <a:ext uri="{FF2B5EF4-FFF2-40B4-BE49-F238E27FC236}">
+                  <a16:creationId xmlns:a16="http://schemas.microsoft.com/office/drawing/2014/main" id="{ED371075-E16C-4979-9D2C-852CF99D53C9}"/>
+                </a:ext>
+              </a:extLst>
+            </p:cNvPr>
+            <p:cNvSpPr/>
+            <p:nvPr/>
+          </p:nvSpPr>
+          <p:spPr>
+            <a:xfrm>
+              <a:off x="775380" y="1428125"/>
+              <a:ext cx="7737894" cy="1087895"/>
+            </a:xfrm>
+            <a:prstGeom prst="flowChartInputOutput">
+              <a:avLst/>
+            </a:prstGeom>
+          </p:spPr>
+          <p:style>
+            <a:lnRef idx="2">
+              <a:schemeClr val="accent1">
+                <a:shade val="50000"/>
+              </a:schemeClr>
+            </a:lnRef>
+            <a:fillRef idx="1">
+              <a:schemeClr val="accent1"/>
+            </a:fillRef>
+            <a:effectRef idx="0">
+              <a:schemeClr val="accent1"/>
+            </a:effectRef>
+            <a:fontRef idx="minor">
+              <a:schemeClr val="lt1"/>
+            </a:fontRef>
+          </p:style>
+          <p:txBody>
+            <a:bodyPr rtlCol="0" anchor="ctr"/>
+            <a:lstStyle/>
+            <a:p>
+              <a:pPr algn="ctr"/>
+              <a:endParaRPr lang="ko-KR" altLang="en-US"/>
+            </a:p>
+          </p:txBody>
+        </p:sp>
+        <p:sp>
+          <p:nvSpPr>
+            <p:cNvPr id="18" name="직사각형 17">
+              <a:extLst>
+                <a:ext uri="{FF2B5EF4-FFF2-40B4-BE49-F238E27FC236}">
+                  <a16:creationId xmlns:a16="http://schemas.microsoft.com/office/drawing/2014/main" id="{8B37909E-C51E-4C70-AD0F-6C11E4EFE94E}"/>
+                </a:ext>
+              </a:extLst>
+            </p:cNvPr>
+            <p:cNvSpPr/>
+            <p:nvPr/>
+          </p:nvSpPr>
+          <p:spPr>
+            <a:xfrm>
+              <a:off x="1627944" y="1141989"/>
+              <a:ext cx="1310195" cy="1310195"/>
+            </a:xfrm>
+            <a:prstGeom prst="rect">
+              <a:avLst/>
+            </a:prstGeom>
+            <a:solidFill>
+              <a:srgbClr val="FFFF00"/>
+            </a:solidFill>
+          </p:spPr>
+          <p:style>
+            <a:lnRef idx="2">
+              <a:schemeClr val="accent1">
+                <a:shade val="50000"/>
+              </a:schemeClr>
+            </a:lnRef>
+            <a:fillRef idx="1">
+              <a:schemeClr val="accent1"/>
+            </a:fillRef>
+            <a:effectRef idx="0">
+              <a:schemeClr val="accent1"/>
+            </a:effectRef>
+            <a:fontRef idx="minor">
+              <a:schemeClr val="lt1"/>
+            </a:fontRef>
+          </p:style>
+          <p:txBody>
+            <a:bodyPr rtlCol="0" anchor="ctr"/>
+            <a:lstStyle/>
+            <a:p>
+              <a:pPr algn="ctr"/>
+              <a:r>
+                <a:rPr lang="ko-KR" altLang="en-US" dirty="0">
+                  <a:solidFill>
+                    <a:schemeClr val="tx1"/>
+                  </a:solidFill>
+                </a:rPr>
+                <a:t>이미지</a:t>
+              </a:r>
+            </a:p>
+          </p:txBody>
+        </p:sp>
+        <p:sp>
+          <p:nvSpPr>
+            <p:cNvPr id="32" name="직사각형 31">
+              <a:extLst>
+                <a:ext uri="{FF2B5EF4-FFF2-40B4-BE49-F238E27FC236}">
+                  <a16:creationId xmlns:a16="http://schemas.microsoft.com/office/drawing/2014/main" id="{2508BE33-E72D-4848-85C5-6F35A9769EC7}"/>
+                </a:ext>
+              </a:extLst>
+            </p:cNvPr>
+            <p:cNvSpPr/>
+            <p:nvPr/>
+          </p:nvSpPr>
+          <p:spPr>
+            <a:xfrm>
+              <a:off x="3626912" y="1141989"/>
+              <a:ext cx="1310195" cy="1310195"/>
+            </a:xfrm>
+            <a:prstGeom prst="rect">
+              <a:avLst/>
+            </a:prstGeom>
+            <a:solidFill>
+              <a:srgbClr val="FFFF00"/>
+            </a:solidFill>
+          </p:spPr>
+          <p:style>
+            <a:lnRef idx="2">
+              <a:schemeClr val="accent1">
+                <a:shade val="50000"/>
+              </a:schemeClr>
+            </a:lnRef>
+            <a:fillRef idx="1">
+              <a:schemeClr val="accent1"/>
+            </a:fillRef>
+            <a:effectRef idx="0">
+              <a:schemeClr val="accent1"/>
+            </a:effectRef>
+            <a:fontRef idx="minor">
+              <a:schemeClr val="lt1"/>
+            </a:fontRef>
+          </p:style>
+          <p:txBody>
+            <a:bodyPr rtlCol="0" anchor="ctr"/>
+            <a:lstStyle/>
+            <a:p>
+              <a:pPr algn="ctr"/>
+              <a:r>
+                <a:rPr lang="ko-KR" altLang="en-US" dirty="0">
+                  <a:solidFill>
+                    <a:schemeClr val="tx1"/>
+                  </a:solidFill>
+                </a:rPr>
+                <a:t>이미지</a:t>
+              </a:r>
+            </a:p>
+          </p:txBody>
+        </p:sp>
+        <p:sp>
+          <p:nvSpPr>
+            <p:cNvPr id="33" name="직사각형 32">
+              <a:extLst>
+                <a:ext uri="{FF2B5EF4-FFF2-40B4-BE49-F238E27FC236}">
+                  <a16:creationId xmlns:a16="http://schemas.microsoft.com/office/drawing/2014/main" id="{841D23E2-DDDC-4653-8CC7-FF47681EA9C3}"/>
+                </a:ext>
+              </a:extLst>
+            </p:cNvPr>
+            <p:cNvSpPr/>
+            <p:nvPr/>
+          </p:nvSpPr>
+          <p:spPr>
+            <a:xfrm>
+              <a:off x="5625880" y="1141989"/>
+              <a:ext cx="1310195" cy="1310195"/>
+            </a:xfrm>
+            <a:prstGeom prst="rect">
+              <a:avLst/>
+            </a:prstGeom>
+            <a:solidFill>
+              <a:srgbClr val="FFFF00"/>
+            </a:solidFill>
+          </p:spPr>
+          <p:style>
+            <a:lnRef idx="2">
+              <a:schemeClr val="accent1">
+                <a:shade val="50000"/>
+              </a:schemeClr>
+            </a:lnRef>
+            <a:fillRef idx="1">
+              <a:schemeClr val="accent1"/>
+            </a:fillRef>
+            <a:effectRef idx="0">
+              <a:schemeClr val="accent1"/>
+            </a:effectRef>
+            <a:fontRef idx="minor">
+              <a:schemeClr val="lt1"/>
+            </a:fontRef>
+          </p:style>
+          <p:txBody>
+            <a:bodyPr rtlCol="0" anchor="ctr"/>
+            <a:lstStyle/>
+            <a:p>
+              <a:pPr algn="ctr"/>
+              <a:r>
+                <a:rPr lang="ko-KR" altLang="en-US" dirty="0">
+                  <a:solidFill>
+                    <a:schemeClr val="tx1"/>
+                  </a:solidFill>
+                </a:rPr>
+                <a:t>이미지</a:t>
+              </a:r>
+            </a:p>
+          </p:txBody>
+        </p:sp>
+      </p:grpSp>
+      <p:grpSp>
+        <p:nvGrpSpPr>
+          <p:cNvPr id="4" name="그룹 3">
+            <a:extLst>
+              <a:ext uri="{FF2B5EF4-FFF2-40B4-BE49-F238E27FC236}">
+                <a16:creationId xmlns:a16="http://schemas.microsoft.com/office/drawing/2014/main" id="{70143E3C-65C8-4471-B796-556322AD6C8B}"/>
+              </a:ext>
+            </a:extLst>
+          </p:cNvPr>
+          <p:cNvGrpSpPr/>
+          <p:nvPr/>
+        </p:nvGrpSpPr>
+        <p:grpSpPr>
+          <a:xfrm>
+            <a:off x="2739407" y="3160867"/>
+            <a:ext cx="7737894" cy="1391508"/>
+            <a:chOff x="1320391" y="3387527"/>
+            <a:chExt cx="7737894" cy="1391508"/>
+          </a:xfrm>
+        </p:grpSpPr>
+        <p:sp>
+          <p:nvSpPr>
+            <p:cNvPr id="22" name="순서도: 데이터 21">
+              <a:extLst>
+                <a:ext uri="{FF2B5EF4-FFF2-40B4-BE49-F238E27FC236}">
+                  <a16:creationId xmlns:a16="http://schemas.microsoft.com/office/drawing/2014/main" id="{7D559AED-F297-4329-9D25-B578CEEE2560}"/>
+                </a:ext>
+              </a:extLst>
+            </p:cNvPr>
+            <p:cNvSpPr/>
+            <p:nvPr/>
+          </p:nvSpPr>
+          <p:spPr>
+            <a:xfrm flipH="1">
+              <a:off x="1320391" y="3683055"/>
+              <a:ext cx="7737894" cy="1095980"/>
+            </a:xfrm>
+            <a:prstGeom prst="flowChartInputOutput">
+              <a:avLst/>
+            </a:prstGeom>
+          </p:spPr>
+          <p:style>
+            <a:lnRef idx="2">
+              <a:schemeClr val="accent1">
+                <a:shade val="50000"/>
+              </a:schemeClr>
+            </a:lnRef>
+            <a:fillRef idx="1">
+              <a:schemeClr val="accent1"/>
+            </a:fillRef>
+            <a:effectRef idx="0">
+              <a:schemeClr val="accent1"/>
+            </a:effectRef>
+            <a:fontRef idx="minor">
+              <a:schemeClr val="lt1"/>
+            </a:fontRef>
+          </p:style>
+          <p:txBody>
+            <a:bodyPr rtlCol="0" anchor="ctr"/>
+            <a:lstStyle/>
+            <a:p>
+              <a:pPr algn="ctr"/>
+              <a:endParaRPr lang="ko-KR" altLang="en-US"/>
+            </a:p>
+          </p:txBody>
+        </p:sp>
+        <p:sp>
+          <p:nvSpPr>
+            <p:cNvPr id="34" name="직사각형 33">
+              <a:extLst>
+                <a:ext uri="{FF2B5EF4-FFF2-40B4-BE49-F238E27FC236}">
+                  <a16:creationId xmlns:a16="http://schemas.microsoft.com/office/drawing/2014/main" id="{F018EED7-9622-4EA0-A7A6-2B6BE059229B}"/>
+                </a:ext>
+              </a:extLst>
+            </p:cNvPr>
+            <p:cNvSpPr/>
+            <p:nvPr/>
+          </p:nvSpPr>
+          <p:spPr>
+            <a:xfrm>
+              <a:off x="2848992" y="3387527"/>
+              <a:ext cx="1310195" cy="1310195"/>
+            </a:xfrm>
+            <a:prstGeom prst="rect">
+              <a:avLst/>
+            </a:prstGeom>
+            <a:solidFill>
+              <a:srgbClr val="FFFF00"/>
+            </a:solidFill>
+          </p:spPr>
+          <p:style>
+            <a:lnRef idx="2">
+              <a:schemeClr val="accent1">
+                <a:shade val="50000"/>
+              </a:schemeClr>
+            </a:lnRef>
+            <a:fillRef idx="1">
+              <a:schemeClr val="accent1"/>
+            </a:fillRef>
+            <a:effectRef idx="0">
+              <a:schemeClr val="accent1"/>
+            </a:effectRef>
+            <a:fontRef idx="minor">
+              <a:schemeClr val="lt1"/>
+            </a:fontRef>
+          </p:style>
+          <p:txBody>
+            <a:bodyPr rtlCol="0" anchor="ctr"/>
+            <a:lstStyle/>
+            <a:p>
+              <a:pPr algn="ctr"/>
+              <a:r>
+                <a:rPr lang="ko-KR" altLang="en-US" dirty="0">
+                  <a:solidFill>
+                    <a:schemeClr val="tx1"/>
+                  </a:solidFill>
+                </a:rPr>
+                <a:t>이미지</a:t>
+              </a:r>
+            </a:p>
+          </p:txBody>
+        </p:sp>
+        <p:sp>
+          <p:nvSpPr>
+            <p:cNvPr id="35" name="직사각형 34">
+              <a:extLst>
+                <a:ext uri="{FF2B5EF4-FFF2-40B4-BE49-F238E27FC236}">
+                  <a16:creationId xmlns:a16="http://schemas.microsoft.com/office/drawing/2014/main" id="{1668FC89-C37A-46D6-B3C5-F6031EDB88C7}"/>
+                </a:ext>
+              </a:extLst>
+            </p:cNvPr>
+            <p:cNvSpPr/>
+            <p:nvPr/>
+          </p:nvSpPr>
+          <p:spPr>
+            <a:xfrm>
+              <a:off x="4878836" y="3387527"/>
+              <a:ext cx="1310195" cy="1310195"/>
+            </a:xfrm>
+            <a:prstGeom prst="rect">
+              <a:avLst/>
+            </a:prstGeom>
+            <a:solidFill>
+              <a:srgbClr val="FFFF00"/>
+            </a:solidFill>
+          </p:spPr>
+          <p:style>
+            <a:lnRef idx="2">
+              <a:schemeClr val="accent1">
+                <a:shade val="50000"/>
+              </a:schemeClr>
+            </a:lnRef>
+            <a:fillRef idx="1">
+              <a:schemeClr val="accent1"/>
+            </a:fillRef>
+            <a:effectRef idx="0">
+              <a:schemeClr val="accent1"/>
+            </a:effectRef>
+            <a:fontRef idx="minor">
+              <a:schemeClr val="lt1"/>
+            </a:fontRef>
+          </p:style>
+          <p:txBody>
+            <a:bodyPr rtlCol="0" anchor="ctr"/>
+            <a:lstStyle/>
+            <a:p>
+              <a:pPr algn="ctr"/>
+              <a:r>
+                <a:rPr lang="ko-KR" altLang="en-US" dirty="0">
+                  <a:solidFill>
+                    <a:schemeClr val="tx1"/>
+                  </a:solidFill>
+                </a:rPr>
+                <a:t>이미지</a:t>
+              </a:r>
+            </a:p>
+          </p:txBody>
+        </p:sp>
+        <p:sp>
+          <p:nvSpPr>
+            <p:cNvPr id="36" name="직사각형 35">
+              <a:extLst>
+                <a:ext uri="{FF2B5EF4-FFF2-40B4-BE49-F238E27FC236}">
+                  <a16:creationId xmlns:a16="http://schemas.microsoft.com/office/drawing/2014/main" id="{34FD9969-1CE2-4DE3-89D6-A0DEE9D46614}"/>
+                </a:ext>
+              </a:extLst>
+            </p:cNvPr>
+            <p:cNvSpPr/>
+            <p:nvPr/>
+          </p:nvSpPr>
+          <p:spPr>
+            <a:xfrm>
+              <a:off x="6908680" y="3387527"/>
+              <a:ext cx="1310195" cy="1310195"/>
+            </a:xfrm>
+            <a:prstGeom prst="rect">
+              <a:avLst/>
+            </a:prstGeom>
+            <a:solidFill>
+              <a:srgbClr val="FFFF00"/>
+            </a:solidFill>
+          </p:spPr>
+          <p:style>
+            <a:lnRef idx="2">
+              <a:schemeClr val="accent1">
+                <a:shade val="50000"/>
+              </a:schemeClr>
+            </a:lnRef>
+            <a:fillRef idx="1">
+              <a:schemeClr val="accent1"/>
+            </a:fillRef>
+            <a:effectRef idx="0">
+              <a:schemeClr val="accent1"/>
+            </a:effectRef>
+            <a:fontRef idx="minor">
+              <a:schemeClr val="lt1"/>
+            </a:fontRef>
+          </p:style>
+          <p:txBody>
+            <a:bodyPr rtlCol="0" anchor="ctr"/>
+            <a:lstStyle/>
+            <a:p>
+              <a:pPr algn="ctr"/>
+              <a:r>
+                <a:rPr lang="ko-KR" altLang="en-US" dirty="0">
+                  <a:solidFill>
+                    <a:schemeClr val="tx1"/>
+                  </a:solidFill>
+                </a:rPr>
+                <a:t>이미지</a:t>
+              </a:r>
+            </a:p>
+          </p:txBody>
+        </p:sp>
+      </p:grpSp>
+      <p:grpSp>
+        <p:nvGrpSpPr>
+          <p:cNvPr id="38" name="그룹 37">
+            <a:extLst>
+              <a:ext uri="{FF2B5EF4-FFF2-40B4-BE49-F238E27FC236}">
+                <a16:creationId xmlns:a16="http://schemas.microsoft.com/office/drawing/2014/main" id="{6A9B5822-EFB8-425D-8C96-A01FBBAB6321}"/>
+              </a:ext>
+            </a:extLst>
+          </p:cNvPr>
+          <p:cNvGrpSpPr/>
+          <p:nvPr/>
+        </p:nvGrpSpPr>
+        <p:grpSpPr>
+          <a:xfrm>
+            <a:off x="588054" y="4718653"/>
+            <a:ext cx="5037826" cy="2061713"/>
+            <a:chOff x="931653" y="4528868"/>
+            <a:chExt cx="5037826" cy="2061713"/>
+          </a:xfrm>
+        </p:grpSpPr>
+        <p:sp>
+          <p:nvSpPr>
+            <p:cNvPr id="39" name="직사각형 38">
+              <a:extLst>
+                <a:ext uri="{FF2B5EF4-FFF2-40B4-BE49-F238E27FC236}">
+                  <a16:creationId xmlns:a16="http://schemas.microsoft.com/office/drawing/2014/main" id="{A51015C0-D4BC-41D4-98C6-7A3B5EC1B8AF}"/>
+                </a:ext>
+              </a:extLst>
+            </p:cNvPr>
+            <p:cNvSpPr/>
+            <p:nvPr/>
+          </p:nvSpPr>
+          <p:spPr>
+            <a:xfrm>
+              <a:off x="931653" y="4528868"/>
+              <a:ext cx="5037826" cy="2061713"/>
+            </a:xfrm>
+            <a:prstGeom prst="rect">
+              <a:avLst/>
+            </a:prstGeom>
+          </p:spPr>
+          <p:style>
+            <a:lnRef idx="2">
+              <a:schemeClr val="accent1">
+                <a:shade val="50000"/>
+              </a:schemeClr>
+            </a:lnRef>
+            <a:fillRef idx="1">
+              <a:schemeClr val="accent1"/>
+            </a:fillRef>
+            <a:effectRef idx="0">
+              <a:schemeClr val="accent1"/>
+            </a:effectRef>
+            <a:fontRef idx="minor">
+              <a:schemeClr val="lt1"/>
+            </a:fontRef>
+          </p:style>
+          <p:txBody>
+            <a:bodyPr rtlCol="0" anchor="ctr"/>
+            <a:lstStyle/>
+            <a:p>
+              <a:pPr algn="ctr"/>
+              <a:r>
+                <a:rPr lang="ko-KR" altLang="en-US" dirty="0" err="1"/>
+                <a:t>챗팅</a:t>
+              </a:r>
+              <a:r>
+                <a:rPr lang="ko-KR" altLang="en-US" dirty="0"/>
+                <a:t> 표시</a:t>
+              </a:r>
+            </a:p>
+          </p:txBody>
+        </p:sp>
+        <p:sp>
+          <p:nvSpPr>
+            <p:cNvPr id="40" name="직사각형 39">
+              <a:extLst>
+                <a:ext uri="{FF2B5EF4-FFF2-40B4-BE49-F238E27FC236}">
+                  <a16:creationId xmlns:a16="http://schemas.microsoft.com/office/drawing/2014/main" id="{55E9AF7E-7DA1-4D8B-A916-B98508023198}"/>
+                </a:ext>
+              </a:extLst>
+            </p:cNvPr>
+            <p:cNvSpPr>
+              <a:spLocks noChangeAspect="1"/>
+            </p:cNvSpPr>
+            <p:nvPr/>
+          </p:nvSpPr>
+          <p:spPr>
+            <a:xfrm>
+              <a:off x="957531" y="6291186"/>
+              <a:ext cx="4145299" cy="290769"/>
+            </a:xfrm>
+            <a:prstGeom prst="rect">
+              <a:avLst/>
+            </a:prstGeom>
+            <a:solidFill>
+              <a:schemeClr val="accent2">
+                <a:lumMod val="40000"/>
+                <a:lumOff val="60000"/>
+              </a:schemeClr>
+            </a:solidFill>
+          </p:spPr>
+          <p:style>
+            <a:lnRef idx="2">
+              <a:schemeClr val="accent1">
+                <a:shade val="50000"/>
+              </a:schemeClr>
+            </a:lnRef>
+            <a:fillRef idx="1">
+              <a:schemeClr val="accent1"/>
+            </a:fillRef>
+            <a:effectRef idx="0">
+              <a:schemeClr val="accent1"/>
+            </a:effectRef>
+            <a:fontRef idx="minor">
+              <a:schemeClr val="lt1"/>
+            </a:fontRef>
+          </p:style>
+          <p:txBody>
+            <a:bodyPr rtlCol="0" anchor="ctr"/>
+            <a:lstStyle/>
+            <a:p>
+              <a:pPr algn="ctr"/>
+              <a:r>
+                <a:rPr lang="ko-KR" altLang="en-US" sz="1200" err="1">
+                  <a:solidFill>
+                    <a:schemeClr val="tx1"/>
+                  </a:solidFill>
+                </a:rPr>
+                <a:t>챗팅</a:t>
+              </a:r>
+              <a:r>
+                <a:rPr lang="ko-KR" altLang="en-US" sz="1200" dirty="0">
+                  <a:solidFill>
+                    <a:schemeClr val="tx1"/>
+                  </a:solidFill>
+                </a:rPr>
+                <a:t> 입력란</a:t>
+              </a:r>
+            </a:p>
+          </p:txBody>
+        </p:sp>
+        <p:sp>
+          <p:nvSpPr>
+            <p:cNvPr id="41" name="직사각형 40">
+              <a:extLst>
+                <a:ext uri="{FF2B5EF4-FFF2-40B4-BE49-F238E27FC236}">
+                  <a16:creationId xmlns:a16="http://schemas.microsoft.com/office/drawing/2014/main" id="{A94B7F68-9316-4C88-80DC-0D27ED86AEA0}"/>
+                </a:ext>
+              </a:extLst>
+            </p:cNvPr>
+            <p:cNvSpPr/>
+            <p:nvPr/>
+          </p:nvSpPr>
+          <p:spPr>
+            <a:xfrm>
+              <a:off x="5102830" y="6291186"/>
+              <a:ext cx="866649" cy="290769"/>
+            </a:xfrm>
+            <a:prstGeom prst="rect">
+              <a:avLst/>
+            </a:prstGeom>
+            <a:solidFill>
+              <a:srgbClr val="00B050"/>
+            </a:solidFill>
+          </p:spPr>
+          <p:style>
+            <a:lnRef idx="2">
+              <a:schemeClr val="accent1">
+                <a:shade val="50000"/>
+              </a:schemeClr>
+            </a:lnRef>
+            <a:fillRef idx="1">
+              <a:schemeClr val="accent1"/>
+            </a:fillRef>
+            <a:effectRef idx="0">
+              <a:schemeClr val="accent1"/>
+            </a:effectRef>
+            <a:fontRef idx="minor">
+              <a:schemeClr val="lt1"/>
+            </a:fontRef>
+          </p:style>
+          <p:txBody>
+            <a:bodyPr rtlCol="0" anchor="ctr"/>
+            <a:lstStyle/>
+            <a:p>
+              <a:pPr algn="ctr"/>
+              <a:r>
+                <a:rPr lang="ko-KR" altLang="en-US" sz="1000" dirty="0"/>
+                <a:t>전송</a:t>
+              </a:r>
+            </a:p>
+          </p:txBody>
+        </p:sp>
+      </p:grpSp>
+      <p:sp>
+        <p:nvSpPr>
+          <p:cNvPr id="43" name="직사각형 42">
+            <a:extLst>
+              <a:ext uri="{FF2B5EF4-FFF2-40B4-BE49-F238E27FC236}">
+                <a16:creationId xmlns:a16="http://schemas.microsoft.com/office/drawing/2014/main" id="{183E5AC1-F2F6-4535-9B2A-7FE790298429}"/>
               </a:ext>
             </a:extLst>
           </p:cNvPr>
@@ -13993,8 +17888,8 @@
         </p:nvSpPr>
         <p:spPr>
           <a:xfrm>
-            <a:off x="5043331" y="2636882"/>
-            <a:ext cx="1521615" cy="376535"/>
+            <a:off x="1736060" y="2155265"/>
+            <a:ext cx="955939" cy="315677"/>
           </a:xfrm>
           <a:prstGeom prst="rect">
             <a:avLst/>
@@ -14027,14 +17922,14 @@
           <a:p>
             <a:pPr algn="ctr"/>
             <a:r>
-              <a:rPr lang="ko-KR" altLang="en-US" sz="1500">
+              <a:rPr lang="ko-KR" altLang="en-US" sz="1000">
                 <a:solidFill>
                   <a:schemeClr val="tx1"/>
                 </a:solidFill>
               </a:rPr>
               <a:t>닉네임</a:t>
             </a:r>
-            <a:endParaRPr lang="ko-KR" altLang="en-US" sz="1500" dirty="0">
+            <a:endParaRPr lang="ko-KR" altLang="en-US" sz="1000" dirty="0">
               <a:solidFill>
                 <a:schemeClr val="tx1"/>
               </a:solidFill>
@@ -14044,175 +17939,10 @@
       </p:sp>
       <p:sp>
         <p:nvSpPr>
-          <p:cNvPr id="56" name="직사각형 55">
-            <a:extLst>
-              <a:ext uri="{FF2B5EF4-FFF2-40B4-BE49-F238E27FC236}">
-                <a16:creationId xmlns:a16="http://schemas.microsoft.com/office/drawing/2014/main" id="{4A4A564D-5644-442F-B336-1AAE2769AA39}"/>
-              </a:ext>
-            </a:extLst>
-          </p:cNvPr>
-          <p:cNvSpPr/>
-          <p:nvPr/>
-        </p:nvSpPr>
-        <p:spPr>
-          <a:xfrm>
-            <a:off x="4433041" y="792424"/>
-            <a:ext cx="955964" cy="955964"/>
-          </a:xfrm>
-          <a:prstGeom prst="rect">
-            <a:avLst/>
-          </a:prstGeom>
-          <a:solidFill>
-            <a:schemeClr val="accent1">
-              <a:lumMod val="75000"/>
-            </a:schemeClr>
-          </a:solidFill>
-        </p:spPr>
-        <p:style>
-          <a:lnRef idx="2">
-            <a:schemeClr val="accent1">
-              <a:shade val="50000"/>
-            </a:schemeClr>
-          </a:lnRef>
-          <a:fillRef idx="1">
-            <a:schemeClr val="accent1"/>
-          </a:fillRef>
-          <a:effectRef idx="0">
-            <a:schemeClr val="accent1"/>
-          </a:effectRef>
-          <a:fontRef idx="minor">
-            <a:schemeClr val="lt1"/>
-          </a:fontRef>
-        </p:style>
-        <p:txBody>
-          <a:bodyPr rtlCol="0" anchor="ctr"/>
-          <a:lstStyle/>
-          <a:p>
-            <a:pPr algn="ctr"/>
-            <a:r>
-              <a:rPr lang="ko-KR" altLang="en-US"/>
-              <a:t>점수</a:t>
-            </a:r>
-            <a:endParaRPr lang="ko-KR" altLang="en-US" dirty="0"/>
-          </a:p>
-        </p:txBody>
-      </p:sp>
-      <p:sp>
-        <p:nvSpPr>
-          <p:cNvPr id="57" name="직사각형 56">
-            <a:extLst>
-              <a:ext uri="{FF2B5EF4-FFF2-40B4-BE49-F238E27FC236}">
-                <a16:creationId xmlns:a16="http://schemas.microsoft.com/office/drawing/2014/main" id="{E5C6E41B-E6BA-44A2-8ED6-8037AF5F56C5}"/>
-              </a:ext>
-            </a:extLst>
-          </p:cNvPr>
-          <p:cNvSpPr/>
-          <p:nvPr/>
-        </p:nvSpPr>
-        <p:spPr>
-          <a:xfrm>
-            <a:off x="6817108" y="792424"/>
-            <a:ext cx="955964" cy="955964"/>
-          </a:xfrm>
-          <a:prstGeom prst="rect">
-            <a:avLst/>
-          </a:prstGeom>
-          <a:solidFill>
-            <a:schemeClr val="accent1">
-              <a:lumMod val="75000"/>
-            </a:schemeClr>
-          </a:solidFill>
-        </p:spPr>
-        <p:style>
-          <a:lnRef idx="2">
-            <a:schemeClr val="accent1">
-              <a:shade val="50000"/>
-            </a:schemeClr>
-          </a:lnRef>
-          <a:fillRef idx="1">
-            <a:schemeClr val="accent1"/>
-          </a:fillRef>
-          <a:effectRef idx="0">
-            <a:schemeClr val="accent1"/>
-          </a:effectRef>
-          <a:fontRef idx="minor">
-            <a:schemeClr val="lt1"/>
-          </a:fontRef>
-        </p:style>
-        <p:txBody>
-          <a:bodyPr rtlCol="0" anchor="ctr"/>
-          <a:lstStyle/>
-          <a:p>
-            <a:pPr algn="ctr"/>
-            <a:r>
-              <a:rPr lang="ko-KR" altLang="en-US"/>
-              <a:t>점수</a:t>
-            </a:r>
-            <a:endParaRPr lang="ko-KR" altLang="en-US" dirty="0"/>
-          </a:p>
-        </p:txBody>
-      </p:sp>
-      <p:sp>
-        <p:nvSpPr>
-          <p:cNvPr id="58" name="직사각형 57">
-            <a:extLst>
-              <a:ext uri="{FF2B5EF4-FFF2-40B4-BE49-F238E27FC236}">
-                <a16:creationId xmlns:a16="http://schemas.microsoft.com/office/drawing/2014/main" id="{0E8E88C1-9815-4ED0-ADDE-8B360D521A42}"/>
-              </a:ext>
-            </a:extLst>
-          </p:cNvPr>
-          <p:cNvSpPr/>
-          <p:nvPr/>
-        </p:nvSpPr>
-        <p:spPr>
-          <a:xfrm>
-            <a:off x="5414883" y="792424"/>
-            <a:ext cx="1362235" cy="376535"/>
-          </a:xfrm>
-          <a:prstGeom prst="rect">
-            <a:avLst/>
-          </a:prstGeom>
-          <a:solidFill>
-            <a:schemeClr val="accent1">
-              <a:lumMod val="75000"/>
-            </a:schemeClr>
-          </a:solidFill>
-        </p:spPr>
-        <p:style>
-          <a:lnRef idx="2">
-            <a:schemeClr val="accent1">
-              <a:shade val="50000"/>
-            </a:schemeClr>
-          </a:lnRef>
-          <a:fillRef idx="1">
-            <a:schemeClr val="accent1"/>
-          </a:fillRef>
-          <a:effectRef idx="0">
-            <a:schemeClr val="accent1"/>
-          </a:effectRef>
-          <a:fontRef idx="minor">
-            <a:schemeClr val="lt1"/>
-          </a:fontRef>
-        </p:style>
-        <p:txBody>
-          <a:bodyPr rtlCol="0" anchor="ctr"/>
-          <a:lstStyle/>
-          <a:p>
-            <a:pPr algn="ctr"/>
-            <a:r>
-              <a:rPr lang="ko-KR" altLang="en-US" sz="1000"/>
-              <a:t>현재 시간</a:t>
-            </a:r>
-            <a:endParaRPr lang="ko-KR" altLang="en-US" sz="1000" dirty="0"/>
-          </a:p>
-        </p:txBody>
-      </p:sp>
-      <p:sp>
-        <p:nvSpPr>
-          <p:cNvPr id="59" name="직사각형 58">
-            <a:extLst>
-              <a:ext uri="{FF2B5EF4-FFF2-40B4-BE49-F238E27FC236}">
-                <a16:creationId xmlns:a16="http://schemas.microsoft.com/office/drawing/2014/main" id="{3FF585B8-F5E1-4604-86BB-356387FC98B5}"/>
+          <p:cNvPr id="44" name="직사각형 43">
+            <a:extLst>
+              <a:ext uri="{FF2B5EF4-FFF2-40B4-BE49-F238E27FC236}">
+                <a16:creationId xmlns:a16="http://schemas.microsoft.com/office/drawing/2014/main" id="{D2DB1F48-927A-408E-985D-0AE126FCCFE4}"/>
               </a:ext>
             </a:extLst>
           </p:cNvPr>
@@ -14223,8 +17953,8 @@
         </p:nvSpPr>
         <p:spPr>
           <a:xfrm>
-            <a:off x="988810" y="5562444"/>
-            <a:ext cx="1840654" cy="376535"/>
+            <a:off x="3721692" y="2155264"/>
+            <a:ext cx="955939" cy="315677"/>
           </a:xfrm>
           <a:prstGeom prst="rect">
             <a:avLst/>
@@ -14257,14 +17987,14 @@
           <a:p>
             <a:pPr algn="ctr"/>
             <a:r>
-              <a:rPr lang="ko-KR" altLang="en-US" sz="1500">
+              <a:rPr lang="ko-KR" altLang="en-US" sz="1000">
                 <a:solidFill>
                   <a:schemeClr val="tx1"/>
                 </a:solidFill>
               </a:rPr>
-              <a:t>현재 보유 코인</a:t>
-            </a:r>
-            <a:endParaRPr lang="ko-KR" altLang="en-US" sz="1500" dirty="0">
+              <a:t>닉네임</a:t>
+            </a:r>
+            <a:endParaRPr lang="ko-KR" altLang="en-US" sz="1000" dirty="0">
               <a:solidFill>
                 <a:schemeClr val="tx1"/>
               </a:solidFill>
@@ -14274,31 +18004,29 @@
       </p:sp>
       <p:sp>
         <p:nvSpPr>
-          <p:cNvPr id="61" name="말풍선: 사각형 60">
-            <a:extLst>
-              <a:ext uri="{FF2B5EF4-FFF2-40B4-BE49-F238E27FC236}">
-                <a16:creationId xmlns:a16="http://schemas.microsoft.com/office/drawing/2014/main" id="{2297BAAA-908F-4C82-BA91-78B08A73EE63}"/>
-              </a:ext>
-            </a:extLst>
-          </p:cNvPr>
-          <p:cNvSpPr/>
+          <p:cNvPr id="45" name="직사각형 44">
+            <a:extLst>
+              <a:ext uri="{FF2B5EF4-FFF2-40B4-BE49-F238E27FC236}">
+                <a16:creationId xmlns:a16="http://schemas.microsoft.com/office/drawing/2014/main" id="{C4AC8702-9781-4D8F-AC1A-06900AD6D92C}"/>
+              </a:ext>
+            </a:extLst>
+          </p:cNvPr>
+          <p:cNvSpPr>
+            <a:spLocks noChangeAspect="1"/>
+          </p:cNvSpPr>
           <p:nvPr/>
         </p:nvSpPr>
         <p:spPr>
           <a:xfrm>
-            <a:off x="8125261" y="2178193"/>
-            <a:ext cx="2906356" cy="1293910"/>
+            <a:off x="5733996" y="2155264"/>
+            <a:ext cx="955939" cy="315677"/>
           </a:xfrm>
-          <a:prstGeom prst="wedgeRectCallout">
-            <a:avLst>
-              <a:gd name="adj1" fmla="val -82736"/>
-              <a:gd name="adj2" fmla="val -2168"/>
-            </a:avLst>
+          <a:prstGeom prst="rect">
+            <a:avLst/>
           </a:prstGeom>
           <a:solidFill>
-            <a:schemeClr val="accent3">
-              <a:lumMod val="20000"/>
-              <a:lumOff val="80000"/>
+            <a:schemeClr val="bg1">
+              <a:lumMod val="95000"/>
             </a:schemeClr>
           </a:solidFill>
         </p:spPr>
@@ -14324,128 +18052,222 @@
           <a:p>
             <a:pPr algn="ctr"/>
             <a:r>
-              <a:rPr lang="ko-KR" altLang="en-US" sz="1400" dirty="0">
+              <a:rPr lang="ko-KR" altLang="en-US" sz="1000">
                 <a:solidFill>
                   <a:schemeClr val="tx1"/>
                 </a:solidFill>
-                <a:latin typeface="+mj-lt"/>
               </a:rPr>
-              <a:t>닉네임 옆에 상대가 가진 </a:t>
-            </a:r>
-            <a:endParaRPr lang="en-US" altLang="ko-KR" sz="1400" dirty="0">
+              <a:t>닉네임</a:t>
+            </a:r>
+            <a:endParaRPr lang="ko-KR" altLang="en-US" sz="1000" dirty="0">
               <a:solidFill>
                 <a:schemeClr val="tx1"/>
               </a:solidFill>
-              <a:latin typeface="+mj-lt"/>
             </a:endParaRPr>
           </a:p>
+        </p:txBody>
+      </p:sp>
+      <p:sp>
+        <p:nvSpPr>
+          <p:cNvPr id="46" name="직사각형 45">
+            <a:extLst>
+              <a:ext uri="{FF2B5EF4-FFF2-40B4-BE49-F238E27FC236}">
+                <a16:creationId xmlns:a16="http://schemas.microsoft.com/office/drawing/2014/main" id="{1FC7B18A-5120-4235-BB0E-260BEA794759}"/>
+              </a:ext>
+            </a:extLst>
+          </p:cNvPr>
+          <p:cNvSpPr>
+            <a:spLocks noChangeAspect="1"/>
+          </p:cNvSpPr>
+          <p:nvPr/>
+        </p:nvSpPr>
+        <p:spPr>
+          <a:xfrm>
+            <a:off x="4445135" y="4150230"/>
+            <a:ext cx="955939" cy="315677"/>
+          </a:xfrm>
+          <a:prstGeom prst="rect">
+            <a:avLst/>
+          </a:prstGeom>
+          <a:solidFill>
+            <a:schemeClr val="bg1">
+              <a:lumMod val="95000"/>
+            </a:schemeClr>
+          </a:solidFill>
+        </p:spPr>
+        <p:style>
+          <a:lnRef idx="2">
+            <a:schemeClr val="accent1">
+              <a:shade val="50000"/>
+            </a:schemeClr>
+          </a:lnRef>
+          <a:fillRef idx="1">
+            <a:schemeClr val="accent1"/>
+          </a:fillRef>
+          <a:effectRef idx="0">
+            <a:schemeClr val="accent1"/>
+          </a:effectRef>
+          <a:fontRef idx="minor">
+            <a:schemeClr val="lt1"/>
+          </a:fontRef>
+        </p:style>
+        <p:txBody>
+          <a:bodyPr rtlCol="0" anchor="ctr"/>
+          <a:lstStyle/>
           <a:p>
             <a:pPr algn="ctr"/>
             <a:r>
-              <a:rPr lang="ko-KR" altLang="en-US" sz="1400" dirty="0">
+              <a:rPr lang="ko-KR" altLang="en-US" sz="1000">
                 <a:solidFill>
                   <a:schemeClr val="tx1"/>
                 </a:solidFill>
-                <a:latin typeface="+mj-lt"/>
               </a:rPr>
-              <a:t>코인을 이미지로 표시</a:t>
-            </a:r>
-            <a:endParaRPr lang="en-US" altLang="ko-KR" sz="1400" dirty="0">
+              <a:t>닉네임</a:t>
+            </a:r>
+            <a:endParaRPr lang="ko-KR" altLang="en-US" sz="1000" dirty="0">
               <a:solidFill>
                 <a:schemeClr val="tx1"/>
               </a:solidFill>
-              <a:latin typeface="+mj-lt"/>
             </a:endParaRPr>
           </a:p>
+        </p:txBody>
+      </p:sp>
+      <p:sp>
+        <p:nvSpPr>
+          <p:cNvPr id="49" name="직사각형 48">
+            <a:extLst>
+              <a:ext uri="{FF2B5EF4-FFF2-40B4-BE49-F238E27FC236}">
+                <a16:creationId xmlns:a16="http://schemas.microsoft.com/office/drawing/2014/main" id="{CDB7B5ED-340C-4C26-87F5-7A82EA26871A}"/>
+              </a:ext>
+            </a:extLst>
+          </p:cNvPr>
+          <p:cNvSpPr>
+            <a:spLocks noChangeAspect="1"/>
+          </p:cNvSpPr>
+          <p:nvPr/>
+        </p:nvSpPr>
+        <p:spPr>
+          <a:xfrm>
+            <a:off x="6474979" y="4150592"/>
+            <a:ext cx="955939" cy="315677"/>
+          </a:xfrm>
+          <a:prstGeom prst="rect">
+            <a:avLst/>
+          </a:prstGeom>
+          <a:solidFill>
+            <a:schemeClr val="bg1">
+              <a:lumMod val="95000"/>
+            </a:schemeClr>
+          </a:solidFill>
+        </p:spPr>
+        <p:style>
+          <a:lnRef idx="2">
+            <a:schemeClr val="accent1">
+              <a:shade val="50000"/>
+            </a:schemeClr>
+          </a:lnRef>
+          <a:fillRef idx="1">
+            <a:schemeClr val="accent1"/>
+          </a:fillRef>
+          <a:effectRef idx="0">
+            <a:schemeClr val="accent1"/>
+          </a:effectRef>
+          <a:fontRef idx="minor">
+            <a:schemeClr val="lt1"/>
+          </a:fontRef>
+        </p:style>
+        <p:txBody>
+          <a:bodyPr rtlCol="0" anchor="ctr"/>
+          <a:lstStyle/>
           <a:p>
             <a:pPr algn="ctr"/>
             <a:r>
-              <a:rPr lang="en-US" altLang="ko-KR" sz="1400" dirty="0">
+              <a:rPr lang="ko-KR" altLang="en-US" sz="1000">
                 <a:solidFill>
                   <a:schemeClr val="tx1"/>
                 </a:solidFill>
-                <a:latin typeface="+mj-lt"/>
               </a:rPr>
-              <a:t>0</a:t>
-            </a:r>
-            <a:r>
-              <a:rPr lang="ko-KR" altLang="en-US" sz="1400" dirty="0">
+              <a:t>닉네임</a:t>
+            </a:r>
+            <a:endParaRPr lang="ko-KR" altLang="en-US" sz="1000" dirty="0">
+              <a:solidFill>
+                <a:schemeClr val="tx1"/>
+              </a:solidFill>
+            </a:endParaRPr>
+          </a:p>
+        </p:txBody>
+      </p:sp>
+      <p:sp>
+        <p:nvSpPr>
+          <p:cNvPr id="50" name="직사각형 49">
+            <a:extLst>
+              <a:ext uri="{FF2B5EF4-FFF2-40B4-BE49-F238E27FC236}">
+                <a16:creationId xmlns:a16="http://schemas.microsoft.com/office/drawing/2014/main" id="{A567BCF0-427E-4A6E-9A53-6C66B82051EA}"/>
+              </a:ext>
+            </a:extLst>
+          </p:cNvPr>
+          <p:cNvSpPr>
+            <a:spLocks noChangeAspect="1"/>
+          </p:cNvSpPr>
+          <p:nvPr/>
+        </p:nvSpPr>
+        <p:spPr>
+          <a:xfrm>
+            <a:off x="8510278" y="4149574"/>
+            <a:ext cx="955939" cy="315677"/>
+          </a:xfrm>
+          <a:prstGeom prst="rect">
+            <a:avLst/>
+          </a:prstGeom>
+          <a:solidFill>
+            <a:schemeClr val="bg1">
+              <a:lumMod val="95000"/>
+            </a:schemeClr>
+          </a:solidFill>
+        </p:spPr>
+        <p:style>
+          <a:lnRef idx="2">
+            <a:schemeClr val="accent1">
+              <a:shade val="50000"/>
+            </a:schemeClr>
+          </a:lnRef>
+          <a:fillRef idx="1">
+            <a:schemeClr val="accent1"/>
+          </a:fillRef>
+          <a:effectRef idx="0">
+            <a:schemeClr val="accent1"/>
+          </a:effectRef>
+          <a:fontRef idx="minor">
+            <a:schemeClr val="lt1"/>
+          </a:fontRef>
+        </p:style>
+        <p:txBody>
+          <a:bodyPr rtlCol="0" anchor="ctr"/>
+          <a:lstStyle/>
+          <a:p>
+            <a:pPr algn="ctr"/>
+            <a:r>
+              <a:rPr lang="ko-KR" altLang="en-US" sz="1000">
                 <a:solidFill>
                   <a:schemeClr val="tx1"/>
                 </a:solidFill>
-                <a:latin typeface="+mj-lt"/>
               </a:rPr>
-              <a:t>개 이상 노란색</a:t>
-            </a:r>
-            <a:endParaRPr lang="en-US" altLang="ko-KR" sz="1400" dirty="0">
+              <a:t>닉네임</a:t>
+            </a:r>
+            <a:endParaRPr lang="ko-KR" altLang="en-US" sz="1000" dirty="0">
               <a:solidFill>
                 <a:schemeClr val="tx1"/>
               </a:solidFill>
-              <a:latin typeface="+mj-lt"/>
             </a:endParaRPr>
           </a:p>
-          <a:p>
-            <a:pPr algn="ctr"/>
-            <a:r>
-              <a:rPr lang="en-US" altLang="ko-KR" sz="1400" dirty="0">
-                <a:solidFill>
-                  <a:schemeClr val="tx1"/>
-                </a:solidFill>
-                <a:latin typeface="+mj-lt"/>
-              </a:rPr>
-              <a:t>5</a:t>
-            </a:r>
-            <a:r>
-              <a:rPr lang="ko-KR" altLang="en-US" sz="1400" dirty="0">
-                <a:solidFill>
-                  <a:schemeClr val="tx1"/>
-                </a:solidFill>
-                <a:latin typeface="+mj-lt"/>
-              </a:rPr>
-              <a:t>개 이상 주황색</a:t>
-            </a:r>
-            <a:endParaRPr lang="en-US" altLang="ko-KR" sz="1400" dirty="0">
-              <a:solidFill>
-                <a:schemeClr val="tx1"/>
-              </a:solidFill>
-              <a:latin typeface="+mj-lt"/>
-            </a:endParaRPr>
-          </a:p>
-          <a:p>
-            <a:pPr algn="ctr"/>
-            <a:r>
-              <a:rPr lang="en-US" altLang="ko-KR" sz="1400" dirty="0">
-                <a:solidFill>
-                  <a:schemeClr val="tx1"/>
-                </a:solidFill>
-                <a:latin typeface="+mj-lt"/>
-              </a:rPr>
-              <a:t>10</a:t>
-            </a:r>
-            <a:r>
-              <a:rPr lang="ko-KR" altLang="en-US" sz="1400" dirty="0">
-                <a:solidFill>
-                  <a:schemeClr val="tx1"/>
-                </a:solidFill>
-                <a:latin typeface="+mj-lt"/>
-              </a:rPr>
-              <a:t>개 이상 빨간색</a:t>
-            </a:r>
-            <a:endParaRPr lang="en-US" altLang="ko-KR" sz="1400" dirty="0">
-              <a:solidFill>
-                <a:schemeClr val="tx1"/>
-              </a:solidFill>
-              <a:latin typeface="+mj-lt"/>
-            </a:endParaRPr>
-          </a:p>
-        </p:txBody>
-      </p:sp>
-      <p:sp>
-        <p:nvSpPr>
-          <p:cNvPr id="62" name="직사각형 61">
-            <a:extLst>
-              <a:ext uri="{FF2B5EF4-FFF2-40B4-BE49-F238E27FC236}">
-                <a16:creationId xmlns:a16="http://schemas.microsoft.com/office/drawing/2014/main" id="{916AB50A-AE5E-4971-9501-161E1CCFBBAD}"/>
+        </p:txBody>
+      </p:sp>
+      <p:sp>
+        <p:nvSpPr>
+          <p:cNvPr id="51" name="직사각형 50">
+            <a:extLst>
+              <a:ext uri="{FF2B5EF4-FFF2-40B4-BE49-F238E27FC236}">
+                <a16:creationId xmlns:a16="http://schemas.microsoft.com/office/drawing/2014/main" id="{99EEA8C6-518B-43EE-A260-1351536E432C}"/>
               </a:ext>
             </a:extLst>
           </p:cNvPr>
@@ -14454,8 +18276,8 @@
         </p:nvSpPr>
         <p:spPr>
           <a:xfrm>
-            <a:off x="6669527" y="2642105"/>
-            <a:ext cx="479142" cy="366089"/>
+            <a:off x="2655595" y="1017089"/>
+            <a:ext cx="334498" cy="334498"/>
           </a:xfrm>
           <a:prstGeom prst="rect">
             <a:avLst/>
@@ -14485,7 +18307,7 @@
           <a:lstStyle/>
           <a:p>
             <a:pPr algn="ctr"/>
-            <a:endParaRPr lang="en-US" altLang="ko-KR" sz="1000" dirty="0">
+            <a:endParaRPr lang="ko-KR" altLang="en-US" dirty="0">
               <a:solidFill>
                 <a:schemeClr val="tx1"/>
               </a:solidFill>
@@ -14493,10 +18315,374 @@
           </a:p>
         </p:txBody>
       </p:sp>
+      <p:sp>
+        <p:nvSpPr>
+          <p:cNvPr id="53" name="직사각형 52">
+            <a:extLst>
+              <a:ext uri="{FF2B5EF4-FFF2-40B4-BE49-F238E27FC236}">
+                <a16:creationId xmlns:a16="http://schemas.microsoft.com/office/drawing/2014/main" id="{46C70082-DB02-41A3-B7AB-5C51D081820B}"/>
+              </a:ext>
+            </a:extLst>
+          </p:cNvPr>
+          <p:cNvSpPr/>
+          <p:nvPr/>
+        </p:nvSpPr>
+        <p:spPr>
+          <a:xfrm>
+            <a:off x="4688579" y="1005956"/>
+            <a:ext cx="334498" cy="334498"/>
+          </a:xfrm>
+          <a:prstGeom prst="rect">
+            <a:avLst/>
+          </a:prstGeom>
+          <a:solidFill>
+            <a:srgbClr val="FFFF00"/>
+          </a:solidFill>
+        </p:spPr>
+        <p:style>
+          <a:lnRef idx="2">
+            <a:schemeClr val="accent1">
+              <a:shade val="50000"/>
+            </a:schemeClr>
+          </a:lnRef>
+          <a:fillRef idx="1">
+            <a:schemeClr val="accent1"/>
+          </a:fillRef>
+          <a:effectRef idx="0">
+            <a:schemeClr val="accent1"/>
+          </a:effectRef>
+          <a:fontRef idx="minor">
+            <a:schemeClr val="lt1"/>
+          </a:fontRef>
+        </p:style>
+        <p:txBody>
+          <a:bodyPr rtlCol="0" anchor="ctr"/>
+          <a:lstStyle/>
+          <a:p>
+            <a:pPr algn="ctr"/>
+            <a:endParaRPr lang="ko-KR" altLang="en-US" dirty="0">
+              <a:solidFill>
+                <a:schemeClr val="tx1"/>
+              </a:solidFill>
+            </a:endParaRPr>
+          </a:p>
+        </p:txBody>
+      </p:sp>
+      <p:sp>
+        <p:nvSpPr>
+          <p:cNvPr id="54" name="직사각형 53">
+            <a:extLst>
+              <a:ext uri="{FF2B5EF4-FFF2-40B4-BE49-F238E27FC236}">
+                <a16:creationId xmlns:a16="http://schemas.microsoft.com/office/drawing/2014/main" id="{D2FD9B56-E030-46AA-A3D4-E644D278D098}"/>
+              </a:ext>
+            </a:extLst>
+          </p:cNvPr>
+          <p:cNvSpPr/>
+          <p:nvPr/>
+        </p:nvSpPr>
+        <p:spPr>
+          <a:xfrm>
+            <a:off x="6699815" y="1005956"/>
+            <a:ext cx="334498" cy="334498"/>
+          </a:xfrm>
+          <a:prstGeom prst="rect">
+            <a:avLst/>
+          </a:prstGeom>
+          <a:solidFill>
+            <a:srgbClr val="FFFF00"/>
+          </a:solidFill>
+        </p:spPr>
+        <p:style>
+          <a:lnRef idx="2">
+            <a:schemeClr val="accent1">
+              <a:shade val="50000"/>
+            </a:schemeClr>
+          </a:lnRef>
+          <a:fillRef idx="1">
+            <a:schemeClr val="accent1"/>
+          </a:fillRef>
+          <a:effectRef idx="0">
+            <a:schemeClr val="accent1"/>
+          </a:effectRef>
+          <a:fontRef idx="minor">
+            <a:schemeClr val="lt1"/>
+          </a:fontRef>
+        </p:style>
+        <p:txBody>
+          <a:bodyPr rtlCol="0" anchor="ctr"/>
+          <a:lstStyle/>
+          <a:p>
+            <a:pPr algn="ctr"/>
+            <a:endParaRPr lang="ko-KR" altLang="en-US" dirty="0">
+              <a:solidFill>
+                <a:schemeClr val="tx1"/>
+              </a:solidFill>
+            </a:endParaRPr>
+          </a:p>
+        </p:txBody>
+      </p:sp>
+      <p:sp>
+        <p:nvSpPr>
+          <p:cNvPr id="55" name="직사각형 54">
+            <a:extLst>
+              <a:ext uri="{FF2B5EF4-FFF2-40B4-BE49-F238E27FC236}">
+                <a16:creationId xmlns:a16="http://schemas.microsoft.com/office/drawing/2014/main" id="{9B8F334C-A733-46A0-87A6-03AF6C32D5AF}"/>
+              </a:ext>
+            </a:extLst>
+          </p:cNvPr>
+          <p:cNvSpPr/>
+          <p:nvPr/>
+        </p:nvSpPr>
+        <p:spPr>
+          <a:xfrm>
+            <a:off x="5410954" y="2990736"/>
+            <a:ext cx="334498" cy="334498"/>
+          </a:xfrm>
+          <a:prstGeom prst="rect">
+            <a:avLst/>
+          </a:prstGeom>
+          <a:solidFill>
+            <a:srgbClr val="FFFF00"/>
+          </a:solidFill>
+        </p:spPr>
+        <p:style>
+          <a:lnRef idx="2">
+            <a:schemeClr val="accent1">
+              <a:shade val="50000"/>
+            </a:schemeClr>
+          </a:lnRef>
+          <a:fillRef idx="1">
+            <a:schemeClr val="accent1"/>
+          </a:fillRef>
+          <a:effectRef idx="0">
+            <a:schemeClr val="accent1"/>
+          </a:effectRef>
+          <a:fontRef idx="minor">
+            <a:schemeClr val="lt1"/>
+          </a:fontRef>
+        </p:style>
+        <p:txBody>
+          <a:bodyPr rtlCol="0" anchor="ctr"/>
+          <a:lstStyle/>
+          <a:p>
+            <a:pPr algn="ctr"/>
+            <a:endParaRPr lang="ko-KR" altLang="en-US" dirty="0">
+              <a:solidFill>
+                <a:schemeClr val="tx1"/>
+              </a:solidFill>
+            </a:endParaRPr>
+          </a:p>
+        </p:txBody>
+      </p:sp>
+      <p:sp>
+        <p:nvSpPr>
+          <p:cNvPr id="56" name="직사각형 55">
+            <a:extLst>
+              <a:ext uri="{FF2B5EF4-FFF2-40B4-BE49-F238E27FC236}">
+                <a16:creationId xmlns:a16="http://schemas.microsoft.com/office/drawing/2014/main" id="{8DDEA408-394C-4809-8D02-0DF2A6806B3B}"/>
+              </a:ext>
+            </a:extLst>
+          </p:cNvPr>
+          <p:cNvSpPr/>
+          <p:nvPr/>
+        </p:nvSpPr>
+        <p:spPr>
+          <a:xfrm>
+            <a:off x="7430918" y="2997329"/>
+            <a:ext cx="334498" cy="334498"/>
+          </a:xfrm>
+          <a:prstGeom prst="rect">
+            <a:avLst/>
+          </a:prstGeom>
+          <a:solidFill>
+            <a:srgbClr val="FFFF00"/>
+          </a:solidFill>
+        </p:spPr>
+        <p:style>
+          <a:lnRef idx="2">
+            <a:schemeClr val="accent1">
+              <a:shade val="50000"/>
+            </a:schemeClr>
+          </a:lnRef>
+          <a:fillRef idx="1">
+            <a:schemeClr val="accent1"/>
+          </a:fillRef>
+          <a:effectRef idx="0">
+            <a:schemeClr val="accent1"/>
+          </a:effectRef>
+          <a:fontRef idx="minor">
+            <a:schemeClr val="lt1"/>
+          </a:fontRef>
+        </p:style>
+        <p:txBody>
+          <a:bodyPr rtlCol="0" anchor="ctr"/>
+          <a:lstStyle/>
+          <a:p>
+            <a:pPr algn="ctr"/>
+            <a:endParaRPr lang="ko-KR" altLang="en-US" dirty="0">
+              <a:solidFill>
+                <a:schemeClr val="tx1"/>
+              </a:solidFill>
+            </a:endParaRPr>
+          </a:p>
+        </p:txBody>
+      </p:sp>
+      <p:sp>
+        <p:nvSpPr>
+          <p:cNvPr id="57" name="직사각형 56">
+            <a:extLst>
+              <a:ext uri="{FF2B5EF4-FFF2-40B4-BE49-F238E27FC236}">
+                <a16:creationId xmlns:a16="http://schemas.microsoft.com/office/drawing/2014/main" id="{AC318428-19A3-4674-93A9-915374D56256}"/>
+              </a:ext>
+            </a:extLst>
+          </p:cNvPr>
+          <p:cNvSpPr/>
+          <p:nvPr/>
+        </p:nvSpPr>
+        <p:spPr>
+          <a:xfrm>
+            <a:off x="9495652" y="2990736"/>
+            <a:ext cx="334498" cy="334498"/>
+          </a:xfrm>
+          <a:prstGeom prst="rect">
+            <a:avLst/>
+          </a:prstGeom>
+          <a:solidFill>
+            <a:srgbClr val="FFFF00"/>
+          </a:solidFill>
+        </p:spPr>
+        <p:style>
+          <a:lnRef idx="2">
+            <a:schemeClr val="accent1">
+              <a:shade val="50000"/>
+            </a:schemeClr>
+          </a:lnRef>
+          <a:fillRef idx="1">
+            <a:schemeClr val="accent1"/>
+          </a:fillRef>
+          <a:effectRef idx="0">
+            <a:schemeClr val="accent1"/>
+          </a:effectRef>
+          <a:fontRef idx="minor">
+            <a:schemeClr val="lt1"/>
+          </a:fontRef>
+        </p:style>
+        <p:txBody>
+          <a:bodyPr rtlCol="0" anchor="ctr"/>
+          <a:lstStyle/>
+          <a:p>
+            <a:pPr algn="ctr"/>
+            <a:endParaRPr lang="ko-KR" altLang="en-US" dirty="0">
+              <a:solidFill>
+                <a:schemeClr val="tx1"/>
+              </a:solidFill>
+            </a:endParaRPr>
+          </a:p>
+        </p:txBody>
+      </p:sp>
+      <p:sp>
+        <p:nvSpPr>
+          <p:cNvPr id="7" name="순서도: 처리 6">
+            <a:extLst>
+              <a:ext uri="{FF2B5EF4-FFF2-40B4-BE49-F238E27FC236}">
+                <a16:creationId xmlns:a16="http://schemas.microsoft.com/office/drawing/2014/main" id="{18B5F310-AE7A-4B7B-8929-FCB949E07776}"/>
+              </a:ext>
+            </a:extLst>
+          </p:cNvPr>
+          <p:cNvSpPr/>
+          <p:nvPr/>
+        </p:nvSpPr>
+        <p:spPr>
+          <a:xfrm>
+            <a:off x="2134794" y="2820914"/>
+            <a:ext cx="1209225" cy="330799"/>
+          </a:xfrm>
+          <a:prstGeom prst="flowChartProcess">
+            <a:avLst/>
+          </a:prstGeom>
+        </p:spPr>
+        <p:style>
+          <a:lnRef idx="2">
+            <a:schemeClr val="accent1">
+              <a:shade val="50000"/>
+            </a:schemeClr>
+          </a:lnRef>
+          <a:fillRef idx="1">
+            <a:schemeClr val="accent1"/>
+          </a:fillRef>
+          <a:effectRef idx="0">
+            <a:schemeClr val="accent1"/>
+          </a:effectRef>
+          <a:fontRef idx="minor">
+            <a:schemeClr val="lt1"/>
+          </a:fontRef>
+        </p:style>
+        <p:txBody>
+          <a:bodyPr rtlCol="0" anchor="ctr"/>
+          <a:lstStyle/>
+          <a:p>
+            <a:pPr algn="ctr"/>
+            <a:r>
+              <a:rPr lang="ko-KR" altLang="en-US" sz="1000"/>
+              <a:t>플랫폼 표기</a:t>
+            </a:r>
+            <a:endParaRPr lang="ko-KR" altLang="en-US" sz="1000" dirty="0"/>
+          </a:p>
+        </p:txBody>
+      </p:sp>
+      <p:cxnSp>
+        <p:nvCxnSpPr>
+          <p:cNvPr id="10" name="직선 연결선 9">
+            <a:extLst>
+              <a:ext uri="{FF2B5EF4-FFF2-40B4-BE49-F238E27FC236}">
+                <a16:creationId xmlns:a16="http://schemas.microsoft.com/office/drawing/2014/main" id="{19270ADC-0726-42F4-8B8E-25C43518024F}"/>
+              </a:ext>
+            </a:extLst>
+          </p:cNvPr>
+          <p:cNvCxnSpPr>
+            <a:cxnSpLocks/>
+            <a:stCxn id="7" idx="0"/>
+            <a:endCxn id="51" idx="2"/>
+          </p:cNvCxnSpPr>
+          <p:nvPr/>
+        </p:nvCxnSpPr>
+        <p:spPr>
+          <a:xfrm flipV="1">
+            <a:off x="2739407" y="1351587"/>
+            <a:ext cx="83437" cy="1469327"/>
+          </a:xfrm>
+          <a:prstGeom prst="line">
+            <a:avLst/>
+          </a:prstGeom>
+          <a:ln w="9525" cap="flat" cmpd="sng" algn="ctr">
+            <a:solidFill>
+              <a:schemeClr val="dk1"/>
+            </a:solidFill>
+            <a:prstDash val="solid"/>
+            <a:round/>
+            <a:headEnd type="none" w="med" len="med"/>
+            <a:tailEnd type="arrow" w="med" len="med"/>
+          </a:ln>
+        </p:spPr>
+        <p:style>
+          <a:lnRef idx="0">
+            <a:scrgbClr r="0" g="0" b="0"/>
+          </a:lnRef>
+          <a:fillRef idx="0">
+            <a:scrgbClr r="0" g="0" b="0"/>
+          </a:fillRef>
+          <a:effectRef idx="0">
+            <a:scrgbClr r="0" g="0" b="0"/>
+          </a:effectRef>
+          <a:fontRef idx="minor">
+            <a:schemeClr val="tx1"/>
+          </a:fontRef>
+        </p:style>
+      </p:cxnSp>
     </p:spTree>
     <p:extLst>
       <p:ext uri="{BB962C8B-B14F-4D97-AF65-F5344CB8AC3E}">
-        <p14:creationId xmlns:p14="http://schemas.microsoft.com/office/powerpoint/2010/main" val="1232719681"/>
+        <p14:creationId xmlns:p14="http://schemas.microsoft.com/office/powerpoint/2010/main" val="2068786106"/>
       </p:ext>
     </p:extLst>
   </p:cSld>

--- a/document/gameUI.pptx
+++ b/document/gameUI.pptx
@@ -16,6 +16,8 @@
     <p:sldId id="265" r:id="rId10"/>
     <p:sldId id="266" r:id="rId11"/>
     <p:sldId id="264" r:id="rId12"/>
+    <p:sldId id="267" r:id="rId13"/>
+    <p:sldId id="268" r:id="rId14"/>
   </p:sldIdLst>
   <p:sldSz cx="12192000" cy="6858000"/>
   <p:notesSz cx="6858000" cy="9144000"/>
@@ -275,7 +277,7 @@
           <a:p>
             <a:fld id="{AB9EB3BD-B079-48C3-B51D-286FB242F709}" type="datetimeFigureOut">
               <a:rPr lang="ko-KR" altLang="en-US" smtClean="0"/>
-              <a:t>2022-04-30</a:t>
+              <a:t>2022-05-04</a:t>
             </a:fld>
             <a:endParaRPr lang="ko-KR" altLang="en-US"/>
           </a:p>
@@ -473,7 +475,7 @@
           <a:p>
             <a:fld id="{AB9EB3BD-B079-48C3-B51D-286FB242F709}" type="datetimeFigureOut">
               <a:rPr lang="ko-KR" altLang="en-US" smtClean="0"/>
-              <a:t>2022-04-30</a:t>
+              <a:t>2022-05-04</a:t>
             </a:fld>
             <a:endParaRPr lang="ko-KR" altLang="en-US"/>
           </a:p>
@@ -681,7 +683,7 @@
           <a:p>
             <a:fld id="{AB9EB3BD-B079-48C3-B51D-286FB242F709}" type="datetimeFigureOut">
               <a:rPr lang="ko-KR" altLang="en-US" smtClean="0"/>
-              <a:t>2022-04-30</a:t>
+              <a:t>2022-05-04</a:t>
             </a:fld>
             <a:endParaRPr lang="ko-KR" altLang="en-US"/>
           </a:p>
@@ -879,7 +881,7 @@
           <a:p>
             <a:fld id="{AB9EB3BD-B079-48C3-B51D-286FB242F709}" type="datetimeFigureOut">
               <a:rPr lang="ko-KR" altLang="en-US" smtClean="0"/>
-              <a:t>2022-04-30</a:t>
+              <a:t>2022-05-04</a:t>
             </a:fld>
             <a:endParaRPr lang="ko-KR" altLang="en-US"/>
           </a:p>
@@ -1154,7 +1156,7 @@
           <a:p>
             <a:fld id="{AB9EB3BD-B079-48C3-B51D-286FB242F709}" type="datetimeFigureOut">
               <a:rPr lang="ko-KR" altLang="en-US" smtClean="0"/>
-              <a:t>2022-04-30</a:t>
+              <a:t>2022-05-04</a:t>
             </a:fld>
             <a:endParaRPr lang="ko-KR" altLang="en-US"/>
           </a:p>
@@ -1419,7 +1421,7 @@
           <a:p>
             <a:fld id="{AB9EB3BD-B079-48C3-B51D-286FB242F709}" type="datetimeFigureOut">
               <a:rPr lang="ko-KR" altLang="en-US" smtClean="0"/>
-              <a:t>2022-04-30</a:t>
+              <a:t>2022-05-04</a:t>
             </a:fld>
             <a:endParaRPr lang="ko-KR" altLang="en-US"/>
           </a:p>
@@ -1831,7 +1833,7 @@
           <a:p>
             <a:fld id="{AB9EB3BD-B079-48C3-B51D-286FB242F709}" type="datetimeFigureOut">
               <a:rPr lang="ko-KR" altLang="en-US" smtClean="0"/>
-              <a:t>2022-04-30</a:t>
+              <a:t>2022-05-04</a:t>
             </a:fld>
             <a:endParaRPr lang="ko-KR" altLang="en-US"/>
           </a:p>
@@ -1972,7 +1974,7 @@
           <a:p>
             <a:fld id="{AB9EB3BD-B079-48C3-B51D-286FB242F709}" type="datetimeFigureOut">
               <a:rPr lang="ko-KR" altLang="en-US" smtClean="0"/>
-              <a:t>2022-04-30</a:t>
+              <a:t>2022-05-04</a:t>
             </a:fld>
             <a:endParaRPr lang="ko-KR" altLang="en-US"/>
           </a:p>
@@ -2085,7 +2087,7 @@
           <a:p>
             <a:fld id="{AB9EB3BD-B079-48C3-B51D-286FB242F709}" type="datetimeFigureOut">
               <a:rPr lang="ko-KR" altLang="en-US" smtClean="0"/>
-              <a:t>2022-04-30</a:t>
+              <a:t>2022-05-04</a:t>
             </a:fld>
             <a:endParaRPr lang="ko-KR" altLang="en-US"/>
           </a:p>
@@ -2396,7 +2398,7 @@
           <a:p>
             <a:fld id="{AB9EB3BD-B079-48C3-B51D-286FB242F709}" type="datetimeFigureOut">
               <a:rPr lang="ko-KR" altLang="en-US" smtClean="0"/>
-              <a:t>2022-04-30</a:t>
+              <a:t>2022-05-04</a:t>
             </a:fld>
             <a:endParaRPr lang="ko-KR" altLang="en-US"/>
           </a:p>
@@ -2684,7 +2686,7 @@
           <a:p>
             <a:fld id="{AB9EB3BD-B079-48C3-B51D-286FB242F709}" type="datetimeFigureOut">
               <a:rPr lang="ko-KR" altLang="en-US" smtClean="0"/>
-              <a:t>2022-04-30</a:t>
+              <a:t>2022-05-04</a:t>
             </a:fld>
             <a:endParaRPr lang="ko-KR" altLang="en-US"/>
           </a:p>
@@ -2925,7 +2927,7 @@
           <a:p>
             <a:fld id="{AB9EB3BD-B079-48C3-B51D-286FB242F709}" type="datetimeFigureOut">
               <a:rPr lang="ko-KR" altLang="en-US" smtClean="0"/>
-              <a:t>2022-04-30</a:t>
+              <a:t>2022-05-04</a:t>
             </a:fld>
             <a:endParaRPr lang="ko-KR" altLang="en-US"/>
           </a:p>
@@ -6946,6 +6948,3292 @@
     <p:extLst>
       <p:ext uri="{BB962C8B-B14F-4D97-AF65-F5344CB8AC3E}">
         <p14:creationId xmlns:p14="http://schemas.microsoft.com/office/powerpoint/2010/main" val="1232719681"/>
+      </p:ext>
+    </p:extLst>
+  </p:cSld>
+  <p:clrMapOvr>
+    <a:masterClrMapping/>
+  </p:clrMapOvr>
+</p:sld>
+</file>
+
+<file path=ppt/slides/slide12.xml><?xml version="1.0" encoding="utf-8"?>
+<p:sld xmlns:a="http://schemas.openxmlformats.org/drawingml/2006/main" xmlns:r="http://schemas.openxmlformats.org/officeDocument/2006/relationships" xmlns:p="http://schemas.openxmlformats.org/presentationml/2006/main">
+  <p:cSld>
+    <p:spTree>
+      <p:nvGrpSpPr>
+        <p:cNvPr id="1" name=""/>
+        <p:cNvGrpSpPr/>
+        <p:nvPr/>
+      </p:nvGrpSpPr>
+      <p:grpSpPr>
+        <a:xfrm>
+          <a:off x="0" y="0"/>
+          <a:ext cx="0" cy="0"/>
+          <a:chOff x="0" y="0"/>
+          <a:chExt cx="0" cy="0"/>
+        </a:xfrm>
+      </p:grpSpPr>
+      <p:sp>
+        <p:nvSpPr>
+          <p:cNvPr id="4" name="직사각형 3">
+            <a:extLst>
+              <a:ext uri="{FF2B5EF4-FFF2-40B4-BE49-F238E27FC236}">
+                <a16:creationId xmlns:a16="http://schemas.microsoft.com/office/drawing/2014/main" id="{DFD45B95-007B-4E43-AAC9-76E0E866E14B}"/>
+              </a:ext>
+            </a:extLst>
+          </p:cNvPr>
+          <p:cNvSpPr/>
+          <p:nvPr/>
+        </p:nvSpPr>
+        <p:spPr>
+          <a:xfrm>
+            <a:off x="767511" y="792424"/>
+            <a:ext cx="10656977" cy="5936832"/>
+          </a:xfrm>
+          <a:prstGeom prst="rect">
+            <a:avLst/>
+          </a:prstGeom>
+          <a:solidFill>
+            <a:schemeClr val="bg1"/>
+          </a:solidFill>
+          <a:ln w="38100"/>
+        </p:spPr>
+        <p:style>
+          <a:lnRef idx="2">
+            <a:schemeClr val="accent1">
+              <a:shade val="50000"/>
+            </a:schemeClr>
+          </a:lnRef>
+          <a:fillRef idx="1">
+            <a:schemeClr val="accent1"/>
+          </a:fillRef>
+          <a:effectRef idx="0">
+            <a:schemeClr val="accent1"/>
+          </a:effectRef>
+          <a:fontRef idx="minor">
+            <a:schemeClr val="lt1"/>
+          </a:fontRef>
+        </p:style>
+        <p:txBody>
+          <a:bodyPr rtlCol="0" anchor="ctr"/>
+          <a:lstStyle/>
+          <a:p>
+            <a:pPr algn="ctr"/>
+            <a:endParaRPr lang="ko-KR" altLang="en-US" dirty="0"/>
+          </a:p>
+        </p:txBody>
+      </p:sp>
+      <p:cxnSp>
+        <p:nvCxnSpPr>
+          <p:cNvPr id="17" name="직선 연결선 16">
+            <a:extLst>
+              <a:ext uri="{FF2B5EF4-FFF2-40B4-BE49-F238E27FC236}">
+                <a16:creationId xmlns:a16="http://schemas.microsoft.com/office/drawing/2014/main" id="{37BCD4B5-5C43-4F08-94D5-44CB7F8AA52D}"/>
+              </a:ext>
+            </a:extLst>
+          </p:cNvPr>
+          <p:cNvCxnSpPr/>
+          <p:nvPr/>
+        </p:nvCxnSpPr>
+        <p:spPr>
+          <a:xfrm>
+            <a:off x="0" y="539230"/>
+            <a:ext cx="12192000" cy="0"/>
+          </a:xfrm>
+          <a:prstGeom prst="line">
+            <a:avLst/>
+          </a:prstGeom>
+        </p:spPr>
+        <p:style>
+          <a:lnRef idx="1">
+            <a:schemeClr val="accent1"/>
+          </a:lnRef>
+          <a:fillRef idx="0">
+            <a:schemeClr val="accent1"/>
+          </a:fillRef>
+          <a:effectRef idx="0">
+            <a:schemeClr val="accent1"/>
+          </a:effectRef>
+          <a:fontRef idx="minor">
+            <a:schemeClr val="tx1"/>
+          </a:fontRef>
+        </p:style>
+      </p:cxnSp>
+      <p:sp>
+        <p:nvSpPr>
+          <p:cNvPr id="18" name="TextBox 17">
+            <a:extLst>
+              <a:ext uri="{FF2B5EF4-FFF2-40B4-BE49-F238E27FC236}">
+                <a16:creationId xmlns:a16="http://schemas.microsoft.com/office/drawing/2014/main" id="{E86E68C2-3A3F-4345-9A09-A8BC6F2A92AF}"/>
+              </a:ext>
+            </a:extLst>
+          </p:cNvPr>
+          <p:cNvSpPr txBox="1"/>
+          <p:nvPr/>
+        </p:nvSpPr>
+        <p:spPr>
+          <a:xfrm>
+            <a:off x="448887" y="204999"/>
+            <a:ext cx="1367682" cy="369332"/>
+          </a:xfrm>
+          <a:prstGeom prst="rect">
+            <a:avLst/>
+          </a:prstGeom>
+          <a:noFill/>
+        </p:spPr>
+        <p:txBody>
+          <a:bodyPr wrap="none" rtlCol="0">
+            <a:spAutoFit/>
+          </a:bodyPr>
+          <a:lstStyle/>
+          <a:p>
+            <a:r>
+              <a:rPr lang="ko-KR" altLang="en-US" dirty="0" err="1"/>
+              <a:t>결과창</a:t>
+            </a:r>
+            <a:r>
+              <a:rPr lang="en-US" altLang="ko-KR" dirty="0"/>
+              <a:t>UI#1</a:t>
+            </a:r>
+            <a:endParaRPr lang="ko-KR" altLang="en-US" dirty="0"/>
+          </a:p>
+        </p:txBody>
+      </p:sp>
+      <p:sp>
+        <p:nvSpPr>
+          <p:cNvPr id="16" name="직사각형 15">
+            <a:extLst>
+              <a:ext uri="{FF2B5EF4-FFF2-40B4-BE49-F238E27FC236}">
+                <a16:creationId xmlns:a16="http://schemas.microsoft.com/office/drawing/2014/main" id="{94B0F3A8-1FF0-3923-DC18-47A803BA7B7D}"/>
+              </a:ext>
+            </a:extLst>
+          </p:cNvPr>
+          <p:cNvSpPr/>
+          <p:nvPr/>
+        </p:nvSpPr>
+        <p:spPr>
+          <a:xfrm>
+            <a:off x="937404" y="1017313"/>
+            <a:ext cx="10311441" cy="5635688"/>
+          </a:xfrm>
+          <a:prstGeom prst="rect">
+            <a:avLst/>
+          </a:prstGeom>
+        </p:spPr>
+        <p:style>
+          <a:lnRef idx="2">
+            <a:schemeClr val="accent1">
+              <a:shade val="50000"/>
+            </a:schemeClr>
+          </a:lnRef>
+          <a:fillRef idx="1">
+            <a:schemeClr val="accent1"/>
+          </a:fillRef>
+          <a:effectRef idx="0">
+            <a:schemeClr val="accent1"/>
+          </a:effectRef>
+          <a:fontRef idx="minor">
+            <a:schemeClr val="lt1"/>
+          </a:fontRef>
+        </p:style>
+        <p:txBody>
+          <a:bodyPr rtlCol="0" anchor="ctr"/>
+          <a:lstStyle/>
+          <a:p>
+            <a:pPr algn="ctr"/>
+            <a:endParaRPr lang="ko-KR" altLang="en-US" dirty="0"/>
+          </a:p>
+        </p:txBody>
+      </p:sp>
+      <p:sp>
+        <p:nvSpPr>
+          <p:cNvPr id="15" name="직사각형 14">
+            <a:extLst>
+              <a:ext uri="{FF2B5EF4-FFF2-40B4-BE49-F238E27FC236}">
+                <a16:creationId xmlns:a16="http://schemas.microsoft.com/office/drawing/2014/main" id="{7B2F5041-62ED-A0D1-B3DB-538A6D831DA3}"/>
+              </a:ext>
+            </a:extLst>
+          </p:cNvPr>
+          <p:cNvSpPr>
+            <a:spLocks noChangeAspect="1"/>
+          </p:cNvSpPr>
+          <p:nvPr/>
+        </p:nvSpPr>
+        <p:spPr>
+          <a:xfrm>
+            <a:off x="4725517" y="873462"/>
+            <a:ext cx="2735213" cy="446380"/>
+          </a:xfrm>
+          <a:prstGeom prst="rect">
+            <a:avLst/>
+          </a:prstGeom>
+          <a:solidFill>
+            <a:schemeClr val="bg1">
+              <a:lumMod val="95000"/>
+            </a:schemeClr>
+          </a:solidFill>
+        </p:spPr>
+        <p:style>
+          <a:lnRef idx="2">
+            <a:schemeClr val="accent1">
+              <a:shade val="50000"/>
+            </a:schemeClr>
+          </a:lnRef>
+          <a:fillRef idx="1">
+            <a:schemeClr val="accent1"/>
+          </a:fillRef>
+          <a:effectRef idx="0">
+            <a:schemeClr val="accent1"/>
+          </a:effectRef>
+          <a:fontRef idx="minor">
+            <a:schemeClr val="lt1"/>
+          </a:fontRef>
+        </p:style>
+        <p:txBody>
+          <a:bodyPr rtlCol="0" anchor="ctr"/>
+          <a:lstStyle/>
+          <a:p>
+            <a:pPr algn="ctr"/>
+            <a:r>
+              <a:rPr lang="ko-KR" altLang="en-US" sz="1500" dirty="0" err="1">
+                <a:solidFill>
+                  <a:schemeClr val="tx1"/>
+                </a:solidFill>
+              </a:rPr>
+              <a:t>결과창</a:t>
+            </a:r>
+            <a:endParaRPr lang="ko-KR" altLang="en-US" sz="1500" dirty="0">
+              <a:solidFill>
+                <a:schemeClr val="tx1"/>
+              </a:solidFill>
+            </a:endParaRPr>
+          </a:p>
+        </p:txBody>
+      </p:sp>
+      <p:sp>
+        <p:nvSpPr>
+          <p:cNvPr id="23" name="직사각형 22">
+            <a:extLst>
+              <a:ext uri="{FF2B5EF4-FFF2-40B4-BE49-F238E27FC236}">
+                <a16:creationId xmlns:a16="http://schemas.microsoft.com/office/drawing/2014/main" id="{E9C04FF7-3817-F1AE-0AB0-99906CF7FABC}"/>
+              </a:ext>
+            </a:extLst>
+          </p:cNvPr>
+          <p:cNvSpPr/>
+          <p:nvPr/>
+        </p:nvSpPr>
+        <p:spPr>
+          <a:xfrm>
+            <a:off x="9559831" y="6099942"/>
+            <a:ext cx="1616984" cy="501303"/>
+          </a:xfrm>
+          <a:prstGeom prst="rect">
+            <a:avLst/>
+          </a:prstGeom>
+          <a:solidFill>
+            <a:srgbClr val="00B050"/>
+          </a:solidFill>
+        </p:spPr>
+        <p:style>
+          <a:lnRef idx="2">
+            <a:schemeClr val="accent1">
+              <a:shade val="50000"/>
+            </a:schemeClr>
+          </a:lnRef>
+          <a:fillRef idx="1">
+            <a:schemeClr val="accent1"/>
+          </a:fillRef>
+          <a:effectRef idx="0">
+            <a:schemeClr val="accent1"/>
+          </a:effectRef>
+          <a:fontRef idx="minor">
+            <a:schemeClr val="lt1"/>
+          </a:fontRef>
+        </p:style>
+        <p:txBody>
+          <a:bodyPr rtlCol="0" anchor="ctr"/>
+          <a:lstStyle/>
+          <a:p>
+            <a:pPr algn="ctr"/>
+            <a:r>
+              <a:rPr lang="ko-KR" altLang="en-US" sz="1400" dirty="0"/>
+              <a:t>방으로 돌아가기</a:t>
+            </a:r>
+          </a:p>
+        </p:txBody>
+      </p:sp>
+      <p:sp>
+        <p:nvSpPr>
+          <p:cNvPr id="24" name="직사각형 23">
+            <a:extLst>
+              <a:ext uri="{FF2B5EF4-FFF2-40B4-BE49-F238E27FC236}">
+                <a16:creationId xmlns:a16="http://schemas.microsoft.com/office/drawing/2014/main" id="{1E042288-E55D-D950-B118-48228CA1C961}"/>
+              </a:ext>
+            </a:extLst>
+          </p:cNvPr>
+          <p:cNvSpPr/>
+          <p:nvPr/>
+        </p:nvSpPr>
+        <p:spPr>
+          <a:xfrm>
+            <a:off x="7787944" y="6099942"/>
+            <a:ext cx="1616984" cy="501303"/>
+          </a:xfrm>
+          <a:prstGeom prst="rect">
+            <a:avLst/>
+          </a:prstGeom>
+          <a:solidFill>
+            <a:srgbClr val="00B050"/>
+          </a:solidFill>
+        </p:spPr>
+        <p:style>
+          <a:lnRef idx="2">
+            <a:schemeClr val="accent1">
+              <a:shade val="50000"/>
+            </a:schemeClr>
+          </a:lnRef>
+          <a:fillRef idx="1">
+            <a:schemeClr val="accent1"/>
+          </a:fillRef>
+          <a:effectRef idx="0">
+            <a:schemeClr val="accent1"/>
+          </a:effectRef>
+          <a:fontRef idx="minor">
+            <a:schemeClr val="lt1"/>
+          </a:fontRef>
+        </p:style>
+        <p:txBody>
+          <a:bodyPr rtlCol="0" anchor="ctr"/>
+          <a:lstStyle/>
+          <a:p>
+            <a:pPr algn="ctr"/>
+            <a:r>
+              <a:rPr lang="ko-KR" altLang="en-US" sz="1400" dirty="0"/>
+              <a:t>로비로 돌아가기</a:t>
+            </a:r>
+          </a:p>
+        </p:txBody>
+      </p:sp>
+      <p:sp>
+        <p:nvSpPr>
+          <p:cNvPr id="32" name="직사각형 31">
+            <a:extLst>
+              <a:ext uri="{FF2B5EF4-FFF2-40B4-BE49-F238E27FC236}">
+                <a16:creationId xmlns:a16="http://schemas.microsoft.com/office/drawing/2014/main" id="{D5BF79D3-B2EA-11DE-5C11-C624A5960E8A}"/>
+              </a:ext>
+            </a:extLst>
+          </p:cNvPr>
+          <p:cNvSpPr>
+            <a:spLocks noChangeAspect="1"/>
+          </p:cNvSpPr>
+          <p:nvPr/>
+        </p:nvSpPr>
+        <p:spPr>
+          <a:xfrm>
+            <a:off x="4298509" y="1331778"/>
+            <a:ext cx="854015" cy="854015"/>
+          </a:xfrm>
+          <a:prstGeom prst="rect">
+            <a:avLst/>
+          </a:prstGeom>
+          <a:solidFill>
+            <a:schemeClr val="bg1">
+              <a:lumMod val="95000"/>
+            </a:schemeClr>
+          </a:solidFill>
+        </p:spPr>
+        <p:style>
+          <a:lnRef idx="2">
+            <a:schemeClr val="accent1">
+              <a:shade val="50000"/>
+            </a:schemeClr>
+          </a:lnRef>
+          <a:fillRef idx="1">
+            <a:schemeClr val="accent1"/>
+          </a:fillRef>
+          <a:effectRef idx="0">
+            <a:schemeClr val="accent1"/>
+          </a:effectRef>
+          <a:fontRef idx="minor">
+            <a:schemeClr val="lt1"/>
+          </a:fontRef>
+        </p:style>
+        <p:txBody>
+          <a:bodyPr rtlCol="0" anchor="ctr"/>
+          <a:lstStyle/>
+          <a:p>
+            <a:pPr algn="ctr"/>
+            <a:r>
+              <a:rPr lang="ko-KR" altLang="en-US" sz="1500" dirty="0">
+                <a:solidFill>
+                  <a:schemeClr val="tx1"/>
+                </a:solidFill>
+              </a:rPr>
+              <a:t>점수</a:t>
+            </a:r>
+          </a:p>
+        </p:txBody>
+      </p:sp>
+      <p:sp>
+        <p:nvSpPr>
+          <p:cNvPr id="33" name="직사각형 32">
+            <a:extLst>
+              <a:ext uri="{FF2B5EF4-FFF2-40B4-BE49-F238E27FC236}">
+                <a16:creationId xmlns:a16="http://schemas.microsoft.com/office/drawing/2014/main" id="{55978E92-6E0B-C342-5DC3-7BCCD6236381}"/>
+              </a:ext>
+            </a:extLst>
+          </p:cNvPr>
+          <p:cNvSpPr>
+            <a:spLocks noChangeAspect="1"/>
+          </p:cNvSpPr>
+          <p:nvPr/>
+        </p:nvSpPr>
+        <p:spPr>
+          <a:xfrm>
+            <a:off x="7039478" y="1331778"/>
+            <a:ext cx="854015" cy="854015"/>
+          </a:xfrm>
+          <a:prstGeom prst="rect">
+            <a:avLst/>
+          </a:prstGeom>
+          <a:solidFill>
+            <a:schemeClr val="bg1">
+              <a:lumMod val="95000"/>
+            </a:schemeClr>
+          </a:solidFill>
+        </p:spPr>
+        <p:style>
+          <a:lnRef idx="2">
+            <a:schemeClr val="accent1">
+              <a:shade val="50000"/>
+            </a:schemeClr>
+          </a:lnRef>
+          <a:fillRef idx="1">
+            <a:schemeClr val="accent1"/>
+          </a:fillRef>
+          <a:effectRef idx="0">
+            <a:schemeClr val="accent1"/>
+          </a:effectRef>
+          <a:fontRef idx="minor">
+            <a:schemeClr val="lt1"/>
+          </a:fontRef>
+        </p:style>
+        <p:txBody>
+          <a:bodyPr rtlCol="0" anchor="ctr"/>
+          <a:lstStyle/>
+          <a:p>
+            <a:pPr algn="ctr"/>
+            <a:r>
+              <a:rPr lang="ko-KR" altLang="en-US" sz="1500" dirty="0">
+                <a:solidFill>
+                  <a:schemeClr val="tx1"/>
+                </a:solidFill>
+              </a:rPr>
+              <a:t>점수</a:t>
+            </a:r>
+          </a:p>
+        </p:txBody>
+      </p:sp>
+      <p:grpSp>
+        <p:nvGrpSpPr>
+          <p:cNvPr id="9" name="그룹 8">
+            <a:extLst>
+              <a:ext uri="{FF2B5EF4-FFF2-40B4-BE49-F238E27FC236}">
+                <a16:creationId xmlns:a16="http://schemas.microsoft.com/office/drawing/2014/main" id="{A9312878-BA35-2AD6-CDCD-0731541DB16F}"/>
+              </a:ext>
+            </a:extLst>
+          </p:cNvPr>
+          <p:cNvGrpSpPr/>
+          <p:nvPr/>
+        </p:nvGrpSpPr>
+        <p:grpSpPr>
+          <a:xfrm>
+            <a:off x="1059093" y="2638642"/>
+            <a:ext cx="4821825" cy="602399"/>
+            <a:chOff x="1059093" y="2302212"/>
+            <a:chExt cx="4821825" cy="602399"/>
+          </a:xfrm>
+        </p:grpSpPr>
+        <p:sp>
+          <p:nvSpPr>
+            <p:cNvPr id="34" name="직사각형 33">
+              <a:extLst>
+                <a:ext uri="{FF2B5EF4-FFF2-40B4-BE49-F238E27FC236}">
+                  <a16:creationId xmlns:a16="http://schemas.microsoft.com/office/drawing/2014/main" id="{B59DA576-9F5F-2378-8E62-B24EE2CF31C8}"/>
+                </a:ext>
+              </a:extLst>
+            </p:cNvPr>
+            <p:cNvSpPr/>
+            <p:nvPr/>
+          </p:nvSpPr>
+          <p:spPr>
+            <a:xfrm>
+              <a:off x="1059093" y="2302212"/>
+              <a:ext cx="4821825" cy="602399"/>
+            </a:xfrm>
+            <a:prstGeom prst="rect">
+              <a:avLst/>
+            </a:prstGeom>
+            <a:solidFill>
+              <a:schemeClr val="accent1">
+                <a:lumMod val="60000"/>
+                <a:lumOff val="40000"/>
+              </a:schemeClr>
+            </a:solidFill>
+          </p:spPr>
+          <p:style>
+            <a:lnRef idx="2">
+              <a:schemeClr val="accent1">
+                <a:shade val="50000"/>
+              </a:schemeClr>
+            </a:lnRef>
+            <a:fillRef idx="1">
+              <a:schemeClr val="accent1"/>
+            </a:fillRef>
+            <a:effectRef idx="0">
+              <a:schemeClr val="accent1"/>
+            </a:effectRef>
+            <a:fontRef idx="minor">
+              <a:schemeClr val="lt1"/>
+            </a:fontRef>
+          </p:style>
+          <p:txBody>
+            <a:bodyPr rtlCol="0" anchor="ctr"/>
+            <a:lstStyle/>
+            <a:p>
+              <a:r>
+                <a:rPr lang="ko-KR" altLang="en-US" sz="1100" dirty="0">
+                  <a:solidFill>
+                    <a:schemeClr val="tx1"/>
+                  </a:solidFill>
+                </a:rPr>
+                <a:t>닉네임</a:t>
+              </a:r>
+              <a:endParaRPr lang="en-US" altLang="ko-KR" sz="1100" dirty="0">
+                <a:solidFill>
+                  <a:schemeClr val="tx1"/>
+                </a:solidFill>
+              </a:endParaRPr>
+            </a:p>
+          </p:txBody>
+        </p:sp>
+        <p:sp>
+          <p:nvSpPr>
+            <p:cNvPr id="8" name="TextBox 7">
+              <a:extLst>
+                <a:ext uri="{FF2B5EF4-FFF2-40B4-BE49-F238E27FC236}">
+                  <a16:creationId xmlns:a16="http://schemas.microsoft.com/office/drawing/2014/main" id="{85F79427-1866-3A91-D22C-2AA689165413}"/>
+                </a:ext>
+              </a:extLst>
+            </p:cNvPr>
+            <p:cNvSpPr txBox="1"/>
+            <p:nvPr/>
+          </p:nvSpPr>
+          <p:spPr>
+            <a:xfrm>
+              <a:off x="4664576" y="2476386"/>
+              <a:ext cx="1149674" cy="261610"/>
+            </a:xfrm>
+            <a:prstGeom prst="rect">
+              <a:avLst/>
+            </a:prstGeom>
+            <a:noFill/>
+          </p:spPr>
+          <p:txBody>
+            <a:bodyPr wrap="none" rtlCol="0">
+              <a:spAutoFit/>
+            </a:bodyPr>
+            <a:lstStyle/>
+            <a:p>
+              <a:r>
+                <a:rPr lang="ko-KR" altLang="en-US" sz="1100" dirty="0"/>
+                <a:t>코인</a:t>
+              </a:r>
+              <a:r>
+                <a:rPr lang="en-US" altLang="ko-KR" sz="1100" dirty="0"/>
+                <a:t> : </a:t>
+              </a:r>
+              <a:r>
+                <a:rPr lang="ko-KR" altLang="en-US" sz="1100" dirty="0"/>
+                <a:t>킬 </a:t>
+              </a:r>
+              <a:r>
+                <a:rPr lang="en-US" altLang="ko-KR" sz="1100" dirty="0"/>
+                <a:t>: </a:t>
+              </a:r>
+              <a:r>
+                <a:rPr lang="ko-KR" altLang="en-US" sz="1100" dirty="0" err="1"/>
+                <a:t>데스</a:t>
+              </a:r>
+              <a:endParaRPr lang="ko-KR" altLang="en-US" sz="1100" dirty="0"/>
+            </a:p>
+          </p:txBody>
+        </p:sp>
+      </p:grpSp>
+      <p:grpSp>
+        <p:nvGrpSpPr>
+          <p:cNvPr id="38" name="그룹 37">
+            <a:extLst>
+              <a:ext uri="{FF2B5EF4-FFF2-40B4-BE49-F238E27FC236}">
+                <a16:creationId xmlns:a16="http://schemas.microsoft.com/office/drawing/2014/main" id="{CFFFDCC0-A269-40BA-384B-46AE6D9CE820}"/>
+              </a:ext>
+            </a:extLst>
+          </p:cNvPr>
+          <p:cNvGrpSpPr/>
+          <p:nvPr/>
+        </p:nvGrpSpPr>
+        <p:grpSpPr>
+          <a:xfrm>
+            <a:off x="1059093" y="3667038"/>
+            <a:ext cx="4821825" cy="602399"/>
+            <a:chOff x="1059093" y="2302212"/>
+            <a:chExt cx="4821825" cy="602399"/>
+          </a:xfrm>
+        </p:grpSpPr>
+        <p:sp>
+          <p:nvSpPr>
+            <p:cNvPr id="39" name="직사각형 38">
+              <a:extLst>
+                <a:ext uri="{FF2B5EF4-FFF2-40B4-BE49-F238E27FC236}">
+                  <a16:creationId xmlns:a16="http://schemas.microsoft.com/office/drawing/2014/main" id="{9634C1DA-A073-EEB2-1575-5FD2E58D765A}"/>
+                </a:ext>
+              </a:extLst>
+            </p:cNvPr>
+            <p:cNvSpPr/>
+            <p:nvPr/>
+          </p:nvSpPr>
+          <p:spPr>
+            <a:xfrm>
+              <a:off x="1059093" y="2302212"/>
+              <a:ext cx="4821825" cy="602399"/>
+            </a:xfrm>
+            <a:prstGeom prst="rect">
+              <a:avLst/>
+            </a:prstGeom>
+            <a:solidFill>
+              <a:schemeClr val="accent1">
+                <a:lumMod val="60000"/>
+                <a:lumOff val="40000"/>
+              </a:schemeClr>
+            </a:solidFill>
+          </p:spPr>
+          <p:style>
+            <a:lnRef idx="2">
+              <a:schemeClr val="accent1">
+                <a:shade val="50000"/>
+              </a:schemeClr>
+            </a:lnRef>
+            <a:fillRef idx="1">
+              <a:schemeClr val="accent1"/>
+            </a:fillRef>
+            <a:effectRef idx="0">
+              <a:schemeClr val="accent1"/>
+            </a:effectRef>
+            <a:fontRef idx="minor">
+              <a:schemeClr val="lt1"/>
+            </a:fontRef>
+          </p:style>
+          <p:txBody>
+            <a:bodyPr rtlCol="0" anchor="ctr"/>
+            <a:lstStyle/>
+            <a:p>
+              <a:r>
+                <a:rPr lang="ko-KR" altLang="en-US" sz="1100" dirty="0">
+                  <a:solidFill>
+                    <a:schemeClr val="tx1"/>
+                  </a:solidFill>
+                </a:rPr>
+                <a:t>닉네임</a:t>
+              </a:r>
+              <a:endParaRPr lang="en-US" altLang="ko-KR" sz="1100" dirty="0">
+                <a:solidFill>
+                  <a:schemeClr val="tx1"/>
+                </a:solidFill>
+              </a:endParaRPr>
+            </a:p>
+          </p:txBody>
+        </p:sp>
+        <p:sp>
+          <p:nvSpPr>
+            <p:cNvPr id="40" name="TextBox 39">
+              <a:extLst>
+                <a:ext uri="{FF2B5EF4-FFF2-40B4-BE49-F238E27FC236}">
+                  <a16:creationId xmlns:a16="http://schemas.microsoft.com/office/drawing/2014/main" id="{247F5F6E-9EB7-D243-DF2B-0F2C02E1896F}"/>
+                </a:ext>
+              </a:extLst>
+            </p:cNvPr>
+            <p:cNvSpPr txBox="1"/>
+            <p:nvPr/>
+          </p:nvSpPr>
+          <p:spPr>
+            <a:xfrm>
+              <a:off x="4664576" y="2476386"/>
+              <a:ext cx="1149674" cy="261610"/>
+            </a:xfrm>
+            <a:prstGeom prst="rect">
+              <a:avLst/>
+            </a:prstGeom>
+            <a:noFill/>
+          </p:spPr>
+          <p:txBody>
+            <a:bodyPr wrap="none" rtlCol="0">
+              <a:spAutoFit/>
+            </a:bodyPr>
+            <a:lstStyle/>
+            <a:p>
+              <a:r>
+                <a:rPr lang="ko-KR" altLang="en-US" sz="1100" dirty="0"/>
+                <a:t>코인</a:t>
+              </a:r>
+              <a:r>
+                <a:rPr lang="en-US" altLang="ko-KR" sz="1100" dirty="0"/>
+                <a:t> : </a:t>
+              </a:r>
+              <a:r>
+                <a:rPr lang="ko-KR" altLang="en-US" sz="1100" dirty="0"/>
+                <a:t>킬 </a:t>
+              </a:r>
+              <a:r>
+                <a:rPr lang="en-US" altLang="ko-KR" sz="1100" dirty="0"/>
+                <a:t>: </a:t>
+              </a:r>
+              <a:r>
+                <a:rPr lang="ko-KR" altLang="en-US" sz="1100" dirty="0" err="1"/>
+                <a:t>데스</a:t>
+              </a:r>
+              <a:endParaRPr lang="ko-KR" altLang="en-US" sz="1100" dirty="0"/>
+            </a:p>
+          </p:txBody>
+        </p:sp>
+      </p:grpSp>
+      <p:grpSp>
+        <p:nvGrpSpPr>
+          <p:cNvPr id="41" name="그룹 40">
+            <a:extLst>
+              <a:ext uri="{FF2B5EF4-FFF2-40B4-BE49-F238E27FC236}">
+                <a16:creationId xmlns:a16="http://schemas.microsoft.com/office/drawing/2014/main" id="{5DEEAC66-7E49-7016-BE64-1A3A1B2FD91E}"/>
+              </a:ext>
+            </a:extLst>
+          </p:cNvPr>
+          <p:cNvGrpSpPr/>
+          <p:nvPr/>
+        </p:nvGrpSpPr>
+        <p:grpSpPr>
+          <a:xfrm>
+            <a:off x="1059093" y="4695433"/>
+            <a:ext cx="4821825" cy="602399"/>
+            <a:chOff x="1059093" y="2302212"/>
+            <a:chExt cx="4821825" cy="602399"/>
+          </a:xfrm>
+        </p:grpSpPr>
+        <p:sp>
+          <p:nvSpPr>
+            <p:cNvPr id="42" name="직사각형 41">
+              <a:extLst>
+                <a:ext uri="{FF2B5EF4-FFF2-40B4-BE49-F238E27FC236}">
+                  <a16:creationId xmlns:a16="http://schemas.microsoft.com/office/drawing/2014/main" id="{5C5AF5C7-C679-91F7-0764-DD460ECA7E80}"/>
+                </a:ext>
+              </a:extLst>
+            </p:cNvPr>
+            <p:cNvSpPr/>
+            <p:nvPr/>
+          </p:nvSpPr>
+          <p:spPr>
+            <a:xfrm>
+              <a:off x="1059093" y="2302212"/>
+              <a:ext cx="4821825" cy="602399"/>
+            </a:xfrm>
+            <a:prstGeom prst="rect">
+              <a:avLst/>
+            </a:prstGeom>
+            <a:solidFill>
+              <a:schemeClr val="accent1">
+                <a:lumMod val="60000"/>
+                <a:lumOff val="40000"/>
+              </a:schemeClr>
+            </a:solidFill>
+          </p:spPr>
+          <p:style>
+            <a:lnRef idx="2">
+              <a:schemeClr val="accent1">
+                <a:shade val="50000"/>
+              </a:schemeClr>
+            </a:lnRef>
+            <a:fillRef idx="1">
+              <a:schemeClr val="accent1"/>
+            </a:fillRef>
+            <a:effectRef idx="0">
+              <a:schemeClr val="accent1"/>
+            </a:effectRef>
+            <a:fontRef idx="minor">
+              <a:schemeClr val="lt1"/>
+            </a:fontRef>
+          </p:style>
+          <p:txBody>
+            <a:bodyPr rtlCol="0" anchor="ctr"/>
+            <a:lstStyle/>
+            <a:p>
+              <a:r>
+                <a:rPr lang="ko-KR" altLang="en-US" sz="1100" dirty="0">
+                  <a:solidFill>
+                    <a:schemeClr val="tx1"/>
+                  </a:solidFill>
+                </a:rPr>
+                <a:t>닉네임</a:t>
+              </a:r>
+              <a:endParaRPr lang="en-US" altLang="ko-KR" sz="1100" dirty="0">
+                <a:solidFill>
+                  <a:schemeClr val="tx1"/>
+                </a:solidFill>
+              </a:endParaRPr>
+            </a:p>
+          </p:txBody>
+        </p:sp>
+        <p:sp>
+          <p:nvSpPr>
+            <p:cNvPr id="44" name="TextBox 43">
+              <a:extLst>
+                <a:ext uri="{FF2B5EF4-FFF2-40B4-BE49-F238E27FC236}">
+                  <a16:creationId xmlns:a16="http://schemas.microsoft.com/office/drawing/2014/main" id="{15EB40DD-0B61-D6F0-5760-974701B48862}"/>
+                </a:ext>
+              </a:extLst>
+            </p:cNvPr>
+            <p:cNvSpPr txBox="1"/>
+            <p:nvPr/>
+          </p:nvSpPr>
+          <p:spPr>
+            <a:xfrm>
+              <a:off x="4664576" y="2476386"/>
+              <a:ext cx="1149674" cy="261610"/>
+            </a:xfrm>
+            <a:prstGeom prst="rect">
+              <a:avLst/>
+            </a:prstGeom>
+            <a:noFill/>
+          </p:spPr>
+          <p:txBody>
+            <a:bodyPr wrap="none" rtlCol="0">
+              <a:spAutoFit/>
+            </a:bodyPr>
+            <a:lstStyle/>
+            <a:p>
+              <a:r>
+                <a:rPr lang="ko-KR" altLang="en-US" sz="1100" dirty="0"/>
+                <a:t>코인</a:t>
+              </a:r>
+              <a:r>
+                <a:rPr lang="en-US" altLang="ko-KR" sz="1100" dirty="0"/>
+                <a:t> : </a:t>
+              </a:r>
+              <a:r>
+                <a:rPr lang="ko-KR" altLang="en-US" sz="1100" dirty="0"/>
+                <a:t>킬 </a:t>
+              </a:r>
+              <a:r>
+                <a:rPr lang="en-US" altLang="ko-KR" sz="1100" dirty="0"/>
+                <a:t>: </a:t>
+              </a:r>
+              <a:r>
+                <a:rPr lang="ko-KR" altLang="en-US" sz="1100" dirty="0" err="1"/>
+                <a:t>데스</a:t>
+              </a:r>
+              <a:endParaRPr lang="ko-KR" altLang="en-US" sz="1100" dirty="0"/>
+            </a:p>
+          </p:txBody>
+        </p:sp>
+      </p:grpSp>
+      <p:grpSp>
+        <p:nvGrpSpPr>
+          <p:cNvPr id="45" name="그룹 44">
+            <a:extLst>
+              <a:ext uri="{FF2B5EF4-FFF2-40B4-BE49-F238E27FC236}">
+                <a16:creationId xmlns:a16="http://schemas.microsoft.com/office/drawing/2014/main" id="{02D8AE4D-4CD3-A20D-4461-0FAF0B55E071}"/>
+              </a:ext>
+            </a:extLst>
+          </p:cNvPr>
+          <p:cNvGrpSpPr/>
+          <p:nvPr/>
+        </p:nvGrpSpPr>
+        <p:grpSpPr>
+          <a:xfrm>
+            <a:off x="6219673" y="2638642"/>
+            <a:ext cx="4821825" cy="602399"/>
+            <a:chOff x="1059093" y="2302212"/>
+            <a:chExt cx="4821825" cy="602399"/>
+          </a:xfrm>
+        </p:grpSpPr>
+        <p:sp>
+          <p:nvSpPr>
+            <p:cNvPr id="46" name="직사각형 45">
+              <a:extLst>
+                <a:ext uri="{FF2B5EF4-FFF2-40B4-BE49-F238E27FC236}">
+                  <a16:creationId xmlns:a16="http://schemas.microsoft.com/office/drawing/2014/main" id="{9DC223D3-3682-F0C7-0E1D-5B8C2518C613}"/>
+                </a:ext>
+              </a:extLst>
+            </p:cNvPr>
+            <p:cNvSpPr/>
+            <p:nvPr/>
+          </p:nvSpPr>
+          <p:spPr>
+            <a:xfrm>
+              <a:off x="1059093" y="2302212"/>
+              <a:ext cx="4821825" cy="602399"/>
+            </a:xfrm>
+            <a:prstGeom prst="rect">
+              <a:avLst/>
+            </a:prstGeom>
+            <a:solidFill>
+              <a:schemeClr val="accent1">
+                <a:lumMod val="60000"/>
+                <a:lumOff val="40000"/>
+              </a:schemeClr>
+            </a:solidFill>
+          </p:spPr>
+          <p:style>
+            <a:lnRef idx="2">
+              <a:schemeClr val="accent1">
+                <a:shade val="50000"/>
+              </a:schemeClr>
+            </a:lnRef>
+            <a:fillRef idx="1">
+              <a:schemeClr val="accent1"/>
+            </a:fillRef>
+            <a:effectRef idx="0">
+              <a:schemeClr val="accent1"/>
+            </a:effectRef>
+            <a:fontRef idx="minor">
+              <a:schemeClr val="lt1"/>
+            </a:fontRef>
+          </p:style>
+          <p:txBody>
+            <a:bodyPr rtlCol="0" anchor="ctr"/>
+            <a:lstStyle/>
+            <a:p>
+              <a:r>
+                <a:rPr lang="ko-KR" altLang="en-US" sz="1100" dirty="0">
+                  <a:solidFill>
+                    <a:schemeClr val="tx1"/>
+                  </a:solidFill>
+                </a:rPr>
+                <a:t>코인 </a:t>
+              </a:r>
+              <a:r>
+                <a:rPr lang="en-US" altLang="ko-KR" sz="1100" dirty="0">
+                  <a:solidFill>
+                    <a:schemeClr val="tx1"/>
+                  </a:solidFill>
+                </a:rPr>
+                <a:t>: </a:t>
+              </a:r>
+              <a:r>
+                <a:rPr lang="ko-KR" altLang="en-US" sz="1100" dirty="0">
+                  <a:solidFill>
+                    <a:schemeClr val="tx1"/>
+                  </a:solidFill>
+                </a:rPr>
+                <a:t>킬 </a:t>
+              </a:r>
+              <a:r>
+                <a:rPr lang="en-US" altLang="ko-KR" sz="1100" dirty="0">
+                  <a:solidFill>
+                    <a:schemeClr val="tx1"/>
+                  </a:solidFill>
+                </a:rPr>
+                <a:t>: </a:t>
+              </a:r>
+              <a:r>
+                <a:rPr lang="ko-KR" altLang="en-US" sz="1100" dirty="0" err="1">
+                  <a:solidFill>
+                    <a:schemeClr val="tx1"/>
+                  </a:solidFill>
+                </a:rPr>
+                <a:t>데스</a:t>
+              </a:r>
+              <a:endParaRPr lang="en-US" altLang="ko-KR" sz="1100" dirty="0">
+                <a:solidFill>
+                  <a:schemeClr val="tx1"/>
+                </a:solidFill>
+              </a:endParaRPr>
+            </a:p>
+          </p:txBody>
+        </p:sp>
+        <p:sp>
+          <p:nvSpPr>
+            <p:cNvPr id="47" name="TextBox 46">
+              <a:extLst>
+                <a:ext uri="{FF2B5EF4-FFF2-40B4-BE49-F238E27FC236}">
+                  <a16:creationId xmlns:a16="http://schemas.microsoft.com/office/drawing/2014/main" id="{1C61165F-A24E-4CB0-203D-92AEDE5085A2}"/>
+                </a:ext>
+              </a:extLst>
+            </p:cNvPr>
+            <p:cNvSpPr txBox="1"/>
+            <p:nvPr/>
+          </p:nvSpPr>
+          <p:spPr>
+            <a:xfrm>
+              <a:off x="5273059" y="2476386"/>
+              <a:ext cx="607859" cy="261610"/>
+            </a:xfrm>
+            <a:prstGeom prst="rect">
+              <a:avLst/>
+            </a:prstGeom>
+            <a:noFill/>
+          </p:spPr>
+          <p:txBody>
+            <a:bodyPr wrap="none" rtlCol="0">
+              <a:spAutoFit/>
+            </a:bodyPr>
+            <a:lstStyle/>
+            <a:p>
+              <a:r>
+                <a:rPr lang="ko-KR" altLang="en-US" sz="1100"/>
+                <a:t>닉네임</a:t>
+              </a:r>
+              <a:endParaRPr lang="ko-KR" altLang="en-US" sz="1100" dirty="0"/>
+            </a:p>
+          </p:txBody>
+        </p:sp>
+      </p:grpSp>
+      <p:grpSp>
+        <p:nvGrpSpPr>
+          <p:cNvPr id="60" name="그룹 59">
+            <a:extLst>
+              <a:ext uri="{FF2B5EF4-FFF2-40B4-BE49-F238E27FC236}">
+                <a16:creationId xmlns:a16="http://schemas.microsoft.com/office/drawing/2014/main" id="{B6E8D55D-3681-3941-2B7C-094557034E0D}"/>
+              </a:ext>
+            </a:extLst>
+          </p:cNvPr>
+          <p:cNvGrpSpPr/>
+          <p:nvPr/>
+        </p:nvGrpSpPr>
+        <p:grpSpPr>
+          <a:xfrm>
+            <a:off x="6219673" y="3667037"/>
+            <a:ext cx="4821825" cy="602399"/>
+            <a:chOff x="1059093" y="2302212"/>
+            <a:chExt cx="4821825" cy="602399"/>
+          </a:xfrm>
+        </p:grpSpPr>
+        <p:sp>
+          <p:nvSpPr>
+            <p:cNvPr id="63" name="직사각형 62">
+              <a:extLst>
+                <a:ext uri="{FF2B5EF4-FFF2-40B4-BE49-F238E27FC236}">
+                  <a16:creationId xmlns:a16="http://schemas.microsoft.com/office/drawing/2014/main" id="{3E7D201D-4FC0-A627-BA6A-F3608A987972}"/>
+                </a:ext>
+              </a:extLst>
+            </p:cNvPr>
+            <p:cNvSpPr/>
+            <p:nvPr/>
+          </p:nvSpPr>
+          <p:spPr>
+            <a:xfrm>
+              <a:off x="1059093" y="2302212"/>
+              <a:ext cx="4821825" cy="602399"/>
+            </a:xfrm>
+            <a:prstGeom prst="rect">
+              <a:avLst/>
+            </a:prstGeom>
+            <a:solidFill>
+              <a:schemeClr val="accent1">
+                <a:lumMod val="60000"/>
+                <a:lumOff val="40000"/>
+              </a:schemeClr>
+            </a:solidFill>
+          </p:spPr>
+          <p:style>
+            <a:lnRef idx="2">
+              <a:schemeClr val="accent1">
+                <a:shade val="50000"/>
+              </a:schemeClr>
+            </a:lnRef>
+            <a:fillRef idx="1">
+              <a:schemeClr val="accent1"/>
+            </a:fillRef>
+            <a:effectRef idx="0">
+              <a:schemeClr val="accent1"/>
+            </a:effectRef>
+            <a:fontRef idx="minor">
+              <a:schemeClr val="lt1"/>
+            </a:fontRef>
+          </p:style>
+          <p:txBody>
+            <a:bodyPr rtlCol="0" anchor="ctr"/>
+            <a:lstStyle/>
+            <a:p>
+              <a:r>
+                <a:rPr lang="ko-KR" altLang="en-US" sz="1100" dirty="0">
+                  <a:solidFill>
+                    <a:schemeClr val="tx1"/>
+                  </a:solidFill>
+                </a:rPr>
+                <a:t>코인 </a:t>
+              </a:r>
+              <a:r>
+                <a:rPr lang="en-US" altLang="ko-KR" sz="1100" dirty="0">
+                  <a:solidFill>
+                    <a:schemeClr val="tx1"/>
+                  </a:solidFill>
+                </a:rPr>
+                <a:t>: </a:t>
+              </a:r>
+              <a:r>
+                <a:rPr lang="ko-KR" altLang="en-US" sz="1100" dirty="0">
+                  <a:solidFill>
+                    <a:schemeClr val="tx1"/>
+                  </a:solidFill>
+                </a:rPr>
+                <a:t>킬 </a:t>
+              </a:r>
+              <a:r>
+                <a:rPr lang="en-US" altLang="ko-KR" sz="1100" dirty="0">
+                  <a:solidFill>
+                    <a:schemeClr val="tx1"/>
+                  </a:solidFill>
+                </a:rPr>
+                <a:t>: </a:t>
+              </a:r>
+              <a:r>
+                <a:rPr lang="ko-KR" altLang="en-US" sz="1100" dirty="0" err="1">
+                  <a:solidFill>
+                    <a:schemeClr val="tx1"/>
+                  </a:solidFill>
+                </a:rPr>
+                <a:t>데스</a:t>
+              </a:r>
+              <a:endParaRPr lang="en-US" altLang="ko-KR" sz="1100" dirty="0">
+                <a:solidFill>
+                  <a:schemeClr val="tx1"/>
+                </a:solidFill>
+              </a:endParaRPr>
+            </a:p>
+          </p:txBody>
+        </p:sp>
+        <p:sp>
+          <p:nvSpPr>
+            <p:cNvPr id="64" name="TextBox 63">
+              <a:extLst>
+                <a:ext uri="{FF2B5EF4-FFF2-40B4-BE49-F238E27FC236}">
+                  <a16:creationId xmlns:a16="http://schemas.microsoft.com/office/drawing/2014/main" id="{7408861F-CFF9-9B0E-1E9A-7E5B50F0323E}"/>
+                </a:ext>
+              </a:extLst>
+            </p:cNvPr>
+            <p:cNvSpPr txBox="1"/>
+            <p:nvPr/>
+          </p:nvSpPr>
+          <p:spPr>
+            <a:xfrm>
+              <a:off x="5273059" y="2476386"/>
+              <a:ext cx="607859" cy="261610"/>
+            </a:xfrm>
+            <a:prstGeom prst="rect">
+              <a:avLst/>
+            </a:prstGeom>
+            <a:noFill/>
+          </p:spPr>
+          <p:txBody>
+            <a:bodyPr wrap="none" rtlCol="0">
+              <a:spAutoFit/>
+            </a:bodyPr>
+            <a:lstStyle/>
+            <a:p>
+              <a:r>
+                <a:rPr lang="ko-KR" altLang="en-US" sz="1100"/>
+                <a:t>닉네임</a:t>
+              </a:r>
+              <a:endParaRPr lang="ko-KR" altLang="en-US" sz="1100" dirty="0"/>
+            </a:p>
+          </p:txBody>
+        </p:sp>
+      </p:grpSp>
+      <p:grpSp>
+        <p:nvGrpSpPr>
+          <p:cNvPr id="65" name="그룹 64">
+            <a:extLst>
+              <a:ext uri="{FF2B5EF4-FFF2-40B4-BE49-F238E27FC236}">
+                <a16:creationId xmlns:a16="http://schemas.microsoft.com/office/drawing/2014/main" id="{B7AFB5D7-02A5-42AA-6BB5-459DAD682BFB}"/>
+              </a:ext>
+            </a:extLst>
+          </p:cNvPr>
+          <p:cNvGrpSpPr/>
+          <p:nvPr/>
+        </p:nvGrpSpPr>
+        <p:grpSpPr>
+          <a:xfrm>
+            <a:off x="6219673" y="4695433"/>
+            <a:ext cx="4821825" cy="602399"/>
+            <a:chOff x="1059093" y="2302212"/>
+            <a:chExt cx="4821825" cy="602399"/>
+          </a:xfrm>
+        </p:grpSpPr>
+        <p:sp>
+          <p:nvSpPr>
+            <p:cNvPr id="66" name="직사각형 65">
+              <a:extLst>
+                <a:ext uri="{FF2B5EF4-FFF2-40B4-BE49-F238E27FC236}">
+                  <a16:creationId xmlns:a16="http://schemas.microsoft.com/office/drawing/2014/main" id="{8ACA3D84-1656-622A-4930-C13B27639304}"/>
+                </a:ext>
+              </a:extLst>
+            </p:cNvPr>
+            <p:cNvSpPr/>
+            <p:nvPr/>
+          </p:nvSpPr>
+          <p:spPr>
+            <a:xfrm>
+              <a:off x="1059093" y="2302212"/>
+              <a:ext cx="4821825" cy="602399"/>
+            </a:xfrm>
+            <a:prstGeom prst="rect">
+              <a:avLst/>
+            </a:prstGeom>
+            <a:solidFill>
+              <a:schemeClr val="accent1">
+                <a:lumMod val="60000"/>
+                <a:lumOff val="40000"/>
+              </a:schemeClr>
+            </a:solidFill>
+          </p:spPr>
+          <p:style>
+            <a:lnRef idx="2">
+              <a:schemeClr val="accent1">
+                <a:shade val="50000"/>
+              </a:schemeClr>
+            </a:lnRef>
+            <a:fillRef idx="1">
+              <a:schemeClr val="accent1"/>
+            </a:fillRef>
+            <a:effectRef idx="0">
+              <a:schemeClr val="accent1"/>
+            </a:effectRef>
+            <a:fontRef idx="minor">
+              <a:schemeClr val="lt1"/>
+            </a:fontRef>
+          </p:style>
+          <p:txBody>
+            <a:bodyPr rtlCol="0" anchor="ctr"/>
+            <a:lstStyle/>
+            <a:p>
+              <a:r>
+                <a:rPr lang="ko-KR" altLang="en-US" sz="1100" dirty="0">
+                  <a:solidFill>
+                    <a:schemeClr val="tx1"/>
+                  </a:solidFill>
+                </a:rPr>
+                <a:t>코인 </a:t>
+              </a:r>
+              <a:r>
+                <a:rPr lang="en-US" altLang="ko-KR" sz="1100" dirty="0">
+                  <a:solidFill>
+                    <a:schemeClr val="tx1"/>
+                  </a:solidFill>
+                </a:rPr>
+                <a:t>: </a:t>
+              </a:r>
+              <a:r>
+                <a:rPr lang="ko-KR" altLang="en-US" sz="1100" dirty="0">
+                  <a:solidFill>
+                    <a:schemeClr val="tx1"/>
+                  </a:solidFill>
+                </a:rPr>
+                <a:t>킬 </a:t>
+              </a:r>
+              <a:r>
+                <a:rPr lang="en-US" altLang="ko-KR" sz="1100" dirty="0">
+                  <a:solidFill>
+                    <a:schemeClr val="tx1"/>
+                  </a:solidFill>
+                </a:rPr>
+                <a:t>: </a:t>
+              </a:r>
+              <a:r>
+                <a:rPr lang="ko-KR" altLang="en-US" sz="1100" dirty="0" err="1">
+                  <a:solidFill>
+                    <a:schemeClr val="tx1"/>
+                  </a:solidFill>
+                </a:rPr>
+                <a:t>데스</a:t>
+              </a:r>
+              <a:endParaRPr lang="en-US" altLang="ko-KR" sz="1100" dirty="0">
+                <a:solidFill>
+                  <a:schemeClr val="tx1"/>
+                </a:solidFill>
+              </a:endParaRPr>
+            </a:p>
+          </p:txBody>
+        </p:sp>
+        <p:sp>
+          <p:nvSpPr>
+            <p:cNvPr id="67" name="TextBox 66">
+              <a:extLst>
+                <a:ext uri="{FF2B5EF4-FFF2-40B4-BE49-F238E27FC236}">
+                  <a16:creationId xmlns:a16="http://schemas.microsoft.com/office/drawing/2014/main" id="{46D582A4-EBA7-58EB-CC39-249801870176}"/>
+                </a:ext>
+              </a:extLst>
+            </p:cNvPr>
+            <p:cNvSpPr txBox="1"/>
+            <p:nvPr/>
+          </p:nvSpPr>
+          <p:spPr>
+            <a:xfrm>
+              <a:off x="5273059" y="2476386"/>
+              <a:ext cx="607859" cy="261610"/>
+            </a:xfrm>
+            <a:prstGeom prst="rect">
+              <a:avLst/>
+            </a:prstGeom>
+            <a:noFill/>
+          </p:spPr>
+          <p:txBody>
+            <a:bodyPr wrap="none" rtlCol="0">
+              <a:spAutoFit/>
+            </a:bodyPr>
+            <a:lstStyle/>
+            <a:p>
+              <a:r>
+                <a:rPr lang="ko-KR" altLang="en-US" sz="1100"/>
+                <a:t>닉네임</a:t>
+              </a:r>
+              <a:endParaRPr lang="ko-KR" altLang="en-US" sz="1100" dirty="0"/>
+            </a:p>
+          </p:txBody>
+        </p:sp>
+      </p:grpSp>
+      <p:sp>
+        <p:nvSpPr>
+          <p:cNvPr id="68" name="직사각형 67">
+            <a:extLst>
+              <a:ext uri="{FF2B5EF4-FFF2-40B4-BE49-F238E27FC236}">
+                <a16:creationId xmlns:a16="http://schemas.microsoft.com/office/drawing/2014/main" id="{564ECDA6-DC87-8F4A-E324-3821DF1E6513}"/>
+              </a:ext>
+            </a:extLst>
+          </p:cNvPr>
+          <p:cNvSpPr>
+            <a:spLocks noChangeAspect="1"/>
+          </p:cNvSpPr>
+          <p:nvPr/>
+        </p:nvSpPr>
+        <p:spPr>
+          <a:xfrm>
+            <a:off x="4298509" y="2262952"/>
+            <a:ext cx="854015" cy="336865"/>
+          </a:xfrm>
+          <a:prstGeom prst="rect">
+            <a:avLst/>
+          </a:prstGeom>
+          <a:solidFill>
+            <a:schemeClr val="bg1">
+              <a:lumMod val="95000"/>
+            </a:schemeClr>
+          </a:solidFill>
+        </p:spPr>
+        <p:style>
+          <a:lnRef idx="2">
+            <a:schemeClr val="accent1">
+              <a:shade val="50000"/>
+            </a:schemeClr>
+          </a:lnRef>
+          <a:fillRef idx="1">
+            <a:schemeClr val="accent1"/>
+          </a:fillRef>
+          <a:effectRef idx="0">
+            <a:schemeClr val="accent1"/>
+          </a:effectRef>
+          <a:fontRef idx="minor">
+            <a:schemeClr val="lt1"/>
+          </a:fontRef>
+        </p:style>
+        <p:txBody>
+          <a:bodyPr rtlCol="0" anchor="ctr"/>
+          <a:lstStyle/>
+          <a:p>
+            <a:pPr algn="ctr"/>
+            <a:r>
+              <a:rPr lang="ko-KR" altLang="en-US" sz="1200" dirty="0">
+                <a:solidFill>
+                  <a:schemeClr val="tx1"/>
+                </a:solidFill>
+              </a:rPr>
+              <a:t>승리여부</a:t>
+            </a:r>
+          </a:p>
+        </p:txBody>
+      </p:sp>
+      <p:sp>
+        <p:nvSpPr>
+          <p:cNvPr id="69" name="직사각형 68">
+            <a:extLst>
+              <a:ext uri="{FF2B5EF4-FFF2-40B4-BE49-F238E27FC236}">
+                <a16:creationId xmlns:a16="http://schemas.microsoft.com/office/drawing/2014/main" id="{D425D7A6-10CD-2C48-A17C-FBE27BD4AFC2}"/>
+              </a:ext>
+            </a:extLst>
+          </p:cNvPr>
+          <p:cNvSpPr>
+            <a:spLocks noChangeAspect="1"/>
+          </p:cNvSpPr>
+          <p:nvPr/>
+        </p:nvSpPr>
+        <p:spPr>
+          <a:xfrm>
+            <a:off x="7039478" y="2262952"/>
+            <a:ext cx="854015" cy="336865"/>
+          </a:xfrm>
+          <a:prstGeom prst="rect">
+            <a:avLst/>
+          </a:prstGeom>
+          <a:solidFill>
+            <a:schemeClr val="bg1">
+              <a:lumMod val="95000"/>
+            </a:schemeClr>
+          </a:solidFill>
+        </p:spPr>
+        <p:style>
+          <a:lnRef idx="2">
+            <a:schemeClr val="accent1">
+              <a:shade val="50000"/>
+            </a:schemeClr>
+          </a:lnRef>
+          <a:fillRef idx="1">
+            <a:schemeClr val="accent1"/>
+          </a:fillRef>
+          <a:effectRef idx="0">
+            <a:schemeClr val="accent1"/>
+          </a:effectRef>
+          <a:fontRef idx="minor">
+            <a:schemeClr val="lt1"/>
+          </a:fontRef>
+        </p:style>
+        <p:txBody>
+          <a:bodyPr rtlCol="0" anchor="ctr"/>
+          <a:lstStyle/>
+          <a:p>
+            <a:pPr algn="ctr"/>
+            <a:r>
+              <a:rPr lang="ko-KR" altLang="en-US" sz="1200" dirty="0">
+                <a:solidFill>
+                  <a:schemeClr val="tx1"/>
+                </a:solidFill>
+              </a:rPr>
+              <a:t>승리여부</a:t>
+            </a:r>
+          </a:p>
+        </p:txBody>
+      </p:sp>
+      <p:sp>
+        <p:nvSpPr>
+          <p:cNvPr id="70" name="직사각형 69">
+            <a:extLst>
+              <a:ext uri="{FF2B5EF4-FFF2-40B4-BE49-F238E27FC236}">
+                <a16:creationId xmlns:a16="http://schemas.microsoft.com/office/drawing/2014/main" id="{1A8D8649-DF9B-696A-15C1-471BE1EF7CB0}"/>
+              </a:ext>
+            </a:extLst>
+          </p:cNvPr>
+          <p:cNvSpPr/>
+          <p:nvPr/>
+        </p:nvSpPr>
+        <p:spPr>
+          <a:xfrm>
+            <a:off x="1059093" y="2358949"/>
+            <a:ext cx="334498" cy="334498"/>
+          </a:xfrm>
+          <a:prstGeom prst="rect">
+            <a:avLst/>
+          </a:prstGeom>
+          <a:solidFill>
+            <a:srgbClr val="FFFF00"/>
+          </a:solidFill>
+        </p:spPr>
+        <p:style>
+          <a:lnRef idx="2">
+            <a:schemeClr val="accent1">
+              <a:shade val="50000"/>
+            </a:schemeClr>
+          </a:lnRef>
+          <a:fillRef idx="1">
+            <a:schemeClr val="accent1"/>
+          </a:fillRef>
+          <a:effectRef idx="0">
+            <a:schemeClr val="accent1"/>
+          </a:effectRef>
+          <a:fontRef idx="minor">
+            <a:schemeClr val="lt1"/>
+          </a:fontRef>
+        </p:style>
+        <p:txBody>
+          <a:bodyPr rtlCol="0" anchor="ctr"/>
+          <a:lstStyle/>
+          <a:p>
+            <a:pPr algn="ctr"/>
+            <a:endParaRPr lang="ko-KR" altLang="en-US" dirty="0">
+              <a:solidFill>
+                <a:schemeClr val="tx1"/>
+              </a:solidFill>
+            </a:endParaRPr>
+          </a:p>
+        </p:txBody>
+      </p:sp>
+      <p:sp>
+        <p:nvSpPr>
+          <p:cNvPr id="71" name="직사각형 70">
+            <a:extLst>
+              <a:ext uri="{FF2B5EF4-FFF2-40B4-BE49-F238E27FC236}">
+                <a16:creationId xmlns:a16="http://schemas.microsoft.com/office/drawing/2014/main" id="{98D6DEEA-7AD7-0B0E-F4C2-D05BD35F17E7}"/>
+              </a:ext>
+            </a:extLst>
+          </p:cNvPr>
+          <p:cNvSpPr/>
+          <p:nvPr/>
+        </p:nvSpPr>
+        <p:spPr>
+          <a:xfrm>
+            <a:off x="10707000" y="2423484"/>
+            <a:ext cx="334498" cy="334498"/>
+          </a:xfrm>
+          <a:prstGeom prst="rect">
+            <a:avLst/>
+          </a:prstGeom>
+          <a:solidFill>
+            <a:srgbClr val="FFFF00"/>
+          </a:solidFill>
+        </p:spPr>
+        <p:style>
+          <a:lnRef idx="2">
+            <a:schemeClr val="accent1">
+              <a:shade val="50000"/>
+            </a:schemeClr>
+          </a:lnRef>
+          <a:fillRef idx="1">
+            <a:schemeClr val="accent1"/>
+          </a:fillRef>
+          <a:effectRef idx="0">
+            <a:schemeClr val="accent1"/>
+          </a:effectRef>
+          <a:fontRef idx="minor">
+            <a:schemeClr val="lt1"/>
+          </a:fontRef>
+        </p:style>
+        <p:txBody>
+          <a:bodyPr rtlCol="0" anchor="ctr"/>
+          <a:lstStyle/>
+          <a:p>
+            <a:pPr algn="ctr"/>
+            <a:endParaRPr lang="ko-KR" altLang="en-US" dirty="0">
+              <a:solidFill>
+                <a:schemeClr val="tx1"/>
+              </a:solidFill>
+            </a:endParaRPr>
+          </a:p>
+        </p:txBody>
+      </p:sp>
+    </p:spTree>
+    <p:extLst>
+      <p:ext uri="{BB962C8B-B14F-4D97-AF65-F5344CB8AC3E}">
+        <p14:creationId xmlns:p14="http://schemas.microsoft.com/office/powerpoint/2010/main" val="281227062"/>
+      </p:ext>
+    </p:extLst>
+  </p:cSld>
+  <p:clrMapOvr>
+    <a:masterClrMapping/>
+  </p:clrMapOvr>
+</p:sld>
+</file>
+
+<file path=ppt/slides/slide13.xml><?xml version="1.0" encoding="utf-8"?>
+<p:sld xmlns:a="http://schemas.openxmlformats.org/drawingml/2006/main" xmlns:r="http://schemas.openxmlformats.org/officeDocument/2006/relationships" xmlns:p="http://schemas.openxmlformats.org/presentationml/2006/main">
+  <p:cSld>
+    <p:spTree>
+      <p:nvGrpSpPr>
+        <p:cNvPr id="1" name=""/>
+        <p:cNvGrpSpPr/>
+        <p:nvPr/>
+      </p:nvGrpSpPr>
+      <p:grpSpPr>
+        <a:xfrm>
+          <a:off x="0" y="0"/>
+          <a:ext cx="0" cy="0"/>
+          <a:chOff x="0" y="0"/>
+          <a:chExt cx="0" cy="0"/>
+        </a:xfrm>
+      </p:grpSpPr>
+      <p:sp>
+        <p:nvSpPr>
+          <p:cNvPr id="4" name="직사각형 3">
+            <a:extLst>
+              <a:ext uri="{FF2B5EF4-FFF2-40B4-BE49-F238E27FC236}">
+                <a16:creationId xmlns:a16="http://schemas.microsoft.com/office/drawing/2014/main" id="{DFD45B95-007B-4E43-AAC9-76E0E866E14B}"/>
+              </a:ext>
+            </a:extLst>
+          </p:cNvPr>
+          <p:cNvSpPr/>
+          <p:nvPr/>
+        </p:nvSpPr>
+        <p:spPr>
+          <a:xfrm>
+            <a:off x="767511" y="792424"/>
+            <a:ext cx="10656977" cy="5936832"/>
+          </a:xfrm>
+          <a:prstGeom prst="rect">
+            <a:avLst/>
+          </a:prstGeom>
+          <a:solidFill>
+            <a:schemeClr val="bg1"/>
+          </a:solidFill>
+          <a:ln w="38100"/>
+        </p:spPr>
+        <p:style>
+          <a:lnRef idx="2">
+            <a:schemeClr val="accent1">
+              <a:shade val="50000"/>
+            </a:schemeClr>
+          </a:lnRef>
+          <a:fillRef idx="1">
+            <a:schemeClr val="accent1"/>
+          </a:fillRef>
+          <a:effectRef idx="0">
+            <a:schemeClr val="accent1"/>
+          </a:effectRef>
+          <a:fontRef idx="minor">
+            <a:schemeClr val="lt1"/>
+          </a:fontRef>
+        </p:style>
+        <p:txBody>
+          <a:bodyPr rtlCol="0" anchor="ctr"/>
+          <a:lstStyle/>
+          <a:p>
+            <a:pPr algn="ctr"/>
+            <a:endParaRPr lang="ko-KR" altLang="en-US" dirty="0"/>
+          </a:p>
+        </p:txBody>
+      </p:sp>
+      <p:cxnSp>
+        <p:nvCxnSpPr>
+          <p:cNvPr id="17" name="직선 연결선 16">
+            <a:extLst>
+              <a:ext uri="{FF2B5EF4-FFF2-40B4-BE49-F238E27FC236}">
+                <a16:creationId xmlns:a16="http://schemas.microsoft.com/office/drawing/2014/main" id="{37BCD4B5-5C43-4F08-94D5-44CB7F8AA52D}"/>
+              </a:ext>
+            </a:extLst>
+          </p:cNvPr>
+          <p:cNvCxnSpPr/>
+          <p:nvPr/>
+        </p:nvCxnSpPr>
+        <p:spPr>
+          <a:xfrm>
+            <a:off x="0" y="539230"/>
+            <a:ext cx="12192000" cy="0"/>
+          </a:xfrm>
+          <a:prstGeom prst="line">
+            <a:avLst/>
+          </a:prstGeom>
+        </p:spPr>
+        <p:style>
+          <a:lnRef idx="1">
+            <a:schemeClr val="accent1"/>
+          </a:lnRef>
+          <a:fillRef idx="0">
+            <a:schemeClr val="accent1"/>
+          </a:fillRef>
+          <a:effectRef idx="0">
+            <a:schemeClr val="accent1"/>
+          </a:effectRef>
+          <a:fontRef idx="minor">
+            <a:schemeClr val="tx1"/>
+          </a:fontRef>
+        </p:style>
+      </p:cxnSp>
+      <p:sp>
+        <p:nvSpPr>
+          <p:cNvPr id="18" name="TextBox 17">
+            <a:extLst>
+              <a:ext uri="{FF2B5EF4-FFF2-40B4-BE49-F238E27FC236}">
+                <a16:creationId xmlns:a16="http://schemas.microsoft.com/office/drawing/2014/main" id="{E86E68C2-3A3F-4345-9A09-A8BC6F2A92AF}"/>
+              </a:ext>
+            </a:extLst>
+          </p:cNvPr>
+          <p:cNvSpPr txBox="1"/>
+          <p:nvPr/>
+        </p:nvSpPr>
+        <p:spPr>
+          <a:xfrm>
+            <a:off x="448887" y="204999"/>
+            <a:ext cx="1367682" cy="369332"/>
+          </a:xfrm>
+          <a:prstGeom prst="rect">
+            <a:avLst/>
+          </a:prstGeom>
+          <a:noFill/>
+        </p:spPr>
+        <p:txBody>
+          <a:bodyPr wrap="none" rtlCol="0">
+            <a:spAutoFit/>
+          </a:bodyPr>
+          <a:lstStyle/>
+          <a:p>
+            <a:r>
+              <a:rPr lang="ko-KR" altLang="en-US" dirty="0" err="1"/>
+              <a:t>결과창</a:t>
+            </a:r>
+            <a:r>
+              <a:rPr lang="en-US" altLang="ko-KR" dirty="0"/>
+              <a:t>UI#1</a:t>
+            </a:r>
+            <a:endParaRPr lang="ko-KR" altLang="en-US" dirty="0"/>
+          </a:p>
+        </p:txBody>
+      </p:sp>
+      <p:sp>
+        <p:nvSpPr>
+          <p:cNvPr id="16" name="직사각형 15">
+            <a:extLst>
+              <a:ext uri="{FF2B5EF4-FFF2-40B4-BE49-F238E27FC236}">
+                <a16:creationId xmlns:a16="http://schemas.microsoft.com/office/drawing/2014/main" id="{94B0F3A8-1FF0-3923-DC18-47A803BA7B7D}"/>
+              </a:ext>
+            </a:extLst>
+          </p:cNvPr>
+          <p:cNvSpPr/>
+          <p:nvPr/>
+        </p:nvSpPr>
+        <p:spPr>
+          <a:xfrm>
+            <a:off x="937404" y="1017313"/>
+            <a:ext cx="10311441" cy="5635688"/>
+          </a:xfrm>
+          <a:prstGeom prst="rect">
+            <a:avLst/>
+          </a:prstGeom>
+        </p:spPr>
+        <p:style>
+          <a:lnRef idx="2">
+            <a:schemeClr val="accent1">
+              <a:shade val="50000"/>
+            </a:schemeClr>
+          </a:lnRef>
+          <a:fillRef idx="1">
+            <a:schemeClr val="accent1"/>
+          </a:fillRef>
+          <a:effectRef idx="0">
+            <a:schemeClr val="accent1"/>
+          </a:effectRef>
+          <a:fontRef idx="minor">
+            <a:schemeClr val="lt1"/>
+          </a:fontRef>
+        </p:style>
+        <p:txBody>
+          <a:bodyPr rtlCol="0" anchor="ctr"/>
+          <a:lstStyle/>
+          <a:p>
+            <a:pPr algn="ctr"/>
+            <a:endParaRPr lang="ko-KR" altLang="en-US" dirty="0"/>
+          </a:p>
+        </p:txBody>
+      </p:sp>
+      <p:sp>
+        <p:nvSpPr>
+          <p:cNvPr id="15" name="직사각형 14">
+            <a:extLst>
+              <a:ext uri="{FF2B5EF4-FFF2-40B4-BE49-F238E27FC236}">
+                <a16:creationId xmlns:a16="http://schemas.microsoft.com/office/drawing/2014/main" id="{7B2F5041-62ED-A0D1-B3DB-538A6D831DA3}"/>
+              </a:ext>
+            </a:extLst>
+          </p:cNvPr>
+          <p:cNvSpPr>
+            <a:spLocks noChangeAspect="1"/>
+          </p:cNvSpPr>
+          <p:nvPr/>
+        </p:nvSpPr>
+        <p:spPr>
+          <a:xfrm>
+            <a:off x="4725517" y="873462"/>
+            <a:ext cx="2735213" cy="446380"/>
+          </a:xfrm>
+          <a:prstGeom prst="rect">
+            <a:avLst/>
+          </a:prstGeom>
+          <a:solidFill>
+            <a:schemeClr val="bg1">
+              <a:lumMod val="95000"/>
+            </a:schemeClr>
+          </a:solidFill>
+        </p:spPr>
+        <p:style>
+          <a:lnRef idx="2">
+            <a:schemeClr val="accent1">
+              <a:shade val="50000"/>
+            </a:schemeClr>
+          </a:lnRef>
+          <a:fillRef idx="1">
+            <a:schemeClr val="accent1"/>
+          </a:fillRef>
+          <a:effectRef idx="0">
+            <a:schemeClr val="accent1"/>
+          </a:effectRef>
+          <a:fontRef idx="minor">
+            <a:schemeClr val="lt1"/>
+          </a:fontRef>
+        </p:style>
+        <p:txBody>
+          <a:bodyPr rtlCol="0" anchor="ctr"/>
+          <a:lstStyle/>
+          <a:p>
+            <a:pPr algn="ctr"/>
+            <a:r>
+              <a:rPr lang="ko-KR" altLang="en-US" sz="1500" dirty="0" err="1">
+                <a:solidFill>
+                  <a:schemeClr val="tx1"/>
+                </a:solidFill>
+              </a:rPr>
+              <a:t>결과창</a:t>
+            </a:r>
+            <a:endParaRPr lang="ko-KR" altLang="en-US" sz="1500" dirty="0">
+              <a:solidFill>
+                <a:schemeClr val="tx1"/>
+              </a:solidFill>
+            </a:endParaRPr>
+          </a:p>
+        </p:txBody>
+      </p:sp>
+      <p:sp>
+        <p:nvSpPr>
+          <p:cNvPr id="23" name="직사각형 22">
+            <a:extLst>
+              <a:ext uri="{FF2B5EF4-FFF2-40B4-BE49-F238E27FC236}">
+                <a16:creationId xmlns:a16="http://schemas.microsoft.com/office/drawing/2014/main" id="{E9C04FF7-3817-F1AE-0AB0-99906CF7FABC}"/>
+              </a:ext>
+            </a:extLst>
+          </p:cNvPr>
+          <p:cNvSpPr/>
+          <p:nvPr/>
+        </p:nvSpPr>
+        <p:spPr>
+          <a:xfrm>
+            <a:off x="9559831" y="6099942"/>
+            <a:ext cx="1616984" cy="501303"/>
+          </a:xfrm>
+          <a:prstGeom prst="rect">
+            <a:avLst/>
+          </a:prstGeom>
+          <a:solidFill>
+            <a:srgbClr val="00B050"/>
+          </a:solidFill>
+        </p:spPr>
+        <p:style>
+          <a:lnRef idx="2">
+            <a:schemeClr val="accent1">
+              <a:shade val="50000"/>
+            </a:schemeClr>
+          </a:lnRef>
+          <a:fillRef idx="1">
+            <a:schemeClr val="accent1"/>
+          </a:fillRef>
+          <a:effectRef idx="0">
+            <a:schemeClr val="accent1"/>
+          </a:effectRef>
+          <a:fontRef idx="minor">
+            <a:schemeClr val="lt1"/>
+          </a:fontRef>
+        </p:style>
+        <p:txBody>
+          <a:bodyPr rtlCol="0" anchor="ctr"/>
+          <a:lstStyle/>
+          <a:p>
+            <a:pPr algn="ctr"/>
+            <a:r>
+              <a:rPr lang="ko-KR" altLang="en-US" sz="1400" dirty="0"/>
+              <a:t>방으로 돌아가기</a:t>
+            </a:r>
+          </a:p>
+        </p:txBody>
+      </p:sp>
+      <p:sp>
+        <p:nvSpPr>
+          <p:cNvPr id="24" name="직사각형 23">
+            <a:extLst>
+              <a:ext uri="{FF2B5EF4-FFF2-40B4-BE49-F238E27FC236}">
+                <a16:creationId xmlns:a16="http://schemas.microsoft.com/office/drawing/2014/main" id="{1E042288-E55D-D950-B118-48228CA1C961}"/>
+              </a:ext>
+            </a:extLst>
+          </p:cNvPr>
+          <p:cNvSpPr/>
+          <p:nvPr/>
+        </p:nvSpPr>
+        <p:spPr>
+          <a:xfrm>
+            <a:off x="7787944" y="6099942"/>
+            <a:ext cx="1616984" cy="501303"/>
+          </a:xfrm>
+          <a:prstGeom prst="rect">
+            <a:avLst/>
+          </a:prstGeom>
+          <a:solidFill>
+            <a:srgbClr val="00B050"/>
+          </a:solidFill>
+        </p:spPr>
+        <p:style>
+          <a:lnRef idx="2">
+            <a:schemeClr val="accent1">
+              <a:shade val="50000"/>
+            </a:schemeClr>
+          </a:lnRef>
+          <a:fillRef idx="1">
+            <a:schemeClr val="accent1"/>
+          </a:fillRef>
+          <a:effectRef idx="0">
+            <a:schemeClr val="accent1"/>
+          </a:effectRef>
+          <a:fontRef idx="minor">
+            <a:schemeClr val="lt1"/>
+          </a:fontRef>
+        </p:style>
+        <p:txBody>
+          <a:bodyPr rtlCol="0" anchor="ctr"/>
+          <a:lstStyle/>
+          <a:p>
+            <a:pPr algn="ctr"/>
+            <a:r>
+              <a:rPr lang="ko-KR" altLang="en-US" sz="1400" dirty="0"/>
+              <a:t>로비로 돌아가기</a:t>
+            </a:r>
+          </a:p>
+        </p:txBody>
+      </p:sp>
+      <p:sp>
+        <p:nvSpPr>
+          <p:cNvPr id="32" name="직사각형 31">
+            <a:extLst>
+              <a:ext uri="{FF2B5EF4-FFF2-40B4-BE49-F238E27FC236}">
+                <a16:creationId xmlns:a16="http://schemas.microsoft.com/office/drawing/2014/main" id="{D5BF79D3-B2EA-11DE-5C11-C624A5960E8A}"/>
+              </a:ext>
+            </a:extLst>
+          </p:cNvPr>
+          <p:cNvSpPr>
+            <a:spLocks noChangeAspect="1"/>
+          </p:cNvSpPr>
+          <p:nvPr/>
+        </p:nvSpPr>
+        <p:spPr>
+          <a:xfrm>
+            <a:off x="4298509" y="1331778"/>
+            <a:ext cx="854015" cy="854015"/>
+          </a:xfrm>
+          <a:prstGeom prst="rect">
+            <a:avLst/>
+          </a:prstGeom>
+          <a:solidFill>
+            <a:schemeClr val="bg1">
+              <a:lumMod val="95000"/>
+            </a:schemeClr>
+          </a:solidFill>
+        </p:spPr>
+        <p:style>
+          <a:lnRef idx="2">
+            <a:schemeClr val="accent1">
+              <a:shade val="50000"/>
+            </a:schemeClr>
+          </a:lnRef>
+          <a:fillRef idx="1">
+            <a:schemeClr val="accent1"/>
+          </a:fillRef>
+          <a:effectRef idx="0">
+            <a:schemeClr val="accent1"/>
+          </a:effectRef>
+          <a:fontRef idx="minor">
+            <a:schemeClr val="lt1"/>
+          </a:fontRef>
+        </p:style>
+        <p:txBody>
+          <a:bodyPr rtlCol="0" anchor="ctr"/>
+          <a:lstStyle/>
+          <a:p>
+            <a:pPr algn="ctr"/>
+            <a:r>
+              <a:rPr lang="ko-KR" altLang="en-US" sz="1500" dirty="0">
+                <a:solidFill>
+                  <a:schemeClr val="tx1"/>
+                </a:solidFill>
+              </a:rPr>
+              <a:t>점수</a:t>
+            </a:r>
+          </a:p>
+        </p:txBody>
+      </p:sp>
+      <p:sp>
+        <p:nvSpPr>
+          <p:cNvPr id="33" name="직사각형 32">
+            <a:extLst>
+              <a:ext uri="{FF2B5EF4-FFF2-40B4-BE49-F238E27FC236}">
+                <a16:creationId xmlns:a16="http://schemas.microsoft.com/office/drawing/2014/main" id="{55978E92-6E0B-C342-5DC3-7BCCD6236381}"/>
+              </a:ext>
+            </a:extLst>
+          </p:cNvPr>
+          <p:cNvSpPr>
+            <a:spLocks noChangeAspect="1"/>
+          </p:cNvSpPr>
+          <p:nvPr/>
+        </p:nvSpPr>
+        <p:spPr>
+          <a:xfrm>
+            <a:off x="7039478" y="1331778"/>
+            <a:ext cx="854015" cy="854015"/>
+          </a:xfrm>
+          <a:prstGeom prst="rect">
+            <a:avLst/>
+          </a:prstGeom>
+          <a:solidFill>
+            <a:schemeClr val="bg1">
+              <a:lumMod val="95000"/>
+            </a:schemeClr>
+          </a:solidFill>
+        </p:spPr>
+        <p:style>
+          <a:lnRef idx="2">
+            <a:schemeClr val="accent1">
+              <a:shade val="50000"/>
+            </a:schemeClr>
+          </a:lnRef>
+          <a:fillRef idx="1">
+            <a:schemeClr val="accent1"/>
+          </a:fillRef>
+          <a:effectRef idx="0">
+            <a:schemeClr val="accent1"/>
+          </a:effectRef>
+          <a:fontRef idx="minor">
+            <a:schemeClr val="lt1"/>
+          </a:fontRef>
+        </p:style>
+        <p:txBody>
+          <a:bodyPr rtlCol="0" anchor="ctr"/>
+          <a:lstStyle/>
+          <a:p>
+            <a:pPr algn="ctr"/>
+            <a:r>
+              <a:rPr lang="ko-KR" altLang="en-US" sz="1500" dirty="0">
+                <a:solidFill>
+                  <a:schemeClr val="tx1"/>
+                </a:solidFill>
+              </a:rPr>
+              <a:t>점수</a:t>
+            </a:r>
+          </a:p>
+        </p:txBody>
+      </p:sp>
+      <p:grpSp>
+        <p:nvGrpSpPr>
+          <p:cNvPr id="9" name="그룹 8">
+            <a:extLst>
+              <a:ext uri="{FF2B5EF4-FFF2-40B4-BE49-F238E27FC236}">
+                <a16:creationId xmlns:a16="http://schemas.microsoft.com/office/drawing/2014/main" id="{A9312878-BA35-2AD6-CDCD-0731541DB16F}"/>
+              </a:ext>
+            </a:extLst>
+          </p:cNvPr>
+          <p:cNvGrpSpPr/>
+          <p:nvPr/>
+        </p:nvGrpSpPr>
+        <p:grpSpPr>
+          <a:xfrm>
+            <a:off x="1059093" y="2638642"/>
+            <a:ext cx="4821825" cy="602399"/>
+            <a:chOff x="1059093" y="2302212"/>
+            <a:chExt cx="4821825" cy="602399"/>
+          </a:xfrm>
+        </p:grpSpPr>
+        <p:sp>
+          <p:nvSpPr>
+            <p:cNvPr id="34" name="직사각형 33">
+              <a:extLst>
+                <a:ext uri="{FF2B5EF4-FFF2-40B4-BE49-F238E27FC236}">
+                  <a16:creationId xmlns:a16="http://schemas.microsoft.com/office/drawing/2014/main" id="{B59DA576-9F5F-2378-8E62-B24EE2CF31C8}"/>
+                </a:ext>
+              </a:extLst>
+            </p:cNvPr>
+            <p:cNvSpPr/>
+            <p:nvPr/>
+          </p:nvSpPr>
+          <p:spPr>
+            <a:xfrm>
+              <a:off x="1059093" y="2302212"/>
+              <a:ext cx="4821825" cy="602399"/>
+            </a:xfrm>
+            <a:prstGeom prst="rect">
+              <a:avLst/>
+            </a:prstGeom>
+            <a:solidFill>
+              <a:schemeClr val="accent1">
+                <a:lumMod val="60000"/>
+                <a:lumOff val="40000"/>
+              </a:schemeClr>
+            </a:solidFill>
+          </p:spPr>
+          <p:style>
+            <a:lnRef idx="2">
+              <a:schemeClr val="accent1">
+                <a:shade val="50000"/>
+              </a:schemeClr>
+            </a:lnRef>
+            <a:fillRef idx="1">
+              <a:schemeClr val="accent1"/>
+            </a:fillRef>
+            <a:effectRef idx="0">
+              <a:schemeClr val="accent1"/>
+            </a:effectRef>
+            <a:fontRef idx="minor">
+              <a:schemeClr val="lt1"/>
+            </a:fontRef>
+          </p:style>
+          <p:txBody>
+            <a:bodyPr rtlCol="0" anchor="ctr"/>
+            <a:lstStyle/>
+            <a:p>
+              <a:r>
+                <a:rPr lang="ko-KR" altLang="en-US" sz="1100" dirty="0">
+                  <a:solidFill>
+                    <a:schemeClr val="tx1"/>
+                  </a:solidFill>
+                </a:rPr>
+                <a:t>닉네임</a:t>
+              </a:r>
+              <a:endParaRPr lang="en-US" altLang="ko-KR" sz="1100" dirty="0">
+                <a:solidFill>
+                  <a:schemeClr val="tx1"/>
+                </a:solidFill>
+              </a:endParaRPr>
+            </a:p>
+          </p:txBody>
+        </p:sp>
+        <p:sp>
+          <p:nvSpPr>
+            <p:cNvPr id="8" name="TextBox 7">
+              <a:extLst>
+                <a:ext uri="{FF2B5EF4-FFF2-40B4-BE49-F238E27FC236}">
+                  <a16:creationId xmlns:a16="http://schemas.microsoft.com/office/drawing/2014/main" id="{85F79427-1866-3A91-D22C-2AA689165413}"/>
+                </a:ext>
+              </a:extLst>
+            </p:cNvPr>
+            <p:cNvSpPr txBox="1"/>
+            <p:nvPr/>
+          </p:nvSpPr>
+          <p:spPr>
+            <a:xfrm>
+              <a:off x="4664576" y="2476386"/>
+              <a:ext cx="1149674" cy="261610"/>
+            </a:xfrm>
+            <a:prstGeom prst="rect">
+              <a:avLst/>
+            </a:prstGeom>
+            <a:noFill/>
+          </p:spPr>
+          <p:txBody>
+            <a:bodyPr wrap="none" rtlCol="0">
+              <a:spAutoFit/>
+            </a:bodyPr>
+            <a:lstStyle/>
+            <a:p>
+              <a:r>
+                <a:rPr lang="ko-KR" altLang="en-US" sz="1100" dirty="0"/>
+                <a:t>코인</a:t>
+              </a:r>
+              <a:r>
+                <a:rPr lang="en-US" altLang="ko-KR" sz="1100" dirty="0"/>
+                <a:t> : </a:t>
+              </a:r>
+              <a:r>
+                <a:rPr lang="ko-KR" altLang="en-US" sz="1100" dirty="0"/>
+                <a:t>킬 </a:t>
+              </a:r>
+              <a:r>
+                <a:rPr lang="en-US" altLang="ko-KR" sz="1100" dirty="0"/>
+                <a:t>: </a:t>
+              </a:r>
+              <a:r>
+                <a:rPr lang="ko-KR" altLang="en-US" sz="1100" dirty="0" err="1"/>
+                <a:t>데스</a:t>
+              </a:r>
+              <a:endParaRPr lang="ko-KR" altLang="en-US" sz="1100" dirty="0"/>
+            </a:p>
+          </p:txBody>
+        </p:sp>
+      </p:grpSp>
+      <p:grpSp>
+        <p:nvGrpSpPr>
+          <p:cNvPr id="38" name="그룹 37">
+            <a:extLst>
+              <a:ext uri="{FF2B5EF4-FFF2-40B4-BE49-F238E27FC236}">
+                <a16:creationId xmlns:a16="http://schemas.microsoft.com/office/drawing/2014/main" id="{CFFFDCC0-A269-40BA-384B-46AE6D9CE820}"/>
+              </a:ext>
+            </a:extLst>
+          </p:cNvPr>
+          <p:cNvGrpSpPr/>
+          <p:nvPr/>
+        </p:nvGrpSpPr>
+        <p:grpSpPr>
+          <a:xfrm>
+            <a:off x="1059093" y="3667038"/>
+            <a:ext cx="4821825" cy="602399"/>
+            <a:chOff x="1059093" y="2302212"/>
+            <a:chExt cx="4821825" cy="602399"/>
+          </a:xfrm>
+        </p:grpSpPr>
+        <p:sp>
+          <p:nvSpPr>
+            <p:cNvPr id="39" name="직사각형 38">
+              <a:extLst>
+                <a:ext uri="{FF2B5EF4-FFF2-40B4-BE49-F238E27FC236}">
+                  <a16:creationId xmlns:a16="http://schemas.microsoft.com/office/drawing/2014/main" id="{9634C1DA-A073-EEB2-1575-5FD2E58D765A}"/>
+                </a:ext>
+              </a:extLst>
+            </p:cNvPr>
+            <p:cNvSpPr/>
+            <p:nvPr/>
+          </p:nvSpPr>
+          <p:spPr>
+            <a:xfrm>
+              <a:off x="1059093" y="2302212"/>
+              <a:ext cx="4821825" cy="602399"/>
+            </a:xfrm>
+            <a:prstGeom prst="rect">
+              <a:avLst/>
+            </a:prstGeom>
+            <a:solidFill>
+              <a:schemeClr val="accent1">
+                <a:lumMod val="60000"/>
+                <a:lumOff val="40000"/>
+              </a:schemeClr>
+            </a:solidFill>
+          </p:spPr>
+          <p:style>
+            <a:lnRef idx="2">
+              <a:schemeClr val="accent1">
+                <a:shade val="50000"/>
+              </a:schemeClr>
+            </a:lnRef>
+            <a:fillRef idx="1">
+              <a:schemeClr val="accent1"/>
+            </a:fillRef>
+            <a:effectRef idx="0">
+              <a:schemeClr val="accent1"/>
+            </a:effectRef>
+            <a:fontRef idx="minor">
+              <a:schemeClr val="lt1"/>
+            </a:fontRef>
+          </p:style>
+          <p:txBody>
+            <a:bodyPr rtlCol="0" anchor="ctr"/>
+            <a:lstStyle/>
+            <a:p>
+              <a:r>
+                <a:rPr lang="ko-KR" altLang="en-US" sz="1100" dirty="0">
+                  <a:solidFill>
+                    <a:schemeClr val="tx1"/>
+                  </a:solidFill>
+                </a:rPr>
+                <a:t>닉네임</a:t>
+              </a:r>
+              <a:endParaRPr lang="en-US" altLang="ko-KR" sz="1100" dirty="0">
+                <a:solidFill>
+                  <a:schemeClr val="tx1"/>
+                </a:solidFill>
+              </a:endParaRPr>
+            </a:p>
+          </p:txBody>
+        </p:sp>
+        <p:sp>
+          <p:nvSpPr>
+            <p:cNvPr id="40" name="TextBox 39">
+              <a:extLst>
+                <a:ext uri="{FF2B5EF4-FFF2-40B4-BE49-F238E27FC236}">
+                  <a16:creationId xmlns:a16="http://schemas.microsoft.com/office/drawing/2014/main" id="{247F5F6E-9EB7-D243-DF2B-0F2C02E1896F}"/>
+                </a:ext>
+              </a:extLst>
+            </p:cNvPr>
+            <p:cNvSpPr txBox="1"/>
+            <p:nvPr/>
+          </p:nvSpPr>
+          <p:spPr>
+            <a:xfrm>
+              <a:off x="4664576" y="2476386"/>
+              <a:ext cx="1149674" cy="261610"/>
+            </a:xfrm>
+            <a:prstGeom prst="rect">
+              <a:avLst/>
+            </a:prstGeom>
+            <a:noFill/>
+          </p:spPr>
+          <p:txBody>
+            <a:bodyPr wrap="none" rtlCol="0">
+              <a:spAutoFit/>
+            </a:bodyPr>
+            <a:lstStyle/>
+            <a:p>
+              <a:r>
+                <a:rPr lang="ko-KR" altLang="en-US" sz="1100" dirty="0"/>
+                <a:t>코인</a:t>
+              </a:r>
+              <a:r>
+                <a:rPr lang="en-US" altLang="ko-KR" sz="1100" dirty="0"/>
+                <a:t> : </a:t>
+              </a:r>
+              <a:r>
+                <a:rPr lang="ko-KR" altLang="en-US" sz="1100" dirty="0"/>
+                <a:t>킬 </a:t>
+              </a:r>
+              <a:r>
+                <a:rPr lang="en-US" altLang="ko-KR" sz="1100" dirty="0"/>
+                <a:t>: </a:t>
+              </a:r>
+              <a:r>
+                <a:rPr lang="ko-KR" altLang="en-US" sz="1100" dirty="0" err="1"/>
+                <a:t>데스</a:t>
+              </a:r>
+              <a:endParaRPr lang="ko-KR" altLang="en-US" sz="1100" dirty="0"/>
+            </a:p>
+          </p:txBody>
+        </p:sp>
+      </p:grpSp>
+      <p:grpSp>
+        <p:nvGrpSpPr>
+          <p:cNvPr id="41" name="그룹 40">
+            <a:extLst>
+              <a:ext uri="{FF2B5EF4-FFF2-40B4-BE49-F238E27FC236}">
+                <a16:creationId xmlns:a16="http://schemas.microsoft.com/office/drawing/2014/main" id="{5DEEAC66-7E49-7016-BE64-1A3A1B2FD91E}"/>
+              </a:ext>
+            </a:extLst>
+          </p:cNvPr>
+          <p:cNvGrpSpPr/>
+          <p:nvPr/>
+        </p:nvGrpSpPr>
+        <p:grpSpPr>
+          <a:xfrm>
+            <a:off x="1059093" y="4695433"/>
+            <a:ext cx="4821825" cy="602399"/>
+            <a:chOff x="1059093" y="2302212"/>
+            <a:chExt cx="4821825" cy="602399"/>
+          </a:xfrm>
+        </p:grpSpPr>
+        <p:sp>
+          <p:nvSpPr>
+            <p:cNvPr id="42" name="직사각형 41">
+              <a:extLst>
+                <a:ext uri="{FF2B5EF4-FFF2-40B4-BE49-F238E27FC236}">
+                  <a16:creationId xmlns:a16="http://schemas.microsoft.com/office/drawing/2014/main" id="{5C5AF5C7-C679-91F7-0764-DD460ECA7E80}"/>
+                </a:ext>
+              </a:extLst>
+            </p:cNvPr>
+            <p:cNvSpPr/>
+            <p:nvPr/>
+          </p:nvSpPr>
+          <p:spPr>
+            <a:xfrm>
+              <a:off x="1059093" y="2302212"/>
+              <a:ext cx="4821825" cy="602399"/>
+            </a:xfrm>
+            <a:prstGeom prst="rect">
+              <a:avLst/>
+            </a:prstGeom>
+            <a:solidFill>
+              <a:schemeClr val="accent1">
+                <a:lumMod val="60000"/>
+                <a:lumOff val="40000"/>
+              </a:schemeClr>
+            </a:solidFill>
+          </p:spPr>
+          <p:style>
+            <a:lnRef idx="2">
+              <a:schemeClr val="accent1">
+                <a:shade val="50000"/>
+              </a:schemeClr>
+            </a:lnRef>
+            <a:fillRef idx="1">
+              <a:schemeClr val="accent1"/>
+            </a:fillRef>
+            <a:effectRef idx="0">
+              <a:schemeClr val="accent1"/>
+            </a:effectRef>
+            <a:fontRef idx="minor">
+              <a:schemeClr val="lt1"/>
+            </a:fontRef>
+          </p:style>
+          <p:txBody>
+            <a:bodyPr rtlCol="0" anchor="ctr"/>
+            <a:lstStyle/>
+            <a:p>
+              <a:r>
+                <a:rPr lang="ko-KR" altLang="en-US" sz="1100" dirty="0">
+                  <a:solidFill>
+                    <a:schemeClr val="tx1"/>
+                  </a:solidFill>
+                </a:rPr>
+                <a:t>닉네임</a:t>
+              </a:r>
+              <a:endParaRPr lang="en-US" altLang="ko-KR" sz="1100" dirty="0">
+                <a:solidFill>
+                  <a:schemeClr val="tx1"/>
+                </a:solidFill>
+              </a:endParaRPr>
+            </a:p>
+          </p:txBody>
+        </p:sp>
+        <p:sp>
+          <p:nvSpPr>
+            <p:cNvPr id="44" name="TextBox 43">
+              <a:extLst>
+                <a:ext uri="{FF2B5EF4-FFF2-40B4-BE49-F238E27FC236}">
+                  <a16:creationId xmlns:a16="http://schemas.microsoft.com/office/drawing/2014/main" id="{15EB40DD-0B61-D6F0-5760-974701B48862}"/>
+                </a:ext>
+              </a:extLst>
+            </p:cNvPr>
+            <p:cNvSpPr txBox="1"/>
+            <p:nvPr/>
+          </p:nvSpPr>
+          <p:spPr>
+            <a:xfrm>
+              <a:off x="4664576" y="2476386"/>
+              <a:ext cx="1149674" cy="261610"/>
+            </a:xfrm>
+            <a:prstGeom prst="rect">
+              <a:avLst/>
+            </a:prstGeom>
+            <a:noFill/>
+          </p:spPr>
+          <p:txBody>
+            <a:bodyPr wrap="none" rtlCol="0">
+              <a:spAutoFit/>
+            </a:bodyPr>
+            <a:lstStyle/>
+            <a:p>
+              <a:r>
+                <a:rPr lang="ko-KR" altLang="en-US" sz="1100" dirty="0"/>
+                <a:t>코인</a:t>
+              </a:r>
+              <a:r>
+                <a:rPr lang="en-US" altLang="ko-KR" sz="1100" dirty="0"/>
+                <a:t> : </a:t>
+              </a:r>
+              <a:r>
+                <a:rPr lang="ko-KR" altLang="en-US" sz="1100" dirty="0"/>
+                <a:t>킬 </a:t>
+              </a:r>
+              <a:r>
+                <a:rPr lang="en-US" altLang="ko-KR" sz="1100" dirty="0"/>
+                <a:t>: </a:t>
+              </a:r>
+              <a:r>
+                <a:rPr lang="ko-KR" altLang="en-US" sz="1100" dirty="0" err="1"/>
+                <a:t>데스</a:t>
+              </a:r>
+              <a:endParaRPr lang="ko-KR" altLang="en-US" sz="1100" dirty="0"/>
+            </a:p>
+          </p:txBody>
+        </p:sp>
+      </p:grpSp>
+      <p:grpSp>
+        <p:nvGrpSpPr>
+          <p:cNvPr id="45" name="그룹 44">
+            <a:extLst>
+              <a:ext uri="{FF2B5EF4-FFF2-40B4-BE49-F238E27FC236}">
+                <a16:creationId xmlns:a16="http://schemas.microsoft.com/office/drawing/2014/main" id="{02D8AE4D-4CD3-A20D-4461-0FAF0B55E071}"/>
+              </a:ext>
+            </a:extLst>
+          </p:cNvPr>
+          <p:cNvGrpSpPr/>
+          <p:nvPr/>
+        </p:nvGrpSpPr>
+        <p:grpSpPr>
+          <a:xfrm>
+            <a:off x="6219673" y="2638642"/>
+            <a:ext cx="4821825" cy="602399"/>
+            <a:chOff x="1059093" y="2302212"/>
+            <a:chExt cx="4821825" cy="602399"/>
+          </a:xfrm>
+        </p:grpSpPr>
+        <p:sp>
+          <p:nvSpPr>
+            <p:cNvPr id="46" name="직사각형 45">
+              <a:extLst>
+                <a:ext uri="{FF2B5EF4-FFF2-40B4-BE49-F238E27FC236}">
+                  <a16:creationId xmlns:a16="http://schemas.microsoft.com/office/drawing/2014/main" id="{9DC223D3-3682-F0C7-0E1D-5B8C2518C613}"/>
+                </a:ext>
+              </a:extLst>
+            </p:cNvPr>
+            <p:cNvSpPr/>
+            <p:nvPr/>
+          </p:nvSpPr>
+          <p:spPr>
+            <a:xfrm>
+              <a:off x="1059093" y="2302212"/>
+              <a:ext cx="4821825" cy="602399"/>
+            </a:xfrm>
+            <a:prstGeom prst="rect">
+              <a:avLst/>
+            </a:prstGeom>
+            <a:solidFill>
+              <a:schemeClr val="accent1">
+                <a:lumMod val="60000"/>
+                <a:lumOff val="40000"/>
+              </a:schemeClr>
+            </a:solidFill>
+          </p:spPr>
+          <p:style>
+            <a:lnRef idx="2">
+              <a:schemeClr val="accent1">
+                <a:shade val="50000"/>
+              </a:schemeClr>
+            </a:lnRef>
+            <a:fillRef idx="1">
+              <a:schemeClr val="accent1"/>
+            </a:fillRef>
+            <a:effectRef idx="0">
+              <a:schemeClr val="accent1"/>
+            </a:effectRef>
+            <a:fontRef idx="minor">
+              <a:schemeClr val="lt1"/>
+            </a:fontRef>
+          </p:style>
+          <p:txBody>
+            <a:bodyPr rtlCol="0" anchor="ctr"/>
+            <a:lstStyle/>
+            <a:p>
+              <a:r>
+                <a:rPr lang="ko-KR" altLang="en-US" sz="1100" dirty="0">
+                  <a:solidFill>
+                    <a:schemeClr val="tx1"/>
+                  </a:solidFill>
+                </a:rPr>
+                <a:t>코인 </a:t>
+              </a:r>
+              <a:r>
+                <a:rPr lang="en-US" altLang="ko-KR" sz="1100" dirty="0">
+                  <a:solidFill>
+                    <a:schemeClr val="tx1"/>
+                  </a:solidFill>
+                </a:rPr>
+                <a:t>: </a:t>
+              </a:r>
+              <a:r>
+                <a:rPr lang="ko-KR" altLang="en-US" sz="1100" dirty="0">
+                  <a:solidFill>
+                    <a:schemeClr val="tx1"/>
+                  </a:solidFill>
+                </a:rPr>
+                <a:t>킬 </a:t>
+              </a:r>
+              <a:r>
+                <a:rPr lang="en-US" altLang="ko-KR" sz="1100" dirty="0">
+                  <a:solidFill>
+                    <a:schemeClr val="tx1"/>
+                  </a:solidFill>
+                </a:rPr>
+                <a:t>: </a:t>
+              </a:r>
+              <a:r>
+                <a:rPr lang="ko-KR" altLang="en-US" sz="1100" dirty="0" err="1">
+                  <a:solidFill>
+                    <a:schemeClr val="tx1"/>
+                  </a:solidFill>
+                </a:rPr>
+                <a:t>데스</a:t>
+              </a:r>
+              <a:endParaRPr lang="en-US" altLang="ko-KR" sz="1100" dirty="0">
+                <a:solidFill>
+                  <a:schemeClr val="tx1"/>
+                </a:solidFill>
+              </a:endParaRPr>
+            </a:p>
+          </p:txBody>
+        </p:sp>
+        <p:sp>
+          <p:nvSpPr>
+            <p:cNvPr id="47" name="TextBox 46">
+              <a:extLst>
+                <a:ext uri="{FF2B5EF4-FFF2-40B4-BE49-F238E27FC236}">
+                  <a16:creationId xmlns:a16="http://schemas.microsoft.com/office/drawing/2014/main" id="{1C61165F-A24E-4CB0-203D-92AEDE5085A2}"/>
+                </a:ext>
+              </a:extLst>
+            </p:cNvPr>
+            <p:cNvSpPr txBox="1"/>
+            <p:nvPr/>
+          </p:nvSpPr>
+          <p:spPr>
+            <a:xfrm>
+              <a:off x="5273059" y="2476386"/>
+              <a:ext cx="607859" cy="261610"/>
+            </a:xfrm>
+            <a:prstGeom prst="rect">
+              <a:avLst/>
+            </a:prstGeom>
+            <a:noFill/>
+          </p:spPr>
+          <p:txBody>
+            <a:bodyPr wrap="none" rtlCol="0">
+              <a:spAutoFit/>
+            </a:bodyPr>
+            <a:lstStyle/>
+            <a:p>
+              <a:r>
+                <a:rPr lang="ko-KR" altLang="en-US" sz="1100"/>
+                <a:t>닉네임</a:t>
+              </a:r>
+              <a:endParaRPr lang="ko-KR" altLang="en-US" sz="1100" dirty="0"/>
+            </a:p>
+          </p:txBody>
+        </p:sp>
+      </p:grpSp>
+      <p:grpSp>
+        <p:nvGrpSpPr>
+          <p:cNvPr id="60" name="그룹 59">
+            <a:extLst>
+              <a:ext uri="{FF2B5EF4-FFF2-40B4-BE49-F238E27FC236}">
+                <a16:creationId xmlns:a16="http://schemas.microsoft.com/office/drawing/2014/main" id="{B6E8D55D-3681-3941-2B7C-094557034E0D}"/>
+              </a:ext>
+            </a:extLst>
+          </p:cNvPr>
+          <p:cNvGrpSpPr/>
+          <p:nvPr/>
+        </p:nvGrpSpPr>
+        <p:grpSpPr>
+          <a:xfrm>
+            <a:off x="6219673" y="3667037"/>
+            <a:ext cx="4821825" cy="602399"/>
+            <a:chOff x="1059093" y="2302212"/>
+            <a:chExt cx="4821825" cy="602399"/>
+          </a:xfrm>
+        </p:grpSpPr>
+        <p:sp>
+          <p:nvSpPr>
+            <p:cNvPr id="63" name="직사각형 62">
+              <a:extLst>
+                <a:ext uri="{FF2B5EF4-FFF2-40B4-BE49-F238E27FC236}">
+                  <a16:creationId xmlns:a16="http://schemas.microsoft.com/office/drawing/2014/main" id="{3E7D201D-4FC0-A627-BA6A-F3608A987972}"/>
+                </a:ext>
+              </a:extLst>
+            </p:cNvPr>
+            <p:cNvSpPr/>
+            <p:nvPr/>
+          </p:nvSpPr>
+          <p:spPr>
+            <a:xfrm>
+              <a:off x="1059093" y="2302212"/>
+              <a:ext cx="4821825" cy="602399"/>
+            </a:xfrm>
+            <a:prstGeom prst="rect">
+              <a:avLst/>
+            </a:prstGeom>
+            <a:solidFill>
+              <a:schemeClr val="accent1">
+                <a:lumMod val="60000"/>
+                <a:lumOff val="40000"/>
+              </a:schemeClr>
+            </a:solidFill>
+          </p:spPr>
+          <p:style>
+            <a:lnRef idx="2">
+              <a:schemeClr val="accent1">
+                <a:shade val="50000"/>
+              </a:schemeClr>
+            </a:lnRef>
+            <a:fillRef idx="1">
+              <a:schemeClr val="accent1"/>
+            </a:fillRef>
+            <a:effectRef idx="0">
+              <a:schemeClr val="accent1"/>
+            </a:effectRef>
+            <a:fontRef idx="minor">
+              <a:schemeClr val="lt1"/>
+            </a:fontRef>
+          </p:style>
+          <p:txBody>
+            <a:bodyPr rtlCol="0" anchor="ctr"/>
+            <a:lstStyle/>
+            <a:p>
+              <a:r>
+                <a:rPr lang="ko-KR" altLang="en-US" sz="1100" dirty="0">
+                  <a:solidFill>
+                    <a:schemeClr val="tx1"/>
+                  </a:solidFill>
+                </a:rPr>
+                <a:t>코인 </a:t>
+              </a:r>
+              <a:r>
+                <a:rPr lang="en-US" altLang="ko-KR" sz="1100" dirty="0">
+                  <a:solidFill>
+                    <a:schemeClr val="tx1"/>
+                  </a:solidFill>
+                </a:rPr>
+                <a:t>: </a:t>
+              </a:r>
+              <a:r>
+                <a:rPr lang="ko-KR" altLang="en-US" sz="1100" dirty="0">
+                  <a:solidFill>
+                    <a:schemeClr val="tx1"/>
+                  </a:solidFill>
+                </a:rPr>
+                <a:t>킬 </a:t>
+              </a:r>
+              <a:r>
+                <a:rPr lang="en-US" altLang="ko-KR" sz="1100" dirty="0">
+                  <a:solidFill>
+                    <a:schemeClr val="tx1"/>
+                  </a:solidFill>
+                </a:rPr>
+                <a:t>: </a:t>
+              </a:r>
+              <a:r>
+                <a:rPr lang="ko-KR" altLang="en-US" sz="1100" dirty="0" err="1">
+                  <a:solidFill>
+                    <a:schemeClr val="tx1"/>
+                  </a:solidFill>
+                </a:rPr>
+                <a:t>데스</a:t>
+              </a:r>
+              <a:endParaRPr lang="en-US" altLang="ko-KR" sz="1100" dirty="0">
+                <a:solidFill>
+                  <a:schemeClr val="tx1"/>
+                </a:solidFill>
+              </a:endParaRPr>
+            </a:p>
+          </p:txBody>
+        </p:sp>
+        <p:sp>
+          <p:nvSpPr>
+            <p:cNvPr id="64" name="TextBox 63">
+              <a:extLst>
+                <a:ext uri="{FF2B5EF4-FFF2-40B4-BE49-F238E27FC236}">
+                  <a16:creationId xmlns:a16="http://schemas.microsoft.com/office/drawing/2014/main" id="{7408861F-CFF9-9B0E-1E9A-7E5B50F0323E}"/>
+                </a:ext>
+              </a:extLst>
+            </p:cNvPr>
+            <p:cNvSpPr txBox="1"/>
+            <p:nvPr/>
+          </p:nvSpPr>
+          <p:spPr>
+            <a:xfrm>
+              <a:off x="5273059" y="2476386"/>
+              <a:ext cx="607859" cy="261610"/>
+            </a:xfrm>
+            <a:prstGeom prst="rect">
+              <a:avLst/>
+            </a:prstGeom>
+            <a:noFill/>
+          </p:spPr>
+          <p:txBody>
+            <a:bodyPr wrap="none" rtlCol="0">
+              <a:spAutoFit/>
+            </a:bodyPr>
+            <a:lstStyle/>
+            <a:p>
+              <a:r>
+                <a:rPr lang="ko-KR" altLang="en-US" sz="1100"/>
+                <a:t>닉네임</a:t>
+              </a:r>
+              <a:endParaRPr lang="ko-KR" altLang="en-US" sz="1100" dirty="0"/>
+            </a:p>
+          </p:txBody>
+        </p:sp>
+      </p:grpSp>
+      <p:grpSp>
+        <p:nvGrpSpPr>
+          <p:cNvPr id="65" name="그룹 64">
+            <a:extLst>
+              <a:ext uri="{FF2B5EF4-FFF2-40B4-BE49-F238E27FC236}">
+                <a16:creationId xmlns:a16="http://schemas.microsoft.com/office/drawing/2014/main" id="{B7AFB5D7-02A5-42AA-6BB5-459DAD682BFB}"/>
+              </a:ext>
+            </a:extLst>
+          </p:cNvPr>
+          <p:cNvGrpSpPr/>
+          <p:nvPr/>
+        </p:nvGrpSpPr>
+        <p:grpSpPr>
+          <a:xfrm>
+            <a:off x="6219673" y="4695433"/>
+            <a:ext cx="4821825" cy="602399"/>
+            <a:chOff x="1059093" y="2302212"/>
+            <a:chExt cx="4821825" cy="602399"/>
+          </a:xfrm>
+        </p:grpSpPr>
+        <p:sp>
+          <p:nvSpPr>
+            <p:cNvPr id="66" name="직사각형 65">
+              <a:extLst>
+                <a:ext uri="{FF2B5EF4-FFF2-40B4-BE49-F238E27FC236}">
+                  <a16:creationId xmlns:a16="http://schemas.microsoft.com/office/drawing/2014/main" id="{8ACA3D84-1656-622A-4930-C13B27639304}"/>
+                </a:ext>
+              </a:extLst>
+            </p:cNvPr>
+            <p:cNvSpPr/>
+            <p:nvPr/>
+          </p:nvSpPr>
+          <p:spPr>
+            <a:xfrm>
+              <a:off x="1059093" y="2302212"/>
+              <a:ext cx="4821825" cy="602399"/>
+            </a:xfrm>
+            <a:prstGeom prst="rect">
+              <a:avLst/>
+            </a:prstGeom>
+            <a:solidFill>
+              <a:schemeClr val="accent1">
+                <a:lumMod val="60000"/>
+                <a:lumOff val="40000"/>
+              </a:schemeClr>
+            </a:solidFill>
+          </p:spPr>
+          <p:style>
+            <a:lnRef idx="2">
+              <a:schemeClr val="accent1">
+                <a:shade val="50000"/>
+              </a:schemeClr>
+            </a:lnRef>
+            <a:fillRef idx="1">
+              <a:schemeClr val="accent1"/>
+            </a:fillRef>
+            <a:effectRef idx="0">
+              <a:schemeClr val="accent1"/>
+            </a:effectRef>
+            <a:fontRef idx="minor">
+              <a:schemeClr val="lt1"/>
+            </a:fontRef>
+          </p:style>
+          <p:txBody>
+            <a:bodyPr rtlCol="0" anchor="ctr"/>
+            <a:lstStyle/>
+            <a:p>
+              <a:r>
+                <a:rPr lang="ko-KR" altLang="en-US" sz="1100" dirty="0">
+                  <a:solidFill>
+                    <a:schemeClr val="tx1"/>
+                  </a:solidFill>
+                </a:rPr>
+                <a:t>코인 </a:t>
+              </a:r>
+              <a:r>
+                <a:rPr lang="en-US" altLang="ko-KR" sz="1100" dirty="0">
+                  <a:solidFill>
+                    <a:schemeClr val="tx1"/>
+                  </a:solidFill>
+                </a:rPr>
+                <a:t>: </a:t>
+              </a:r>
+              <a:r>
+                <a:rPr lang="ko-KR" altLang="en-US" sz="1100" dirty="0">
+                  <a:solidFill>
+                    <a:schemeClr val="tx1"/>
+                  </a:solidFill>
+                </a:rPr>
+                <a:t>킬 </a:t>
+              </a:r>
+              <a:r>
+                <a:rPr lang="en-US" altLang="ko-KR" sz="1100" dirty="0">
+                  <a:solidFill>
+                    <a:schemeClr val="tx1"/>
+                  </a:solidFill>
+                </a:rPr>
+                <a:t>: </a:t>
+              </a:r>
+              <a:r>
+                <a:rPr lang="ko-KR" altLang="en-US" sz="1100" dirty="0" err="1">
+                  <a:solidFill>
+                    <a:schemeClr val="tx1"/>
+                  </a:solidFill>
+                </a:rPr>
+                <a:t>데스</a:t>
+              </a:r>
+              <a:endParaRPr lang="en-US" altLang="ko-KR" sz="1100" dirty="0">
+                <a:solidFill>
+                  <a:schemeClr val="tx1"/>
+                </a:solidFill>
+              </a:endParaRPr>
+            </a:p>
+          </p:txBody>
+        </p:sp>
+        <p:sp>
+          <p:nvSpPr>
+            <p:cNvPr id="67" name="TextBox 66">
+              <a:extLst>
+                <a:ext uri="{FF2B5EF4-FFF2-40B4-BE49-F238E27FC236}">
+                  <a16:creationId xmlns:a16="http://schemas.microsoft.com/office/drawing/2014/main" id="{46D582A4-EBA7-58EB-CC39-249801870176}"/>
+                </a:ext>
+              </a:extLst>
+            </p:cNvPr>
+            <p:cNvSpPr txBox="1"/>
+            <p:nvPr/>
+          </p:nvSpPr>
+          <p:spPr>
+            <a:xfrm>
+              <a:off x="5273059" y="2476386"/>
+              <a:ext cx="607859" cy="261610"/>
+            </a:xfrm>
+            <a:prstGeom prst="rect">
+              <a:avLst/>
+            </a:prstGeom>
+            <a:noFill/>
+          </p:spPr>
+          <p:txBody>
+            <a:bodyPr wrap="none" rtlCol="0">
+              <a:spAutoFit/>
+            </a:bodyPr>
+            <a:lstStyle/>
+            <a:p>
+              <a:r>
+                <a:rPr lang="ko-KR" altLang="en-US" sz="1100"/>
+                <a:t>닉네임</a:t>
+              </a:r>
+              <a:endParaRPr lang="ko-KR" altLang="en-US" sz="1100" dirty="0"/>
+            </a:p>
+          </p:txBody>
+        </p:sp>
+      </p:grpSp>
+      <p:sp>
+        <p:nvSpPr>
+          <p:cNvPr id="68" name="직사각형 67">
+            <a:extLst>
+              <a:ext uri="{FF2B5EF4-FFF2-40B4-BE49-F238E27FC236}">
+                <a16:creationId xmlns:a16="http://schemas.microsoft.com/office/drawing/2014/main" id="{564ECDA6-DC87-8F4A-E324-3821DF1E6513}"/>
+              </a:ext>
+            </a:extLst>
+          </p:cNvPr>
+          <p:cNvSpPr>
+            <a:spLocks noChangeAspect="1"/>
+          </p:cNvSpPr>
+          <p:nvPr/>
+        </p:nvSpPr>
+        <p:spPr>
+          <a:xfrm>
+            <a:off x="4298509" y="2262952"/>
+            <a:ext cx="854015" cy="336865"/>
+          </a:xfrm>
+          <a:prstGeom prst="rect">
+            <a:avLst/>
+          </a:prstGeom>
+          <a:solidFill>
+            <a:schemeClr val="bg1">
+              <a:lumMod val="95000"/>
+            </a:schemeClr>
+          </a:solidFill>
+        </p:spPr>
+        <p:style>
+          <a:lnRef idx="2">
+            <a:schemeClr val="accent1">
+              <a:shade val="50000"/>
+            </a:schemeClr>
+          </a:lnRef>
+          <a:fillRef idx="1">
+            <a:schemeClr val="accent1"/>
+          </a:fillRef>
+          <a:effectRef idx="0">
+            <a:schemeClr val="accent1"/>
+          </a:effectRef>
+          <a:fontRef idx="minor">
+            <a:schemeClr val="lt1"/>
+          </a:fontRef>
+        </p:style>
+        <p:txBody>
+          <a:bodyPr rtlCol="0" anchor="ctr"/>
+          <a:lstStyle/>
+          <a:p>
+            <a:pPr algn="ctr"/>
+            <a:r>
+              <a:rPr lang="ko-KR" altLang="en-US" sz="1200" dirty="0">
+                <a:solidFill>
+                  <a:schemeClr val="tx1"/>
+                </a:solidFill>
+              </a:rPr>
+              <a:t>승리여부</a:t>
+            </a:r>
+          </a:p>
+        </p:txBody>
+      </p:sp>
+      <p:sp>
+        <p:nvSpPr>
+          <p:cNvPr id="69" name="직사각형 68">
+            <a:extLst>
+              <a:ext uri="{FF2B5EF4-FFF2-40B4-BE49-F238E27FC236}">
+                <a16:creationId xmlns:a16="http://schemas.microsoft.com/office/drawing/2014/main" id="{D425D7A6-10CD-2C48-A17C-FBE27BD4AFC2}"/>
+              </a:ext>
+            </a:extLst>
+          </p:cNvPr>
+          <p:cNvSpPr>
+            <a:spLocks noChangeAspect="1"/>
+          </p:cNvSpPr>
+          <p:nvPr/>
+        </p:nvSpPr>
+        <p:spPr>
+          <a:xfrm>
+            <a:off x="7039478" y="2262952"/>
+            <a:ext cx="854015" cy="336865"/>
+          </a:xfrm>
+          <a:prstGeom prst="rect">
+            <a:avLst/>
+          </a:prstGeom>
+          <a:solidFill>
+            <a:schemeClr val="bg1">
+              <a:lumMod val="95000"/>
+            </a:schemeClr>
+          </a:solidFill>
+        </p:spPr>
+        <p:style>
+          <a:lnRef idx="2">
+            <a:schemeClr val="accent1">
+              <a:shade val="50000"/>
+            </a:schemeClr>
+          </a:lnRef>
+          <a:fillRef idx="1">
+            <a:schemeClr val="accent1"/>
+          </a:fillRef>
+          <a:effectRef idx="0">
+            <a:schemeClr val="accent1"/>
+          </a:effectRef>
+          <a:fontRef idx="minor">
+            <a:schemeClr val="lt1"/>
+          </a:fontRef>
+        </p:style>
+        <p:txBody>
+          <a:bodyPr rtlCol="0" anchor="ctr"/>
+          <a:lstStyle/>
+          <a:p>
+            <a:pPr algn="ctr"/>
+            <a:r>
+              <a:rPr lang="ko-KR" altLang="en-US" sz="1200" dirty="0">
+                <a:solidFill>
+                  <a:schemeClr val="tx1"/>
+                </a:solidFill>
+              </a:rPr>
+              <a:t>승리여부</a:t>
+            </a:r>
+          </a:p>
+        </p:txBody>
+      </p:sp>
+      <p:sp>
+        <p:nvSpPr>
+          <p:cNvPr id="2" name="말풍선: 사각형 1">
+            <a:extLst>
+              <a:ext uri="{FF2B5EF4-FFF2-40B4-BE49-F238E27FC236}">
+                <a16:creationId xmlns:a16="http://schemas.microsoft.com/office/drawing/2014/main" id="{6FF39F42-95C0-30BA-A986-CC3E96AD1DC9}"/>
+              </a:ext>
+            </a:extLst>
+          </p:cNvPr>
+          <p:cNvSpPr/>
+          <p:nvPr/>
+        </p:nvSpPr>
+        <p:spPr>
+          <a:xfrm>
+            <a:off x="1070274" y="1048068"/>
+            <a:ext cx="2116026" cy="931174"/>
+          </a:xfrm>
+          <a:prstGeom prst="wedgeRectCallout">
+            <a:avLst>
+              <a:gd name="adj1" fmla="val 103914"/>
+              <a:gd name="adj2" fmla="val 81955"/>
+            </a:avLst>
+          </a:prstGeom>
+        </p:spPr>
+        <p:style>
+          <a:lnRef idx="2">
+            <a:schemeClr val="accent2">
+              <a:shade val="50000"/>
+            </a:schemeClr>
+          </a:lnRef>
+          <a:fillRef idx="1">
+            <a:schemeClr val="accent2"/>
+          </a:fillRef>
+          <a:effectRef idx="0">
+            <a:schemeClr val="accent2"/>
+          </a:effectRef>
+          <a:fontRef idx="minor">
+            <a:schemeClr val="lt1"/>
+          </a:fontRef>
+        </p:style>
+        <p:txBody>
+          <a:bodyPr rtlCol="0" anchor="ctr"/>
+          <a:lstStyle/>
+          <a:p>
+            <a:pPr algn="ctr"/>
+            <a:r>
+              <a:rPr lang="ko-KR" altLang="en-US" sz="1200" dirty="0"/>
+              <a:t>클라이언트 주인 팀은</a:t>
+            </a:r>
+            <a:endParaRPr lang="en-US" altLang="ko-KR" sz="1200" dirty="0"/>
+          </a:p>
+          <a:p>
+            <a:pPr algn="ctr"/>
+            <a:r>
+              <a:rPr lang="ko-KR" altLang="en-US" sz="1200" dirty="0"/>
+              <a:t>왼쪽에 배치</a:t>
+            </a:r>
+          </a:p>
+        </p:txBody>
+      </p:sp>
+      <p:sp>
+        <p:nvSpPr>
+          <p:cNvPr id="35" name="직사각형 34">
+            <a:extLst>
+              <a:ext uri="{FF2B5EF4-FFF2-40B4-BE49-F238E27FC236}">
+                <a16:creationId xmlns:a16="http://schemas.microsoft.com/office/drawing/2014/main" id="{2FE8C00E-3E7E-C53A-ED65-B6E20CD9AD9A}"/>
+              </a:ext>
+            </a:extLst>
+          </p:cNvPr>
+          <p:cNvSpPr/>
+          <p:nvPr/>
+        </p:nvSpPr>
+        <p:spPr>
+          <a:xfrm>
+            <a:off x="1059093" y="2358949"/>
+            <a:ext cx="334498" cy="334498"/>
+          </a:xfrm>
+          <a:prstGeom prst="rect">
+            <a:avLst/>
+          </a:prstGeom>
+          <a:solidFill>
+            <a:srgbClr val="FFFF00"/>
+          </a:solidFill>
+        </p:spPr>
+        <p:style>
+          <a:lnRef idx="2">
+            <a:schemeClr val="accent1">
+              <a:shade val="50000"/>
+            </a:schemeClr>
+          </a:lnRef>
+          <a:fillRef idx="1">
+            <a:schemeClr val="accent1"/>
+          </a:fillRef>
+          <a:effectRef idx="0">
+            <a:schemeClr val="accent1"/>
+          </a:effectRef>
+          <a:fontRef idx="minor">
+            <a:schemeClr val="lt1"/>
+          </a:fontRef>
+        </p:style>
+        <p:txBody>
+          <a:bodyPr rtlCol="0" anchor="ctr"/>
+          <a:lstStyle/>
+          <a:p>
+            <a:pPr algn="ctr"/>
+            <a:endParaRPr lang="ko-KR" altLang="en-US" dirty="0">
+              <a:solidFill>
+                <a:schemeClr val="tx1"/>
+              </a:solidFill>
+            </a:endParaRPr>
+          </a:p>
+        </p:txBody>
+      </p:sp>
+      <p:sp>
+        <p:nvSpPr>
+          <p:cNvPr id="36" name="직사각형 35">
+            <a:extLst>
+              <a:ext uri="{FF2B5EF4-FFF2-40B4-BE49-F238E27FC236}">
+                <a16:creationId xmlns:a16="http://schemas.microsoft.com/office/drawing/2014/main" id="{D18CEBBB-60D6-7EA1-6A38-FA82EAE9D99E}"/>
+              </a:ext>
+            </a:extLst>
+          </p:cNvPr>
+          <p:cNvSpPr/>
+          <p:nvPr/>
+        </p:nvSpPr>
+        <p:spPr>
+          <a:xfrm>
+            <a:off x="10707000" y="2423484"/>
+            <a:ext cx="334498" cy="334498"/>
+          </a:xfrm>
+          <a:prstGeom prst="rect">
+            <a:avLst/>
+          </a:prstGeom>
+          <a:solidFill>
+            <a:srgbClr val="FFFF00"/>
+          </a:solidFill>
+        </p:spPr>
+        <p:style>
+          <a:lnRef idx="2">
+            <a:schemeClr val="accent1">
+              <a:shade val="50000"/>
+            </a:schemeClr>
+          </a:lnRef>
+          <a:fillRef idx="1">
+            <a:schemeClr val="accent1"/>
+          </a:fillRef>
+          <a:effectRef idx="0">
+            <a:schemeClr val="accent1"/>
+          </a:effectRef>
+          <a:fontRef idx="minor">
+            <a:schemeClr val="lt1"/>
+          </a:fontRef>
+        </p:style>
+        <p:txBody>
+          <a:bodyPr rtlCol="0" anchor="ctr"/>
+          <a:lstStyle/>
+          <a:p>
+            <a:pPr algn="ctr"/>
+            <a:endParaRPr lang="ko-KR" altLang="en-US" dirty="0">
+              <a:solidFill>
+                <a:schemeClr val="tx1"/>
+              </a:solidFill>
+            </a:endParaRPr>
+          </a:p>
+        </p:txBody>
+      </p:sp>
+      <p:sp>
+        <p:nvSpPr>
+          <p:cNvPr id="37" name="말풍선: 사각형 36">
+            <a:extLst>
+              <a:ext uri="{FF2B5EF4-FFF2-40B4-BE49-F238E27FC236}">
+                <a16:creationId xmlns:a16="http://schemas.microsoft.com/office/drawing/2014/main" id="{7E5B0ACA-76CF-3576-A924-0DEB9E315B45}"/>
+              </a:ext>
+            </a:extLst>
+          </p:cNvPr>
+          <p:cNvSpPr/>
+          <p:nvPr/>
+        </p:nvSpPr>
+        <p:spPr>
+          <a:xfrm>
+            <a:off x="2548550" y="4443611"/>
+            <a:ext cx="2116026" cy="931174"/>
+          </a:xfrm>
+          <a:prstGeom prst="wedgeRectCallout">
+            <a:avLst>
+              <a:gd name="adj1" fmla="val -107259"/>
+              <a:gd name="adj2" fmla="val -247844"/>
+            </a:avLst>
+          </a:prstGeom>
+        </p:spPr>
+        <p:style>
+          <a:lnRef idx="2">
+            <a:schemeClr val="accent2">
+              <a:shade val="50000"/>
+            </a:schemeClr>
+          </a:lnRef>
+          <a:fillRef idx="1">
+            <a:schemeClr val="accent2"/>
+          </a:fillRef>
+          <a:effectRef idx="0">
+            <a:schemeClr val="accent2"/>
+          </a:effectRef>
+          <a:fontRef idx="minor">
+            <a:schemeClr val="lt1"/>
+          </a:fontRef>
+        </p:style>
+        <p:txBody>
+          <a:bodyPr rtlCol="0" anchor="ctr"/>
+          <a:lstStyle/>
+          <a:p>
+            <a:pPr algn="ctr"/>
+            <a:r>
+              <a:rPr lang="ko-KR" altLang="en-US" sz="1200" dirty="0"/>
+              <a:t>팀내에서 가장 많은 코인과</a:t>
+            </a:r>
+            <a:endParaRPr lang="en-US" altLang="ko-KR" sz="1200" dirty="0"/>
+          </a:p>
+          <a:p>
+            <a:pPr algn="ctr"/>
+            <a:r>
+              <a:rPr lang="ko-KR" altLang="en-US" sz="1200" dirty="0" err="1"/>
+              <a:t>킬을</a:t>
+            </a:r>
+            <a:r>
+              <a:rPr lang="ko-KR" altLang="en-US" sz="1200" dirty="0"/>
+              <a:t> 한 사람에게 표시</a:t>
+            </a:r>
+          </a:p>
+        </p:txBody>
+      </p:sp>
+    </p:spTree>
+    <p:extLst>
+      <p:ext uri="{BB962C8B-B14F-4D97-AF65-F5344CB8AC3E}">
+        <p14:creationId xmlns:p14="http://schemas.microsoft.com/office/powerpoint/2010/main" val="2513574871"/>
       </p:ext>
     </p:extLst>
   </p:cSld>

--- a/document/gameUI.pptx
+++ b/document/gameUI.pptx
@@ -18,6 +18,7 @@
     <p:sldId id="264" r:id="rId12"/>
     <p:sldId id="267" r:id="rId13"/>
     <p:sldId id="268" r:id="rId14"/>
+    <p:sldId id="269" r:id="rId15"/>
   </p:sldIdLst>
   <p:sldSz cx="12192000" cy="6858000"/>
   <p:notesSz cx="6858000" cy="9144000"/>
@@ -277,7 +278,7 @@
           <a:p>
             <a:fld id="{AB9EB3BD-B079-48C3-B51D-286FB242F709}" type="datetimeFigureOut">
               <a:rPr lang="ko-KR" altLang="en-US" smtClean="0"/>
-              <a:t>2022-05-04</a:t>
+              <a:t>2022-05-06</a:t>
             </a:fld>
             <a:endParaRPr lang="ko-KR" altLang="en-US"/>
           </a:p>
@@ -475,7 +476,7 @@
           <a:p>
             <a:fld id="{AB9EB3BD-B079-48C3-B51D-286FB242F709}" type="datetimeFigureOut">
               <a:rPr lang="ko-KR" altLang="en-US" smtClean="0"/>
-              <a:t>2022-05-04</a:t>
+              <a:t>2022-05-06</a:t>
             </a:fld>
             <a:endParaRPr lang="ko-KR" altLang="en-US"/>
           </a:p>
@@ -683,7 +684,7 @@
           <a:p>
             <a:fld id="{AB9EB3BD-B079-48C3-B51D-286FB242F709}" type="datetimeFigureOut">
               <a:rPr lang="ko-KR" altLang="en-US" smtClean="0"/>
-              <a:t>2022-05-04</a:t>
+              <a:t>2022-05-06</a:t>
             </a:fld>
             <a:endParaRPr lang="ko-KR" altLang="en-US"/>
           </a:p>
@@ -881,7 +882,7 @@
           <a:p>
             <a:fld id="{AB9EB3BD-B079-48C3-B51D-286FB242F709}" type="datetimeFigureOut">
               <a:rPr lang="ko-KR" altLang="en-US" smtClean="0"/>
-              <a:t>2022-05-04</a:t>
+              <a:t>2022-05-06</a:t>
             </a:fld>
             <a:endParaRPr lang="ko-KR" altLang="en-US"/>
           </a:p>
@@ -1156,7 +1157,7 @@
           <a:p>
             <a:fld id="{AB9EB3BD-B079-48C3-B51D-286FB242F709}" type="datetimeFigureOut">
               <a:rPr lang="ko-KR" altLang="en-US" smtClean="0"/>
-              <a:t>2022-05-04</a:t>
+              <a:t>2022-05-06</a:t>
             </a:fld>
             <a:endParaRPr lang="ko-KR" altLang="en-US"/>
           </a:p>
@@ -1421,7 +1422,7 @@
           <a:p>
             <a:fld id="{AB9EB3BD-B079-48C3-B51D-286FB242F709}" type="datetimeFigureOut">
               <a:rPr lang="ko-KR" altLang="en-US" smtClean="0"/>
-              <a:t>2022-05-04</a:t>
+              <a:t>2022-05-06</a:t>
             </a:fld>
             <a:endParaRPr lang="ko-KR" altLang="en-US"/>
           </a:p>
@@ -1833,7 +1834,7 @@
           <a:p>
             <a:fld id="{AB9EB3BD-B079-48C3-B51D-286FB242F709}" type="datetimeFigureOut">
               <a:rPr lang="ko-KR" altLang="en-US" smtClean="0"/>
-              <a:t>2022-05-04</a:t>
+              <a:t>2022-05-06</a:t>
             </a:fld>
             <a:endParaRPr lang="ko-KR" altLang="en-US"/>
           </a:p>
@@ -1974,7 +1975,7 @@
           <a:p>
             <a:fld id="{AB9EB3BD-B079-48C3-B51D-286FB242F709}" type="datetimeFigureOut">
               <a:rPr lang="ko-KR" altLang="en-US" smtClean="0"/>
-              <a:t>2022-05-04</a:t>
+              <a:t>2022-05-06</a:t>
             </a:fld>
             <a:endParaRPr lang="ko-KR" altLang="en-US"/>
           </a:p>
@@ -2087,7 +2088,7 @@
           <a:p>
             <a:fld id="{AB9EB3BD-B079-48C3-B51D-286FB242F709}" type="datetimeFigureOut">
               <a:rPr lang="ko-KR" altLang="en-US" smtClean="0"/>
-              <a:t>2022-05-04</a:t>
+              <a:t>2022-05-06</a:t>
             </a:fld>
             <a:endParaRPr lang="ko-KR" altLang="en-US"/>
           </a:p>
@@ -2398,7 +2399,7 @@
           <a:p>
             <a:fld id="{AB9EB3BD-B079-48C3-B51D-286FB242F709}" type="datetimeFigureOut">
               <a:rPr lang="ko-KR" altLang="en-US" smtClean="0"/>
-              <a:t>2022-05-04</a:t>
+              <a:t>2022-05-06</a:t>
             </a:fld>
             <a:endParaRPr lang="ko-KR" altLang="en-US"/>
           </a:p>
@@ -2686,7 +2687,7 @@
           <a:p>
             <a:fld id="{AB9EB3BD-B079-48C3-B51D-286FB242F709}" type="datetimeFigureOut">
               <a:rPr lang="ko-KR" altLang="en-US" smtClean="0"/>
-              <a:t>2022-05-04</a:t>
+              <a:t>2022-05-06</a:t>
             </a:fld>
             <a:endParaRPr lang="ko-KR" altLang="en-US"/>
           </a:p>
@@ -2927,7 +2928,7 @@
           <a:p>
             <a:fld id="{AB9EB3BD-B079-48C3-B51D-286FB242F709}" type="datetimeFigureOut">
               <a:rPr lang="ko-KR" altLang="en-US" smtClean="0"/>
-              <a:t>2022-05-04</a:t>
+              <a:t>2022-05-06</a:t>
             </a:fld>
             <a:endParaRPr lang="ko-KR" altLang="en-US"/>
           </a:p>
@@ -10234,6 +10235,512 @@
     <p:extLst>
       <p:ext uri="{BB962C8B-B14F-4D97-AF65-F5344CB8AC3E}">
         <p14:creationId xmlns:p14="http://schemas.microsoft.com/office/powerpoint/2010/main" val="2513574871"/>
+      </p:ext>
+    </p:extLst>
+  </p:cSld>
+  <p:clrMapOvr>
+    <a:masterClrMapping/>
+  </p:clrMapOvr>
+</p:sld>
+</file>
+
+<file path=ppt/slides/slide14.xml><?xml version="1.0" encoding="utf-8"?>
+<p:sld xmlns:a="http://schemas.openxmlformats.org/drawingml/2006/main" xmlns:r="http://schemas.openxmlformats.org/officeDocument/2006/relationships" xmlns:p="http://schemas.openxmlformats.org/presentationml/2006/main">
+  <p:cSld>
+    <p:spTree>
+      <p:nvGrpSpPr>
+        <p:cNvPr id="1" name=""/>
+        <p:cNvGrpSpPr/>
+        <p:nvPr/>
+      </p:nvGrpSpPr>
+      <p:grpSpPr>
+        <a:xfrm>
+          <a:off x="0" y="0"/>
+          <a:ext cx="0" cy="0"/>
+          <a:chOff x="0" y="0"/>
+          <a:chExt cx="0" cy="0"/>
+        </a:xfrm>
+      </p:grpSpPr>
+      <p:sp>
+        <p:nvSpPr>
+          <p:cNvPr id="4" name="직사각형 3">
+            <a:extLst>
+              <a:ext uri="{FF2B5EF4-FFF2-40B4-BE49-F238E27FC236}">
+                <a16:creationId xmlns:a16="http://schemas.microsoft.com/office/drawing/2014/main" id="{DFD45B95-007B-4E43-AAC9-76E0E866E14B}"/>
+              </a:ext>
+            </a:extLst>
+          </p:cNvPr>
+          <p:cNvSpPr/>
+          <p:nvPr/>
+        </p:nvSpPr>
+        <p:spPr>
+          <a:xfrm>
+            <a:off x="767511" y="792424"/>
+            <a:ext cx="10656977" cy="5936832"/>
+          </a:xfrm>
+          <a:prstGeom prst="rect">
+            <a:avLst/>
+          </a:prstGeom>
+          <a:solidFill>
+            <a:schemeClr val="bg1"/>
+          </a:solidFill>
+          <a:ln w="38100"/>
+        </p:spPr>
+        <p:style>
+          <a:lnRef idx="2">
+            <a:schemeClr val="accent1">
+              <a:shade val="50000"/>
+            </a:schemeClr>
+          </a:lnRef>
+          <a:fillRef idx="1">
+            <a:schemeClr val="accent1"/>
+          </a:fillRef>
+          <a:effectRef idx="0">
+            <a:schemeClr val="accent1"/>
+          </a:effectRef>
+          <a:fontRef idx="minor">
+            <a:schemeClr val="lt1"/>
+          </a:fontRef>
+        </p:style>
+        <p:txBody>
+          <a:bodyPr rtlCol="0" anchor="ctr"/>
+          <a:lstStyle/>
+          <a:p>
+            <a:pPr algn="ctr"/>
+            <a:endParaRPr lang="ko-KR" altLang="en-US" dirty="0"/>
+          </a:p>
+        </p:txBody>
+      </p:sp>
+      <p:cxnSp>
+        <p:nvCxnSpPr>
+          <p:cNvPr id="17" name="직선 연결선 16">
+            <a:extLst>
+              <a:ext uri="{FF2B5EF4-FFF2-40B4-BE49-F238E27FC236}">
+                <a16:creationId xmlns:a16="http://schemas.microsoft.com/office/drawing/2014/main" id="{37BCD4B5-5C43-4F08-94D5-44CB7F8AA52D}"/>
+              </a:ext>
+            </a:extLst>
+          </p:cNvPr>
+          <p:cNvCxnSpPr/>
+          <p:nvPr/>
+        </p:nvCxnSpPr>
+        <p:spPr>
+          <a:xfrm>
+            <a:off x="0" y="539230"/>
+            <a:ext cx="12192000" cy="0"/>
+          </a:xfrm>
+          <a:prstGeom prst="line">
+            <a:avLst/>
+          </a:prstGeom>
+        </p:spPr>
+        <p:style>
+          <a:lnRef idx="1">
+            <a:schemeClr val="accent1"/>
+          </a:lnRef>
+          <a:fillRef idx="0">
+            <a:schemeClr val="accent1"/>
+          </a:fillRef>
+          <a:effectRef idx="0">
+            <a:schemeClr val="accent1"/>
+          </a:effectRef>
+          <a:fontRef idx="minor">
+            <a:schemeClr val="tx1"/>
+          </a:fontRef>
+        </p:style>
+      </p:cxnSp>
+      <p:sp>
+        <p:nvSpPr>
+          <p:cNvPr id="18" name="TextBox 17">
+            <a:extLst>
+              <a:ext uri="{FF2B5EF4-FFF2-40B4-BE49-F238E27FC236}">
+                <a16:creationId xmlns:a16="http://schemas.microsoft.com/office/drawing/2014/main" id="{E86E68C2-3A3F-4345-9A09-A8BC6F2A92AF}"/>
+              </a:ext>
+            </a:extLst>
+          </p:cNvPr>
+          <p:cNvSpPr txBox="1"/>
+          <p:nvPr/>
+        </p:nvSpPr>
+        <p:spPr>
+          <a:xfrm>
+            <a:off x="448887" y="204999"/>
+            <a:ext cx="1598515" cy="369332"/>
+          </a:xfrm>
+          <a:prstGeom prst="rect">
+            <a:avLst/>
+          </a:prstGeom>
+          <a:noFill/>
+        </p:spPr>
+        <p:txBody>
+          <a:bodyPr wrap="none" rtlCol="0">
+            <a:spAutoFit/>
+          </a:bodyPr>
+          <a:lstStyle/>
+          <a:p>
+            <a:r>
+              <a:rPr lang="ko-KR" altLang="en-US" dirty="0" err="1"/>
+              <a:t>맵에디터</a:t>
+            </a:r>
+            <a:r>
+              <a:rPr lang="en-US" altLang="ko-KR" dirty="0"/>
+              <a:t>UI#1</a:t>
+            </a:r>
+            <a:endParaRPr lang="ko-KR" altLang="en-US" dirty="0"/>
+          </a:p>
+        </p:txBody>
+      </p:sp>
+      <p:sp>
+        <p:nvSpPr>
+          <p:cNvPr id="33" name="직사각형 32">
+            <a:extLst>
+              <a:ext uri="{FF2B5EF4-FFF2-40B4-BE49-F238E27FC236}">
+                <a16:creationId xmlns:a16="http://schemas.microsoft.com/office/drawing/2014/main" id="{55978E92-6E0B-C342-5DC3-7BCCD6236381}"/>
+              </a:ext>
+            </a:extLst>
+          </p:cNvPr>
+          <p:cNvSpPr>
+            <a:spLocks noChangeAspect="1"/>
+          </p:cNvSpPr>
+          <p:nvPr/>
+        </p:nvSpPr>
+        <p:spPr>
+          <a:xfrm>
+            <a:off x="4995414" y="792425"/>
+            <a:ext cx="2201172" cy="561922"/>
+          </a:xfrm>
+          <a:prstGeom prst="rect">
+            <a:avLst/>
+          </a:prstGeom>
+          <a:solidFill>
+            <a:schemeClr val="bg1">
+              <a:lumMod val="95000"/>
+            </a:schemeClr>
+          </a:solidFill>
+        </p:spPr>
+        <p:style>
+          <a:lnRef idx="2">
+            <a:schemeClr val="accent1">
+              <a:shade val="50000"/>
+            </a:schemeClr>
+          </a:lnRef>
+          <a:fillRef idx="1">
+            <a:schemeClr val="accent1"/>
+          </a:fillRef>
+          <a:effectRef idx="0">
+            <a:schemeClr val="accent1"/>
+          </a:effectRef>
+          <a:fontRef idx="minor">
+            <a:schemeClr val="lt1"/>
+          </a:fontRef>
+        </p:style>
+        <p:txBody>
+          <a:bodyPr rtlCol="0" anchor="ctr"/>
+          <a:lstStyle/>
+          <a:p>
+            <a:pPr algn="ctr"/>
+            <a:r>
+              <a:rPr lang="ko-KR" altLang="en-US" sz="1500" dirty="0">
+                <a:solidFill>
+                  <a:schemeClr val="tx1"/>
+                </a:solidFill>
+              </a:rPr>
+              <a:t>맵 이름</a:t>
+            </a:r>
+          </a:p>
+        </p:txBody>
+      </p:sp>
+      <p:sp>
+        <p:nvSpPr>
+          <p:cNvPr id="35" name="직사각형 34">
+            <a:extLst>
+              <a:ext uri="{FF2B5EF4-FFF2-40B4-BE49-F238E27FC236}">
+                <a16:creationId xmlns:a16="http://schemas.microsoft.com/office/drawing/2014/main" id="{482B4479-94D9-7A56-3C4B-A8B722D9C26F}"/>
+              </a:ext>
+            </a:extLst>
+          </p:cNvPr>
+          <p:cNvSpPr/>
+          <p:nvPr/>
+        </p:nvSpPr>
+        <p:spPr>
+          <a:xfrm>
+            <a:off x="8682926" y="829859"/>
+            <a:ext cx="740231" cy="740231"/>
+          </a:xfrm>
+          <a:prstGeom prst="rect">
+            <a:avLst/>
+          </a:prstGeom>
+          <a:solidFill>
+            <a:srgbClr val="00B050"/>
+          </a:solidFill>
+        </p:spPr>
+        <p:style>
+          <a:lnRef idx="2">
+            <a:schemeClr val="accent1">
+              <a:shade val="50000"/>
+            </a:schemeClr>
+          </a:lnRef>
+          <a:fillRef idx="1">
+            <a:schemeClr val="accent1"/>
+          </a:fillRef>
+          <a:effectRef idx="0">
+            <a:schemeClr val="accent1"/>
+          </a:effectRef>
+          <a:fontRef idx="minor">
+            <a:schemeClr val="lt1"/>
+          </a:fontRef>
+        </p:style>
+        <p:txBody>
+          <a:bodyPr rtlCol="0" anchor="ctr"/>
+          <a:lstStyle/>
+          <a:p>
+            <a:pPr algn="ctr"/>
+            <a:r>
+              <a:rPr lang="ko-KR" altLang="en-US" sz="1600" dirty="0"/>
+              <a:t>저장</a:t>
+            </a:r>
+          </a:p>
+        </p:txBody>
+      </p:sp>
+      <p:sp>
+        <p:nvSpPr>
+          <p:cNvPr id="36" name="직사각형 35">
+            <a:extLst>
+              <a:ext uri="{FF2B5EF4-FFF2-40B4-BE49-F238E27FC236}">
+                <a16:creationId xmlns:a16="http://schemas.microsoft.com/office/drawing/2014/main" id="{E1A0CA3E-06BA-F161-3F9D-E106BC0EC766}"/>
+              </a:ext>
+            </a:extLst>
+          </p:cNvPr>
+          <p:cNvSpPr/>
+          <p:nvPr/>
+        </p:nvSpPr>
+        <p:spPr>
+          <a:xfrm>
+            <a:off x="9667174" y="829859"/>
+            <a:ext cx="740231" cy="740231"/>
+          </a:xfrm>
+          <a:prstGeom prst="rect">
+            <a:avLst/>
+          </a:prstGeom>
+          <a:solidFill>
+            <a:srgbClr val="00B050"/>
+          </a:solidFill>
+        </p:spPr>
+        <p:style>
+          <a:lnRef idx="2">
+            <a:schemeClr val="accent1">
+              <a:shade val="50000"/>
+            </a:schemeClr>
+          </a:lnRef>
+          <a:fillRef idx="1">
+            <a:schemeClr val="accent1"/>
+          </a:fillRef>
+          <a:effectRef idx="0">
+            <a:schemeClr val="accent1"/>
+          </a:effectRef>
+          <a:fontRef idx="minor">
+            <a:schemeClr val="lt1"/>
+          </a:fontRef>
+        </p:style>
+        <p:txBody>
+          <a:bodyPr rtlCol="0" anchor="ctr"/>
+          <a:lstStyle/>
+          <a:p>
+            <a:pPr algn="ctr"/>
+            <a:r>
+              <a:rPr lang="ko-KR" altLang="en-US" sz="1600" dirty="0"/>
+              <a:t>불러</a:t>
+            </a:r>
+            <a:endParaRPr lang="en-US" altLang="ko-KR" sz="1600" dirty="0"/>
+          </a:p>
+          <a:p>
+            <a:pPr algn="ctr"/>
+            <a:r>
+              <a:rPr lang="ko-KR" altLang="en-US" sz="1600" dirty="0"/>
+              <a:t>오기</a:t>
+            </a:r>
+          </a:p>
+        </p:txBody>
+      </p:sp>
+      <p:sp>
+        <p:nvSpPr>
+          <p:cNvPr id="37" name="직사각형 36">
+            <a:extLst>
+              <a:ext uri="{FF2B5EF4-FFF2-40B4-BE49-F238E27FC236}">
+                <a16:creationId xmlns:a16="http://schemas.microsoft.com/office/drawing/2014/main" id="{E515A841-62C0-46F9-5887-2528F99DFAFF}"/>
+              </a:ext>
+            </a:extLst>
+          </p:cNvPr>
+          <p:cNvSpPr/>
+          <p:nvPr/>
+        </p:nvSpPr>
+        <p:spPr>
+          <a:xfrm>
+            <a:off x="10651422" y="829859"/>
+            <a:ext cx="740231" cy="740231"/>
+          </a:xfrm>
+          <a:prstGeom prst="rect">
+            <a:avLst/>
+          </a:prstGeom>
+          <a:solidFill>
+            <a:srgbClr val="00B050"/>
+          </a:solidFill>
+        </p:spPr>
+        <p:style>
+          <a:lnRef idx="2">
+            <a:schemeClr val="accent1">
+              <a:shade val="50000"/>
+            </a:schemeClr>
+          </a:lnRef>
+          <a:fillRef idx="1">
+            <a:schemeClr val="accent1"/>
+          </a:fillRef>
+          <a:effectRef idx="0">
+            <a:schemeClr val="accent1"/>
+          </a:effectRef>
+          <a:fontRef idx="minor">
+            <a:schemeClr val="lt1"/>
+          </a:fontRef>
+        </p:style>
+        <p:txBody>
+          <a:bodyPr rtlCol="0" anchor="ctr"/>
+          <a:lstStyle/>
+          <a:p>
+            <a:pPr algn="ctr"/>
+            <a:r>
+              <a:rPr lang="ko-KR" altLang="en-US" sz="1400"/>
+              <a:t>나가기</a:t>
+            </a:r>
+            <a:endParaRPr lang="ko-KR" altLang="en-US" sz="1400" dirty="0"/>
+          </a:p>
+        </p:txBody>
+      </p:sp>
+      <p:sp>
+        <p:nvSpPr>
+          <p:cNvPr id="3" name="직사각형 2">
+            <a:extLst>
+              <a:ext uri="{FF2B5EF4-FFF2-40B4-BE49-F238E27FC236}">
+                <a16:creationId xmlns:a16="http://schemas.microsoft.com/office/drawing/2014/main" id="{4AE3E764-C4AB-D291-4B1B-24E3000E74EE}"/>
+              </a:ext>
+            </a:extLst>
+          </p:cNvPr>
+          <p:cNvSpPr/>
+          <p:nvPr/>
+        </p:nvSpPr>
+        <p:spPr>
+          <a:xfrm>
+            <a:off x="9994142" y="4735903"/>
+            <a:ext cx="1303706" cy="1859318"/>
+          </a:xfrm>
+          <a:prstGeom prst="rect">
+            <a:avLst/>
+          </a:prstGeom>
+        </p:spPr>
+        <p:style>
+          <a:lnRef idx="2">
+            <a:schemeClr val="accent1">
+              <a:shade val="50000"/>
+            </a:schemeClr>
+          </a:lnRef>
+          <a:fillRef idx="1">
+            <a:schemeClr val="accent1"/>
+          </a:fillRef>
+          <a:effectRef idx="0">
+            <a:schemeClr val="accent1"/>
+          </a:effectRef>
+          <a:fontRef idx="minor">
+            <a:schemeClr val="lt1"/>
+          </a:fontRef>
+        </p:style>
+        <p:txBody>
+          <a:bodyPr rtlCol="0" anchor="ctr"/>
+          <a:lstStyle/>
+          <a:p>
+            <a:pPr algn="ctr"/>
+            <a:r>
+              <a:rPr lang="ko-KR" altLang="en-US" dirty="0"/>
+              <a:t>현재</a:t>
+            </a:r>
+            <a:endParaRPr lang="en-US" altLang="ko-KR" dirty="0"/>
+          </a:p>
+          <a:p>
+            <a:pPr algn="ctr"/>
+            <a:r>
+              <a:rPr lang="ko-KR" altLang="en-US" dirty="0"/>
+              <a:t>선택한</a:t>
+            </a:r>
+            <a:endParaRPr lang="en-US" altLang="ko-KR" dirty="0"/>
+          </a:p>
+          <a:p>
+            <a:pPr algn="ctr"/>
+            <a:r>
+              <a:rPr lang="ko-KR" altLang="en-US" dirty="0"/>
+              <a:t>오브젝트</a:t>
+            </a:r>
+          </a:p>
+        </p:txBody>
+      </p:sp>
+      <p:sp>
+        <p:nvSpPr>
+          <p:cNvPr id="43" name="직사각형 42">
+            <a:extLst>
+              <a:ext uri="{FF2B5EF4-FFF2-40B4-BE49-F238E27FC236}">
+                <a16:creationId xmlns:a16="http://schemas.microsoft.com/office/drawing/2014/main" id="{BB88363D-5035-03DE-18A5-A1FEB26A397A}"/>
+              </a:ext>
+            </a:extLst>
+          </p:cNvPr>
+          <p:cNvSpPr>
+            <a:spLocks noChangeAspect="1"/>
+          </p:cNvSpPr>
+          <p:nvPr/>
+        </p:nvSpPr>
+        <p:spPr>
+          <a:xfrm>
+            <a:off x="869112" y="4148101"/>
+            <a:ext cx="1546284" cy="2447119"/>
+          </a:xfrm>
+          <a:prstGeom prst="rect">
+            <a:avLst/>
+          </a:prstGeom>
+          <a:solidFill>
+            <a:schemeClr val="bg1">
+              <a:lumMod val="95000"/>
+            </a:schemeClr>
+          </a:solidFill>
+        </p:spPr>
+        <p:style>
+          <a:lnRef idx="2">
+            <a:schemeClr val="accent1">
+              <a:shade val="50000"/>
+            </a:schemeClr>
+          </a:lnRef>
+          <a:fillRef idx="1">
+            <a:schemeClr val="accent1"/>
+          </a:fillRef>
+          <a:effectRef idx="0">
+            <a:schemeClr val="accent1"/>
+          </a:effectRef>
+          <a:fontRef idx="minor">
+            <a:schemeClr val="lt1"/>
+          </a:fontRef>
+        </p:style>
+        <p:txBody>
+          <a:bodyPr rtlCol="0" anchor="ctr"/>
+          <a:lstStyle/>
+          <a:p>
+            <a:pPr algn="ctr"/>
+            <a:r>
+              <a:rPr lang="ko-KR" altLang="en-US" sz="1500" dirty="0">
+                <a:solidFill>
+                  <a:schemeClr val="tx1"/>
+                </a:solidFill>
+              </a:rPr>
+              <a:t>단축키 및 설명</a:t>
+            </a:r>
+          </a:p>
+        </p:txBody>
+      </p:sp>
+    </p:spTree>
+    <p:extLst>
+      <p:ext uri="{BB962C8B-B14F-4D97-AF65-F5344CB8AC3E}">
+        <p14:creationId xmlns:p14="http://schemas.microsoft.com/office/powerpoint/2010/main" val="1810896070"/>
       </p:ext>
     </p:extLst>
   </p:cSld>
